--- a/EDA_presentation.pptx
+++ b/EDA_presentation.pptx
@@ -5,15 +5,17 @@
     <p:sldMasterId id="2147483752" r:id="rId1"/>
   </p:sldMasterIdLst>
   <p:sldIdLst>
-    <p:sldId id="256" r:id="rId2"/>
-    <p:sldId id="261" r:id="rId3"/>
-    <p:sldId id="267" r:id="rId4"/>
-    <p:sldId id="269" r:id="rId5"/>
-    <p:sldId id="268" r:id="rId6"/>
-    <p:sldId id="264" r:id="rId7"/>
-    <p:sldId id="263" r:id="rId8"/>
-    <p:sldId id="265" r:id="rId9"/>
-    <p:sldId id="266" r:id="rId10"/>
+    <p:sldId id="273" r:id="rId2"/>
+    <p:sldId id="270" r:id="rId3"/>
+    <p:sldId id="275" r:id="rId4"/>
+    <p:sldId id="267" r:id="rId5"/>
+    <p:sldId id="269" r:id="rId6"/>
+    <p:sldId id="268" r:id="rId7"/>
+    <p:sldId id="264" r:id="rId8"/>
+    <p:sldId id="263" r:id="rId9"/>
+    <p:sldId id="265" r:id="rId10"/>
+    <p:sldId id="266" r:id="rId11"/>
+    <p:sldId id="274" r:id="rId12"/>
   </p:sldIdLst>
   <p:sldSz cx="9144000" cy="6858000" type="screen4x3"/>
   <p:notesSz cx="6858000" cy="9144000"/>
@@ -112,6 +114,11 @@
       </a:defRPr>
     </a:lvl9pPr>
   </p:defaultTextStyle>
+  <p:extLst>
+    <p:ext uri="{EFAFB233-063F-42B5-8137-9DF3F51BA10A}">
+      <p15:sldGuideLst xmlns:p15="http://schemas.microsoft.com/office/powerpoint/2012/main"/>
+    </p:ext>
+  </p:extLst>
 </p:presentation>
 </file>
 
@@ -3398,6 +3405,1081 @@
 <file path=ppt/slides/slide1.xml><?xml version="1.0" encoding="utf-8"?>
 <p:sld xmlns:a="http://schemas.openxmlformats.org/drawingml/2006/main" xmlns:r="http://schemas.openxmlformats.org/officeDocument/2006/relationships" xmlns:p="http://schemas.openxmlformats.org/presentationml/2006/main">
   <p:cSld>
+    <p:bg>
+      <p:bgPr>
+        <a:solidFill>
+          <a:schemeClr val="bg1"/>
+        </a:solidFill>
+        <a:effectLst/>
+      </p:bgPr>
+    </p:bg>
+    <p:spTree>
+      <p:nvGrpSpPr>
+        <p:cNvPr id="1" name=""/>
+        <p:cNvGrpSpPr/>
+        <p:nvPr/>
+      </p:nvGrpSpPr>
+      <p:grpSpPr>
+        <a:xfrm>
+          <a:off x="0" y="0"/>
+          <a:ext cx="0" cy="0"/>
+          <a:chOff x="0" y="0"/>
+          <a:chExt cx="0" cy="0"/>
+        </a:xfrm>
+      </p:grpSpPr>
+      <p:sp useBgFill="1">
+        <p:nvSpPr>
+          <p:cNvPr id="2055" name="Rectangle 2054">
+            <a:extLst>
+              <a:ext uri="{FF2B5EF4-FFF2-40B4-BE49-F238E27FC236}">
+                <a16:creationId xmlns:a16="http://schemas.microsoft.com/office/drawing/2014/main" id="{76906711-0AFB-47DD-A4B6-4E94B38B8C91}"/>
+              </a:ext>
+              <a:ext uri="{C183D7F6-B498-43B3-948B-1728B52AA6E4}">
+                <adec:decorative xmlns:adec="http://schemas.microsoft.com/office/drawing/2017/decorative" val="1"/>
+              </a:ext>
+            </a:extLst>
+          </p:cNvPr>
+          <p:cNvSpPr>
+            <a:spLocks noGrp="1" noRot="1" noChangeAspect="1" noMove="1" noResize="1" noEditPoints="1" noAdjustHandles="1" noChangeArrowheads="1" noChangeShapeType="1" noTextEdit="1"/>
+          </p:cNvSpPr>
+          <p:nvPr>
+            <p:extLst>
+              <p:ext uri="{386F3935-93C4-4BCD-93E2-E3B085C9AB24}">
+                <p16:designElem xmlns:p16="http://schemas.microsoft.com/office/powerpoint/2015/main" val="1"/>
+              </p:ext>
+            </p:extLst>
+          </p:nvPr>
+        </p:nvSpPr>
+        <p:spPr>
+          <a:xfrm>
+            <a:off x="0" y="0"/>
+            <a:ext cx="9144000" cy="6858000"/>
+          </a:xfrm>
+          <a:prstGeom prst="rect">
+            <a:avLst/>
+          </a:prstGeom>
+          <a:ln>
+            <a:noFill/>
+          </a:ln>
+        </p:spPr>
+        <p:style>
+          <a:lnRef idx="2">
+            <a:schemeClr val="accent1">
+              <a:shade val="50000"/>
+            </a:schemeClr>
+          </a:lnRef>
+          <a:fillRef idx="1">
+            <a:schemeClr val="accent1"/>
+          </a:fillRef>
+          <a:effectRef idx="0">
+            <a:schemeClr val="accent1"/>
+          </a:effectRef>
+          <a:fontRef idx="minor">
+            <a:schemeClr val="lt1"/>
+          </a:fontRef>
+        </p:style>
+        <p:txBody>
+          <a:bodyPr rtlCol="0" anchor="ctr"/>
+          <a:lstStyle/>
+          <a:p>
+            <a:pPr algn="ctr"/>
+            <a:endParaRPr lang="en-US"/>
+          </a:p>
+        </p:txBody>
+      </p:sp>
+      <p:sp>
+        <p:nvSpPr>
+          <p:cNvPr id="2057" name="Freeform: Shape 2056">
+            <a:extLst>
+              <a:ext uri="{FF2B5EF4-FFF2-40B4-BE49-F238E27FC236}">
+                <a16:creationId xmlns:a16="http://schemas.microsoft.com/office/drawing/2014/main" id="{AA91F649-894C-41F6-A21D-3D1AC558E934}"/>
+              </a:ext>
+              <a:ext uri="{C183D7F6-B498-43B3-948B-1728B52AA6E4}">
+                <adec:decorative xmlns:adec="http://schemas.microsoft.com/office/drawing/2017/decorative" val="1"/>
+              </a:ext>
+            </a:extLst>
+          </p:cNvPr>
+          <p:cNvSpPr>
+            <a:spLocks noGrp="1" noRot="1" noChangeAspect="1" noMove="1" noResize="1" noEditPoints="1" noAdjustHandles="1" noChangeArrowheads="1" noChangeShapeType="1" noTextEdit="1"/>
+          </p:cNvSpPr>
+          <p:nvPr>
+            <p:extLst>
+              <p:ext uri="{386F3935-93C4-4BCD-93E2-E3B085C9AB24}">
+                <p16:designElem xmlns:p16="http://schemas.microsoft.com/office/powerpoint/2015/main" val="1"/>
+              </p:ext>
+            </p:extLst>
+          </p:nvPr>
+        </p:nvSpPr>
+        <p:spPr>
+          <a:xfrm>
+            <a:off x="0" y="0"/>
+            <a:ext cx="9144000" cy="2877832"/>
+          </a:xfrm>
+          <a:custGeom>
+            <a:avLst/>
+            <a:gdLst>
+              <a:gd name="connsiteX0" fmla="*/ 6789701 w 12192000"/>
+              <a:gd name="connsiteY0" fmla="*/ 2809623 h 2877832"/>
+              <a:gd name="connsiteX1" fmla="*/ 6788702 w 12192000"/>
+              <a:gd name="connsiteY1" fmla="*/ 2809701 h 2877832"/>
+              <a:gd name="connsiteX2" fmla="*/ 6788476 w 12192000"/>
+              <a:gd name="connsiteY2" fmla="*/ 2810235 h 2877832"/>
+              <a:gd name="connsiteX3" fmla="*/ 0 w 12192000"/>
+              <a:gd name="connsiteY3" fmla="*/ 0 h 2877832"/>
+              <a:gd name="connsiteX4" fmla="*/ 12192000 w 12192000"/>
+              <a:gd name="connsiteY4" fmla="*/ 0 h 2877832"/>
+              <a:gd name="connsiteX5" fmla="*/ 12192000 w 12192000"/>
+              <a:gd name="connsiteY5" fmla="*/ 1915388 h 2877832"/>
+              <a:gd name="connsiteX6" fmla="*/ 12061096 w 12192000"/>
+              <a:gd name="connsiteY6" fmla="*/ 1954428 h 2877832"/>
+              <a:gd name="connsiteX7" fmla="*/ 11676800 w 12192000"/>
+              <a:gd name="connsiteY7" fmla="*/ 2058003 h 2877832"/>
+              <a:gd name="connsiteX8" fmla="*/ 10425355 w 12192000"/>
+              <a:gd name="connsiteY8" fmla="*/ 2341542 h 2877832"/>
+              <a:gd name="connsiteX9" fmla="*/ 9424022 w 12192000"/>
+              <a:gd name="connsiteY9" fmla="*/ 2516704 h 2877832"/>
+              <a:gd name="connsiteX10" fmla="*/ 8458419 w 12192000"/>
+              <a:gd name="connsiteY10" fmla="*/ 2650405 h 2877832"/>
+              <a:gd name="connsiteX11" fmla="*/ 7715970 w 12192000"/>
+              <a:gd name="connsiteY11" fmla="*/ 2730352 h 2877832"/>
+              <a:gd name="connsiteX12" fmla="*/ 6951716 w 12192000"/>
+              <a:gd name="connsiteY12" fmla="*/ 2796132 h 2877832"/>
+              <a:gd name="connsiteX13" fmla="*/ 6936303 w 12192000"/>
+              <a:gd name="connsiteY13" fmla="*/ 2798203 h 2877832"/>
+              <a:gd name="connsiteX14" fmla="*/ 6790448 w 12192000"/>
+              <a:gd name="connsiteY14" fmla="*/ 2809564 h 2877832"/>
+              <a:gd name="connsiteX15" fmla="*/ 6799941 w 12192000"/>
+              <a:gd name="connsiteY15" fmla="*/ 2811384 h 2877832"/>
+              <a:gd name="connsiteX16" fmla="*/ 6835432 w 12192000"/>
+              <a:gd name="connsiteY16" fmla="*/ 2809677 h 2877832"/>
+              <a:gd name="connsiteX17" fmla="*/ 6884003 w 12192000"/>
+              <a:gd name="connsiteY17" fmla="*/ 2806699 h 2877832"/>
+              <a:gd name="connsiteX18" fmla="*/ 7578771 w 12192000"/>
+              <a:gd name="connsiteY18" fmla="*/ 2774172 h 2877832"/>
+              <a:gd name="connsiteX19" fmla="*/ 8623845 w 12192000"/>
+              <a:gd name="connsiteY19" fmla="*/ 2687275 h 2877832"/>
+              <a:gd name="connsiteX20" fmla="*/ 9479970 w 12192000"/>
+              <a:gd name="connsiteY20" fmla="*/ 2583369 h 2877832"/>
+              <a:gd name="connsiteX21" fmla="*/ 10629308 w 12192000"/>
+              <a:gd name="connsiteY21" fmla="*/ 2389212 h 2877832"/>
+              <a:gd name="connsiteX22" fmla="*/ 11998498 w 12192000"/>
+              <a:gd name="connsiteY22" fmla="*/ 2063218 h 2877832"/>
+              <a:gd name="connsiteX23" fmla="*/ 12192000 w 12192000"/>
+              <a:gd name="connsiteY23" fmla="*/ 2006219 h 2877832"/>
+              <a:gd name="connsiteX24" fmla="*/ 12192000 w 12192000"/>
+              <a:gd name="connsiteY24" fmla="*/ 2060956 h 2877832"/>
+              <a:gd name="connsiteX25" fmla="*/ 11829257 w 12192000"/>
+              <a:gd name="connsiteY25" fmla="*/ 2166255 h 2877832"/>
+              <a:gd name="connsiteX26" fmla="*/ 10939183 w 12192000"/>
+              <a:gd name="connsiteY26" fmla="*/ 2380770 h 2877832"/>
+              <a:gd name="connsiteX27" fmla="*/ 9985530 w 12192000"/>
+              <a:gd name="connsiteY27" fmla="*/ 2560775 h 2877832"/>
+              <a:gd name="connsiteX28" fmla="*/ 9186882 w 12192000"/>
+              <a:gd name="connsiteY28" fmla="*/ 2676722 h 2877832"/>
+              <a:gd name="connsiteX29" fmla="*/ 8578198 w 12192000"/>
+              <a:gd name="connsiteY29" fmla="*/ 2746241 h 2877832"/>
+              <a:gd name="connsiteX30" fmla="*/ 7864358 w 12192000"/>
+              <a:gd name="connsiteY30" fmla="*/ 2807692 h 2877832"/>
+              <a:gd name="connsiteX31" fmla="*/ 6935502 w 12192000"/>
+              <a:gd name="connsiteY31" fmla="*/ 2859086 h 2877832"/>
+              <a:gd name="connsiteX32" fmla="*/ 6477750 w 12192000"/>
+              <a:gd name="connsiteY32" fmla="*/ 2872989 h 2877832"/>
+              <a:gd name="connsiteX33" fmla="*/ 6362294 w 12192000"/>
+              <a:gd name="connsiteY33" fmla="*/ 2877832 h 2877832"/>
+              <a:gd name="connsiteX34" fmla="*/ 6057129 w 12192000"/>
+              <a:gd name="connsiteY34" fmla="*/ 2877832 h 2877832"/>
+              <a:gd name="connsiteX35" fmla="*/ 5977784 w 12192000"/>
+              <a:gd name="connsiteY35" fmla="*/ 2873238 h 2877832"/>
+              <a:gd name="connsiteX36" fmla="*/ 5265087 w 12192000"/>
+              <a:gd name="connsiteY36" fmla="*/ 2836989 h 2877832"/>
+              <a:gd name="connsiteX37" fmla="*/ 4346277 w 12192000"/>
+              <a:gd name="connsiteY37" fmla="*/ 2774919 h 2877832"/>
+              <a:gd name="connsiteX38" fmla="*/ 3373045 w 12192000"/>
+              <a:gd name="connsiteY38" fmla="*/ 2676350 h 2877832"/>
+              <a:gd name="connsiteX39" fmla="*/ 2362173 w 12192000"/>
+              <a:gd name="connsiteY39" fmla="*/ 2557423 h 2877832"/>
+              <a:gd name="connsiteX40" fmla="*/ 1233178 w 12192000"/>
+              <a:gd name="connsiteY40" fmla="*/ 2384247 h 2877832"/>
+              <a:gd name="connsiteX41" fmla="*/ 68500 w 12192000"/>
+              <a:gd name="connsiteY41" fmla="*/ 2144540 h 2877832"/>
+              <a:gd name="connsiteX42" fmla="*/ 0 w 12192000"/>
+              <a:gd name="connsiteY42" fmla="*/ 2127185 h 2877832"/>
+              <a:gd name="connsiteX43" fmla="*/ 0 w 12192000"/>
+              <a:gd name="connsiteY43" fmla="*/ 2070696 h 2877832"/>
+              <a:gd name="connsiteX44" fmla="*/ 72441 w 12192000"/>
+              <a:gd name="connsiteY44" fmla="*/ 2089473 h 2877832"/>
+              <a:gd name="connsiteX45" fmla="*/ 600716 w 12192000"/>
+              <a:gd name="connsiteY45" fmla="*/ 2207843 h 2877832"/>
+              <a:gd name="connsiteX46" fmla="*/ 1769512 w 12192000"/>
+              <a:gd name="connsiteY46" fmla="*/ 2418011 h 2877832"/>
+              <a:gd name="connsiteX47" fmla="*/ 2613554 w 12192000"/>
+              <a:gd name="connsiteY47" fmla="*/ 2534953 h 2877832"/>
+              <a:gd name="connsiteX48" fmla="*/ 2581134 w 12192000"/>
+              <a:gd name="connsiteY48" fmla="*/ 2525022 h 2877832"/>
+              <a:gd name="connsiteX49" fmla="*/ 1112635 w 12192000"/>
+              <a:gd name="connsiteY49" fmla="*/ 2192325 h 2877832"/>
+              <a:gd name="connsiteX50" fmla="*/ 420412 w 12192000"/>
+              <a:gd name="connsiteY50" fmla="*/ 1992892 h 2877832"/>
+              <a:gd name="connsiteX51" fmla="*/ 0 w 12192000"/>
+              <a:gd name="connsiteY51" fmla="*/ 1853975 h 2877832"/>
+            </a:gdLst>
+            <a:ahLst/>
+            <a:cxnLst>
+              <a:cxn ang="0">
+                <a:pos x="connsiteX0" y="connsiteY0"/>
+              </a:cxn>
+              <a:cxn ang="0">
+                <a:pos x="connsiteX1" y="connsiteY1"/>
+              </a:cxn>
+              <a:cxn ang="0">
+                <a:pos x="connsiteX2" y="connsiteY2"/>
+              </a:cxn>
+              <a:cxn ang="0">
+                <a:pos x="connsiteX3" y="connsiteY3"/>
+              </a:cxn>
+              <a:cxn ang="0">
+                <a:pos x="connsiteX4" y="connsiteY4"/>
+              </a:cxn>
+              <a:cxn ang="0">
+                <a:pos x="connsiteX5" y="connsiteY5"/>
+              </a:cxn>
+              <a:cxn ang="0">
+                <a:pos x="connsiteX6" y="connsiteY6"/>
+              </a:cxn>
+              <a:cxn ang="0">
+                <a:pos x="connsiteX7" y="connsiteY7"/>
+              </a:cxn>
+              <a:cxn ang="0">
+                <a:pos x="connsiteX8" y="connsiteY8"/>
+              </a:cxn>
+              <a:cxn ang="0">
+                <a:pos x="connsiteX9" y="connsiteY9"/>
+              </a:cxn>
+              <a:cxn ang="0">
+                <a:pos x="connsiteX10" y="connsiteY10"/>
+              </a:cxn>
+              <a:cxn ang="0">
+                <a:pos x="connsiteX11" y="connsiteY11"/>
+              </a:cxn>
+              <a:cxn ang="0">
+                <a:pos x="connsiteX12" y="connsiteY12"/>
+              </a:cxn>
+              <a:cxn ang="0">
+                <a:pos x="connsiteX13" y="connsiteY13"/>
+              </a:cxn>
+              <a:cxn ang="0">
+                <a:pos x="connsiteX14" y="connsiteY14"/>
+              </a:cxn>
+              <a:cxn ang="0">
+                <a:pos x="connsiteX15" y="connsiteY15"/>
+              </a:cxn>
+              <a:cxn ang="0">
+                <a:pos x="connsiteX16" y="connsiteY16"/>
+              </a:cxn>
+              <a:cxn ang="0">
+                <a:pos x="connsiteX17" y="connsiteY17"/>
+              </a:cxn>
+              <a:cxn ang="0">
+                <a:pos x="connsiteX18" y="connsiteY18"/>
+              </a:cxn>
+              <a:cxn ang="0">
+                <a:pos x="connsiteX19" y="connsiteY19"/>
+              </a:cxn>
+              <a:cxn ang="0">
+                <a:pos x="connsiteX20" y="connsiteY20"/>
+              </a:cxn>
+              <a:cxn ang="0">
+                <a:pos x="connsiteX21" y="connsiteY21"/>
+              </a:cxn>
+              <a:cxn ang="0">
+                <a:pos x="connsiteX22" y="connsiteY22"/>
+              </a:cxn>
+              <a:cxn ang="0">
+                <a:pos x="connsiteX23" y="connsiteY23"/>
+              </a:cxn>
+              <a:cxn ang="0">
+                <a:pos x="connsiteX24" y="connsiteY24"/>
+              </a:cxn>
+              <a:cxn ang="0">
+                <a:pos x="connsiteX25" y="connsiteY25"/>
+              </a:cxn>
+              <a:cxn ang="0">
+                <a:pos x="connsiteX26" y="connsiteY26"/>
+              </a:cxn>
+              <a:cxn ang="0">
+                <a:pos x="connsiteX27" y="connsiteY27"/>
+              </a:cxn>
+              <a:cxn ang="0">
+                <a:pos x="connsiteX28" y="connsiteY28"/>
+              </a:cxn>
+              <a:cxn ang="0">
+                <a:pos x="connsiteX29" y="connsiteY29"/>
+              </a:cxn>
+              <a:cxn ang="0">
+                <a:pos x="connsiteX30" y="connsiteY30"/>
+              </a:cxn>
+              <a:cxn ang="0">
+                <a:pos x="connsiteX31" y="connsiteY31"/>
+              </a:cxn>
+              <a:cxn ang="0">
+                <a:pos x="connsiteX32" y="connsiteY32"/>
+              </a:cxn>
+              <a:cxn ang="0">
+                <a:pos x="connsiteX33" y="connsiteY33"/>
+              </a:cxn>
+              <a:cxn ang="0">
+                <a:pos x="connsiteX34" y="connsiteY34"/>
+              </a:cxn>
+              <a:cxn ang="0">
+                <a:pos x="connsiteX35" y="connsiteY35"/>
+              </a:cxn>
+              <a:cxn ang="0">
+                <a:pos x="connsiteX36" y="connsiteY36"/>
+              </a:cxn>
+              <a:cxn ang="0">
+                <a:pos x="connsiteX37" y="connsiteY37"/>
+              </a:cxn>
+              <a:cxn ang="0">
+                <a:pos x="connsiteX38" y="connsiteY38"/>
+              </a:cxn>
+              <a:cxn ang="0">
+                <a:pos x="connsiteX39" y="connsiteY39"/>
+              </a:cxn>
+              <a:cxn ang="0">
+                <a:pos x="connsiteX40" y="connsiteY40"/>
+              </a:cxn>
+              <a:cxn ang="0">
+                <a:pos x="connsiteX41" y="connsiteY41"/>
+              </a:cxn>
+              <a:cxn ang="0">
+                <a:pos x="connsiteX42" y="connsiteY42"/>
+              </a:cxn>
+              <a:cxn ang="0">
+                <a:pos x="connsiteX43" y="connsiteY43"/>
+              </a:cxn>
+              <a:cxn ang="0">
+                <a:pos x="connsiteX44" y="connsiteY44"/>
+              </a:cxn>
+              <a:cxn ang="0">
+                <a:pos x="connsiteX45" y="connsiteY45"/>
+              </a:cxn>
+              <a:cxn ang="0">
+                <a:pos x="connsiteX46" y="connsiteY46"/>
+              </a:cxn>
+              <a:cxn ang="0">
+                <a:pos x="connsiteX47" y="connsiteY47"/>
+              </a:cxn>
+              <a:cxn ang="0">
+                <a:pos x="connsiteX48" y="connsiteY48"/>
+              </a:cxn>
+              <a:cxn ang="0">
+                <a:pos x="connsiteX49" y="connsiteY49"/>
+              </a:cxn>
+              <a:cxn ang="0">
+                <a:pos x="connsiteX50" y="connsiteY50"/>
+              </a:cxn>
+              <a:cxn ang="0">
+                <a:pos x="connsiteX51" y="connsiteY51"/>
+              </a:cxn>
+            </a:cxnLst>
+            <a:rect l="l" t="t" r="r" b="b"/>
+            <a:pathLst>
+              <a:path w="12192000" h="2877832">
+                <a:moveTo>
+                  <a:pt x="6789701" y="2809623"/>
+                </a:moveTo>
+                <a:lnTo>
+                  <a:pt x="6788702" y="2809701"/>
+                </a:lnTo>
+                <a:lnTo>
+                  <a:pt x="6788476" y="2810235"/>
+                </a:lnTo>
+                <a:close/>
+                <a:moveTo>
+                  <a:pt x="0" y="0"/>
+                </a:moveTo>
+                <a:lnTo>
+                  <a:pt x="12192000" y="0"/>
+                </a:lnTo>
+                <a:lnTo>
+                  <a:pt x="12192000" y="1915388"/>
+                </a:lnTo>
+                <a:lnTo>
+                  <a:pt x="12061096" y="1954428"/>
+                </a:lnTo>
+                <a:cubicBezTo>
+                  <a:pt x="11933500" y="1990642"/>
+                  <a:pt x="11805390" y="2025171"/>
+                  <a:pt x="11676800" y="2058003"/>
+                </a:cubicBezTo>
+                <a:cubicBezTo>
+                  <a:pt x="11262789" y="2165510"/>
+                  <a:pt x="10845343" y="2259112"/>
+                  <a:pt x="10425355" y="2341542"/>
+                </a:cubicBezTo>
+                <a:cubicBezTo>
+                  <a:pt x="10092810" y="2406753"/>
+                  <a:pt x="9759033" y="2465150"/>
+                  <a:pt x="9424022" y="2516704"/>
+                </a:cubicBezTo>
+                <a:cubicBezTo>
+                  <a:pt x="9102997" y="2566361"/>
+                  <a:pt x="8781133" y="2610928"/>
+                  <a:pt x="8458419" y="2650405"/>
+                </a:cubicBezTo>
+                <a:cubicBezTo>
+                  <a:pt x="8211360" y="2680571"/>
+                  <a:pt x="7963792" y="2706144"/>
+                  <a:pt x="7715970" y="2730352"/>
+                </a:cubicBezTo>
+                <a:lnTo>
+                  <a:pt x="6951716" y="2796132"/>
+                </a:lnTo>
+                <a:lnTo>
+                  <a:pt x="6936303" y="2798203"/>
+                </a:lnTo>
+                <a:lnTo>
+                  <a:pt x="6790448" y="2809564"/>
+                </a:lnTo>
+                <a:lnTo>
+                  <a:pt x="6799941" y="2811384"/>
+                </a:lnTo>
+                <a:cubicBezTo>
+                  <a:pt x="6811623" y="2811850"/>
+                  <a:pt x="6823734" y="2809677"/>
+                  <a:pt x="6835432" y="2809677"/>
+                </a:cubicBezTo>
+                <a:cubicBezTo>
+                  <a:pt x="6851580" y="2809677"/>
+                  <a:pt x="6867729" y="2807070"/>
+                  <a:pt x="6884003" y="2806699"/>
+                </a:cubicBezTo>
+                <a:cubicBezTo>
+                  <a:pt x="7115805" y="2801237"/>
+                  <a:pt x="7347351" y="2789070"/>
+                  <a:pt x="7578771" y="2774172"/>
+                </a:cubicBezTo>
+                <a:cubicBezTo>
+                  <a:pt x="7927552" y="2751704"/>
+                  <a:pt x="8276080" y="2723525"/>
+                  <a:pt x="8623845" y="2687275"/>
+                </a:cubicBezTo>
+                <a:cubicBezTo>
+                  <a:pt x="8909939" y="2657977"/>
+                  <a:pt x="9195310" y="2623342"/>
+                  <a:pt x="9479970" y="2583369"/>
+                </a:cubicBezTo>
+                <a:cubicBezTo>
+                  <a:pt x="9864901" y="2528995"/>
+                  <a:pt x="10248014" y="2464281"/>
+                  <a:pt x="10629308" y="2389212"/>
+                </a:cubicBezTo>
+                <a:cubicBezTo>
+                  <a:pt x="11090114" y="2298092"/>
+                  <a:pt x="11546975" y="2190586"/>
+                  <a:pt x="11998498" y="2063218"/>
+                </a:cubicBezTo>
+                <a:lnTo>
+                  <a:pt x="12192000" y="2006219"/>
+                </a:lnTo>
+                <a:lnTo>
+                  <a:pt x="12192000" y="2060956"/>
+                </a:lnTo>
+                <a:lnTo>
+                  <a:pt x="11829257" y="2166255"/>
+                </a:lnTo>
+                <a:cubicBezTo>
+                  <a:pt x="11534769" y="2245952"/>
+                  <a:pt x="11238120" y="2316838"/>
+                  <a:pt x="10939183" y="2380770"/>
+                </a:cubicBezTo>
+                <a:cubicBezTo>
+                  <a:pt x="10622824" y="2448552"/>
+                  <a:pt x="10304941" y="2508549"/>
+                  <a:pt x="9985530" y="2560775"/>
+                </a:cubicBezTo>
+                <a:cubicBezTo>
+                  <a:pt x="9720036" y="2604224"/>
+                  <a:pt x="9453814" y="2642869"/>
+                  <a:pt x="9186882" y="2676722"/>
+                </a:cubicBezTo>
+                <a:cubicBezTo>
+                  <a:pt x="8984197" y="2702296"/>
+                  <a:pt x="8781514" y="2726379"/>
+                  <a:pt x="8578198" y="2746241"/>
+                </a:cubicBezTo>
+                <a:cubicBezTo>
+                  <a:pt x="8340547" y="2768961"/>
+                  <a:pt x="8102644" y="2790436"/>
+                  <a:pt x="7864358" y="2807692"/>
+                </a:cubicBezTo>
+                <a:cubicBezTo>
+                  <a:pt x="7554994" y="2830036"/>
+                  <a:pt x="7245502" y="2847914"/>
+                  <a:pt x="6935502" y="2859086"/>
+                </a:cubicBezTo>
+                <a:cubicBezTo>
+                  <a:pt x="6782917" y="2864549"/>
+                  <a:pt x="6630334" y="2868397"/>
+                  <a:pt x="6477750" y="2872989"/>
+                </a:cubicBezTo>
+                <a:cubicBezTo>
+                  <a:pt x="6439195" y="2870905"/>
+                  <a:pt x="6400529" y="2872530"/>
+                  <a:pt x="6362294" y="2877832"/>
+                </a:cubicBezTo>
+                <a:lnTo>
+                  <a:pt x="6057129" y="2877832"/>
+                </a:lnTo>
+                <a:lnTo>
+                  <a:pt x="5977784" y="2873238"/>
+                </a:lnTo>
+                <a:cubicBezTo>
+                  <a:pt x="5740261" y="2860825"/>
+                  <a:pt x="5502739" y="2847046"/>
+                  <a:pt x="5265087" y="2836989"/>
+                </a:cubicBezTo>
+                <a:cubicBezTo>
+                  <a:pt x="4958267" y="2824573"/>
+                  <a:pt x="4651826" y="2804093"/>
+                  <a:pt x="4346277" y="2774919"/>
+                </a:cubicBezTo>
+                <a:cubicBezTo>
+                  <a:pt x="4021654" y="2744007"/>
+                  <a:pt x="3697795" y="2709372"/>
+                  <a:pt x="3373045" y="2676350"/>
+                </a:cubicBezTo>
+                <a:cubicBezTo>
+                  <a:pt x="3035412" y="2642088"/>
+                  <a:pt x="2698456" y="2602449"/>
+                  <a:pt x="2362173" y="2557423"/>
+                </a:cubicBezTo>
+                <a:cubicBezTo>
+                  <a:pt x="1984692" y="2507270"/>
+                  <a:pt x="1608364" y="2449544"/>
+                  <a:pt x="1233178" y="2384247"/>
+                </a:cubicBezTo>
+                <a:cubicBezTo>
+                  <a:pt x="842181" y="2315534"/>
+                  <a:pt x="453758" y="2237046"/>
+                  <a:pt x="68500" y="2144540"/>
+                </a:cubicBezTo>
+                <a:lnTo>
+                  <a:pt x="0" y="2127185"/>
+                </a:lnTo>
+                <a:lnTo>
+                  <a:pt x="0" y="2070696"/>
+                </a:lnTo>
+                <a:lnTo>
+                  <a:pt x="72441" y="2089473"/>
+                </a:lnTo>
+                <a:cubicBezTo>
+                  <a:pt x="247961" y="2131651"/>
+                  <a:pt x="424164" y="2170911"/>
+                  <a:pt x="600716" y="2207843"/>
+                </a:cubicBezTo>
+                <a:cubicBezTo>
+                  <a:pt x="988279" y="2288657"/>
+                  <a:pt x="1378133" y="2357555"/>
+                  <a:pt x="1769512" y="2418011"/>
+                </a:cubicBezTo>
+                <a:cubicBezTo>
+                  <a:pt x="2052426" y="2461587"/>
+                  <a:pt x="2335725" y="2501684"/>
+                  <a:pt x="2613554" y="2534953"/>
+                </a:cubicBezTo>
+                <a:cubicBezTo>
+                  <a:pt x="2605544" y="2537560"/>
+                  <a:pt x="2594611" y="2527504"/>
+                  <a:pt x="2581134" y="2525022"/>
+                </a:cubicBezTo>
+                <a:cubicBezTo>
+                  <a:pt x="2087178" y="2433070"/>
+                  <a:pt x="1597684" y="2322177"/>
+                  <a:pt x="1112635" y="2192325"/>
+                </a:cubicBezTo>
+                <a:cubicBezTo>
+                  <a:pt x="880453" y="2130254"/>
+                  <a:pt x="649713" y="2063776"/>
+                  <a:pt x="420412" y="1992892"/>
+                </a:cubicBezTo>
+                <a:lnTo>
+                  <a:pt x="0" y="1853975"/>
+                </a:lnTo>
+                <a:close/>
+              </a:path>
+            </a:pathLst>
+          </a:custGeom>
+          <a:solidFill>
+            <a:schemeClr val="accent2"/>
+          </a:solidFill>
+          <a:ln>
+            <a:noFill/>
+          </a:ln>
+        </p:spPr>
+        <p:style>
+          <a:lnRef idx="2">
+            <a:schemeClr val="accent1">
+              <a:shade val="50000"/>
+            </a:schemeClr>
+          </a:lnRef>
+          <a:fillRef idx="1">
+            <a:schemeClr val="accent1"/>
+          </a:fillRef>
+          <a:effectRef idx="0">
+            <a:schemeClr val="accent1"/>
+          </a:effectRef>
+          <a:fontRef idx="minor">
+            <a:schemeClr val="lt1"/>
+          </a:fontRef>
+        </p:style>
+        <p:txBody>
+          <a:bodyPr wrap="square" rtlCol="0" anchor="ctr">
+            <a:noAutofit/>
+          </a:bodyPr>
+          <a:lstStyle/>
+          <a:p>
+            <a:pPr algn="ctr"/>
+            <a:endParaRPr lang="en-US"/>
+          </a:p>
+        </p:txBody>
+      </p:sp>
+      <p:sp>
+        <p:nvSpPr>
+          <p:cNvPr id="2" name="Title 1">
+            <a:extLst>
+              <a:ext uri="{FF2B5EF4-FFF2-40B4-BE49-F238E27FC236}">
+                <a16:creationId xmlns:a16="http://schemas.microsoft.com/office/drawing/2014/main" id="{7BD3D7E2-AF77-9406-5D27-98F4EC3C9634}"/>
+              </a:ext>
+            </a:extLst>
+          </p:cNvPr>
+          <p:cNvSpPr>
+            <a:spLocks noGrp="1"/>
+          </p:cNvSpPr>
+          <p:nvPr>
+            <p:ph type="ctrTitle"/>
+          </p:nvPr>
+        </p:nvSpPr>
+        <p:spPr>
+          <a:xfrm>
+            <a:off x="479160" y="390525"/>
+            <a:ext cx="8182230" cy="1510301"/>
+          </a:xfrm>
+        </p:spPr>
+        <p:txBody>
+          <a:bodyPr anchor="ctr">
+            <a:normAutofit/>
+          </a:bodyPr>
+          <a:lstStyle/>
+          <a:p>
+            <a:r>
+              <a:rPr lang="en-DE" sz="5000" b="1" dirty="0">
+                <a:solidFill>
+                  <a:srgbClr val="FFFFFF"/>
+                </a:solidFill>
+                <a:latin typeface="Arial" panose="020B0604020202020204" pitchFamily="34" charset="0"/>
+                <a:cs typeface="Arial" panose="020B0604020202020204" pitchFamily="34" charset="0"/>
+              </a:rPr>
+              <a:t>Data science bootcamp</a:t>
+            </a:r>
+          </a:p>
+        </p:txBody>
+      </p:sp>
+      <p:sp>
+        <p:nvSpPr>
+          <p:cNvPr id="3" name="Subtitle 2">
+            <a:extLst>
+              <a:ext uri="{FF2B5EF4-FFF2-40B4-BE49-F238E27FC236}">
+                <a16:creationId xmlns:a16="http://schemas.microsoft.com/office/drawing/2014/main" id="{51AB75B0-8574-DF28-2C68-119601784A35}"/>
+              </a:ext>
+            </a:extLst>
+          </p:cNvPr>
+          <p:cNvSpPr>
+            <a:spLocks noGrp="1"/>
+          </p:cNvSpPr>
+          <p:nvPr>
+            <p:ph type="subTitle" idx="1"/>
+          </p:nvPr>
+        </p:nvSpPr>
+        <p:spPr>
+          <a:xfrm>
+            <a:off x="2171700" y="1900826"/>
+            <a:ext cx="4797153" cy="662542"/>
+          </a:xfrm>
+        </p:spPr>
+        <p:txBody>
+          <a:bodyPr anchor="ctr">
+            <a:normAutofit/>
+          </a:bodyPr>
+          <a:lstStyle/>
+          <a:p>
+            <a:r>
+              <a:rPr lang="en-DE" sz="2000" dirty="0">
+                <a:solidFill>
+                  <a:srgbClr val="FFFFFF"/>
+                </a:solidFill>
+                <a:latin typeface="Arial" panose="020B0604020202020204" pitchFamily="34" charset="0"/>
+                <a:cs typeface="Arial" panose="020B0604020202020204" pitchFamily="34" charset="0"/>
+              </a:rPr>
+              <a:t>Exploratory data analysis</a:t>
+            </a:r>
+            <a:br>
+              <a:rPr lang="en-DE" sz="2000" dirty="0">
+                <a:solidFill>
+                  <a:srgbClr val="FFFFFF"/>
+                </a:solidFill>
+                <a:latin typeface="Arial" panose="020B0604020202020204" pitchFamily="34" charset="0"/>
+                <a:cs typeface="Arial" panose="020B0604020202020204" pitchFamily="34" charset="0"/>
+              </a:rPr>
+            </a:br>
+            <a:r>
+              <a:rPr lang="en-DE" sz="2000" dirty="0">
+                <a:solidFill>
+                  <a:srgbClr val="FFFFFF"/>
+                </a:solidFill>
+                <a:latin typeface="Arial" panose="020B0604020202020204" pitchFamily="34" charset="0"/>
+                <a:cs typeface="Arial" panose="020B0604020202020204" pitchFamily="34" charset="0"/>
+              </a:rPr>
+              <a:t>- King County Housing  </a:t>
+            </a:r>
+          </a:p>
+        </p:txBody>
+      </p:sp>
+      <p:sp>
+        <p:nvSpPr>
+          <p:cNvPr id="2059" name="sketch line">
+            <a:extLst>
+              <a:ext uri="{FF2B5EF4-FFF2-40B4-BE49-F238E27FC236}">
+                <a16:creationId xmlns:a16="http://schemas.microsoft.com/office/drawing/2014/main" id="{56037404-66BD-46B5-9323-1B531319671A}"/>
+              </a:ext>
+              <a:ext uri="{C183D7F6-B498-43B3-948B-1728B52AA6E4}">
+                <adec:decorative xmlns:adec="http://schemas.microsoft.com/office/drawing/2017/decorative" val="1"/>
+              </a:ext>
+            </a:extLst>
+          </p:cNvPr>
+          <p:cNvSpPr>
+            <a:spLocks noGrp="1" noRot="1" noChangeAspect="1" noMove="1" noResize="1" noEditPoints="1" noAdjustHandles="1" noChangeArrowheads="1" noChangeShapeType="1" noTextEdit="1"/>
+          </p:cNvSpPr>
+          <p:nvPr>
+            <p:extLst>
+              <p:ext uri="{386F3935-93C4-4BCD-93E2-E3B085C9AB24}">
+                <p16:designElem xmlns:p16="http://schemas.microsoft.com/office/powerpoint/2015/main" val="1"/>
+              </p:ext>
+            </p:extLst>
+          </p:nvPr>
+        </p:nvSpPr>
+        <p:spPr>
+          <a:xfrm>
+            <a:off x="2980654" y="1753266"/>
+            <a:ext cx="3182692" cy="18288"/>
+          </a:xfrm>
+          <a:custGeom>
+            <a:avLst/>
+            <a:gdLst>
+              <a:gd name="connsiteX0" fmla="*/ 0 w 3182692"/>
+              <a:gd name="connsiteY0" fmla="*/ 0 h 18288"/>
+              <a:gd name="connsiteX1" fmla="*/ 604711 w 3182692"/>
+              <a:gd name="connsiteY1" fmla="*/ 0 h 18288"/>
+              <a:gd name="connsiteX2" fmla="*/ 1241250 w 3182692"/>
+              <a:gd name="connsiteY2" fmla="*/ 0 h 18288"/>
+              <a:gd name="connsiteX3" fmla="*/ 1909615 w 3182692"/>
+              <a:gd name="connsiteY3" fmla="*/ 0 h 18288"/>
+              <a:gd name="connsiteX4" fmla="*/ 2577981 w 3182692"/>
+              <a:gd name="connsiteY4" fmla="*/ 0 h 18288"/>
+              <a:gd name="connsiteX5" fmla="*/ 3182692 w 3182692"/>
+              <a:gd name="connsiteY5" fmla="*/ 0 h 18288"/>
+              <a:gd name="connsiteX6" fmla="*/ 3182692 w 3182692"/>
+              <a:gd name="connsiteY6" fmla="*/ 18288 h 18288"/>
+              <a:gd name="connsiteX7" fmla="*/ 2482500 w 3182692"/>
+              <a:gd name="connsiteY7" fmla="*/ 18288 h 18288"/>
+              <a:gd name="connsiteX8" fmla="*/ 1782308 w 3182692"/>
+              <a:gd name="connsiteY8" fmla="*/ 18288 h 18288"/>
+              <a:gd name="connsiteX9" fmla="*/ 1145769 w 3182692"/>
+              <a:gd name="connsiteY9" fmla="*/ 18288 h 18288"/>
+              <a:gd name="connsiteX10" fmla="*/ 0 w 3182692"/>
+              <a:gd name="connsiteY10" fmla="*/ 18288 h 18288"/>
+              <a:gd name="connsiteX11" fmla="*/ 0 w 3182692"/>
+              <a:gd name="connsiteY11" fmla="*/ 0 h 18288"/>
+            </a:gdLst>
+            <a:ahLst/>
+            <a:cxnLst>
+              <a:cxn ang="0">
+                <a:pos x="connsiteX0" y="connsiteY0"/>
+              </a:cxn>
+              <a:cxn ang="0">
+                <a:pos x="connsiteX1" y="connsiteY1"/>
+              </a:cxn>
+              <a:cxn ang="0">
+                <a:pos x="connsiteX2" y="connsiteY2"/>
+              </a:cxn>
+              <a:cxn ang="0">
+                <a:pos x="connsiteX3" y="connsiteY3"/>
+              </a:cxn>
+              <a:cxn ang="0">
+                <a:pos x="connsiteX4" y="connsiteY4"/>
+              </a:cxn>
+              <a:cxn ang="0">
+                <a:pos x="connsiteX5" y="connsiteY5"/>
+              </a:cxn>
+              <a:cxn ang="0">
+                <a:pos x="connsiteX6" y="connsiteY6"/>
+              </a:cxn>
+              <a:cxn ang="0">
+                <a:pos x="connsiteX7" y="connsiteY7"/>
+              </a:cxn>
+              <a:cxn ang="0">
+                <a:pos x="connsiteX8" y="connsiteY8"/>
+              </a:cxn>
+              <a:cxn ang="0">
+                <a:pos x="connsiteX9" y="connsiteY9"/>
+              </a:cxn>
+              <a:cxn ang="0">
+                <a:pos x="connsiteX10" y="connsiteY10"/>
+              </a:cxn>
+              <a:cxn ang="0">
+                <a:pos x="connsiteX11" y="connsiteY11"/>
+              </a:cxn>
+            </a:cxnLst>
+            <a:rect l="l" t="t" r="r" b="b"/>
+            <a:pathLst>
+              <a:path w="3182692" h="18288" fill="none" extrusionOk="0">
+                <a:moveTo>
+                  <a:pt x="0" y="0"/>
+                </a:moveTo>
+                <a:cubicBezTo>
+                  <a:pt x="126686" y="-21366"/>
+                  <a:pt x="467788" y="9025"/>
+                  <a:pt x="604711" y="0"/>
+                </a:cubicBezTo>
+                <a:cubicBezTo>
+                  <a:pt x="741634" y="-9025"/>
+                  <a:pt x="1061620" y="6814"/>
+                  <a:pt x="1241250" y="0"/>
+                </a:cubicBezTo>
+                <a:cubicBezTo>
+                  <a:pt x="1420880" y="-6814"/>
+                  <a:pt x="1713773" y="13383"/>
+                  <a:pt x="1909615" y="0"/>
+                </a:cubicBezTo>
+                <a:cubicBezTo>
+                  <a:pt x="2105457" y="-13383"/>
+                  <a:pt x="2257256" y="13567"/>
+                  <a:pt x="2577981" y="0"/>
+                </a:cubicBezTo>
+                <a:cubicBezTo>
+                  <a:pt x="2898706" y="-13567"/>
+                  <a:pt x="3026063" y="6328"/>
+                  <a:pt x="3182692" y="0"/>
+                </a:cubicBezTo>
+                <a:cubicBezTo>
+                  <a:pt x="3181983" y="8157"/>
+                  <a:pt x="3182279" y="12125"/>
+                  <a:pt x="3182692" y="18288"/>
+                </a:cubicBezTo>
+                <a:cubicBezTo>
+                  <a:pt x="2998421" y="21742"/>
+                  <a:pt x="2675038" y="19014"/>
+                  <a:pt x="2482500" y="18288"/>
+                </a:cubicBezTo>
+                <a:cubicBezTo>
+                  <a:pt x="2289962" y="17562"/>
+                  <a:pt x="1930644" y="6834"/>
+                  <a:pt x="1782308" y="18288"/>
+                </a:cubicBezTo>
+                <a:cubicBezTo>
+                  <a:pt x="1633972" y="29742"/>
+                  <a:pt x="1287388" y="-1992"/>
+                  <a:pt x="1145769" y="18288"/>
+                </a:cubicBezTo>
+                <a:cubicBezTo>
+                  <a:pt x="1004150" y="38568"/>
+                  <a:pt x="256377" y="-37438"/>
+                  <a:pt x="0" y="18288"/>
+                </a:cubicBezTo>
+                <a:cubicBezTo>
+                  <a:pt x="-46" y="12483"/>
+                  <a:pt x="-203" y="6491"/>
+                  <a:pt x="0" y="0"/>
+                </a:cubicBezTo>
+                <a:close/>
+              </a:path>
+              <a:path w="3182692" h="18288" stroke="0" extrusionOk="0">
+                <a:moveTo>
+                  <a:pt x="0" y="0"/>
+                </a:moveTo>
+                <a:cubicBezTo>
+                  <a:pt x="283446" y="18201"/>
+                  <a:pt x="432812" y="7290"/>
+                  <a:pt x="604711" y="0"/>
+                </a:cubicBezTo>
+                <a:cubicBezTo>
+                  <a:pt x="776610" y="-7290"/>
+                  <a:pt x="982253" y="15478"/>
+                  <a:pt x="1145769" y="0"/>
+                </a:cubicBezTo>
+                <a:cubicBezTo>
+                  <a:pt x="1309285" y="-15478"/>
+                  <a:pt x="1514247" y="-25520"/>
+                  <a:pt x="1845961" y="0"/>
+                </a:cubicBezTo>
+                <a:cubicBezTo>
+                  <a:pt x="2177675" y="25520"/>
+                  <a:pt x="2297588" y="16646"/>
+                  <a:pt x="2450673" y="0"/>
+                </a:cubicBezTo>
+                <a:cubicBezTo>
+                  <a:pt x="2603758" y="-16646"/>
+                  <a:pt x="3023048" y="-21196"/>
+                  <a:pt x="3182692" y="0"/>
+                </a:cubicBezTo>
+                <a:cubicBezTo>
+                  <a:pt x="3182428" y="4493"/>
+                  <a:pt x="3183076" y="9472"/>
+                  <a:pt x="3182692" y="18288"/>
+                </a:cubicBezTo>
+                <a:cubicBezTo>
+                  <a:pt x="3039109" y="-12701"/>
+                  <a:pt x="2823860" y="13848"/>
+                  <a:pt x="2546154" y="18288"/>
+                </a:cubicBezTo>
+                <a:cubicBezTo>
+                  <a:pt x="2268448" y="22728"/>
+                  <a:pt x="2098674" y="5291"/>
+                  <a:pt x="1845961" y="18288"/>
+                </a:cubicBezTo>
+                <a:cubicBezTo>
+                  <a:pt x="1593248" y="31285"/>
+                  <a:pt x="1456743" y="27560"/>
+                  <a:pt x="1304904" y="18288"/>
+                </a:cubicBezTo>
+                <a:cubicBezTo>
+                  <a:pt x="1153065" y="9016"/>
+                  <a:pt x="947204" y="11126"/>
+                  <a:pt x="668365" y="18288"/>
+                </a:cubicBezTo>
+                <a:cubicBezTo>
+                  <a:pt x="389526" y="25450"/>
+                  <a:pt x="288244" y="-4628"/>
+                  <a:pt x="0" y="18288"/>
+                </a:cubicBezTo>
+                <a:cubicBezTo>
+                  <a:pt x="843" y="9577"/>
+                  <a:pt x="371" y="6900"/>
+                  <a:pt x="0" y="0"/>
+                </a:cubicBezTo>
+                <a:close/>
+              </a:path>
+            </a:pathLst>
+          </a:custGeom>
+          <a:solidFill>
+            <a:srgbClr val="FFFFFF"/>
+          </a:solidFill>
+          <a:ln w="38100" cap="rnd">
+            <a:solidFill>
+              <a:srgbClr val="FFFFFF"/>
+            </a:solidFill>
+            <a:round/>
+            <a:extLst>
+              <a:ext uri="{C807C97D-BFC1-408E-A445-0C87EB9F89A2}">
+                <ask:lineSketchStyleProps xmlns:ask="http://schemas.microsoft.com/office/drawing/2018/sketchyshapes" sd="1219033472">
+                  <a:prstGeom prst="rect">
+                    <a:avLst/>
+                  </a:prstGeom>
+                  <ask:type>
+                    <ask:lineSketchFreehand/>
+                  </ask:type>
+                </ask:lineSketchStyleProps>
+              </a:ext>
+            </a:extLst>
+          </a:ln>
+        </p:spPr>
+        <p:style>
+          <a:lnRef idx="2">
+            <a:schemeClr val="accent1">
+              <a:shade val="50000"/>
+            </a:schemeClr>
+          </a:lnRef>
+          <a:fillRef idx="1">
+            <a:schemeClr val="accent1"/>
+          </a:fillRef>
+          <a:effectRef idx="0">
+            <a:schemeClr val="accent1"/>
+          </a:effectRef>
+          <a:fontRef idx="minor">
+            <a:schemeClr val="lt1"/>
+          </a:fontRef>
+        </p:style>
+        <p:txBody>
+          <a:bodyPr rtlCol="0" anchor="ctr"/>
+          <a:lstStyle/>
+          <a:p>
+            <a:pPr algn="ctr"/>
+            <a:endParaRPr lang="en-US"/>
+          </a:p>
+        </p:txBody>
+      </p:sp>
+      <p:pic>
+        <p:nvPicPr>
+          <p:cNvPr id="2050" name="Picture 2" descr="Queb Podcast #45 neue fische: Bootcamps vs Fachkräftemangel">
+            <a:extLst>
+              <a:ext uri="{FF2B5EF4-FFF2-40B4-BE49-F238E27FC236}">
+                <a16:creationId xmlns:a16="http://schemas.microsoft.com/office/drawing/2014/main" id="{52618C3E-8DC1-4A61-49B3-B9AFE571E981}"/>
+              </a:ext>
+            </a:extLst>
+          </p:cNvPr>
+          <p:cNvPicPr>
+            <a:picLocks noChangeAspect="1" noChangeArrowheads="1"/>
+          </p:cNvPicPr>
+          <p:nvPr/>
+        </p:nvPicPr>
+        <p:blipFill>
+          <a:blip r:embed="rId2">
+            <a:extLst>
+              <a:ext uri="{28A0092B-C50C-407E-A947-70E740481C1C}">
+                <a14:useLocalDpi xmlns:a14="http://schemas.microsoft.com/office/drawing/2010/main" val="0"/>
+              </a:ext>
+            </a:extLst>
+          </a:blip>
+          <a:stretch>
+            <a:fillRect/>
+          </a:stretch>
+        </p:blipFill>
+        <p:spPr bwMode="auto">
+          <a:xfrm>
+            <a:off x="776382" y="3628198"/>
+            <a:ext cx="7588949" cy="1897240"/>
+          </a:xfrm>
+          <a:prstGeom prst="rect">
+            <a:avLst/>
+          </a:prstGeom>
+          <a:noFill/>
+          <a:extLst>
+            <a:ext uri="{909E8E84-426E-40DD-AFC4-6F175D3DCCD1}">
+              <a14:hiddenFill xmlns:a14="http://schemas.microsoft.com/office/drawing/2010/main">
+                <a:solidFill>
+                  <a:srgbClr val="FFFFFF"/>
+                </a:solidFill>
+              </a14:hiddenFill>
+            </a:ext>
+          </a:extLst>
+        </p:spPr>
+      </p:pic>
+    </p:spTree>
+    <p:extLst>
+      <p:ext uri="{BB962C8B-B14F-4D97-AF65-F5344CB8AC3E}">
+        <p14:creationId xmlns:p14="http://schemas.microsoft.com/office/powerpoint/2010/main" val="2107023743"/>
+      </p:ext>
+    </p:extLst>
+  </p:cSld>
+  <p:clrMapOvr>
+    <a:masterClrMapping/>
+  </p:clrMapOvr>
+</p:sld>
+</file>
+
+<file path=ppt/slides/slide10.xml><?xml version="1.0" encoding="utf-8"?>
+<p:sld xmlns:a="http://schemas.openxmlformats.org/drawingml/2006/main" xmlns:r="http://schemas.openxmlformats.org/officeDocument/2006/relationships" xmlns:p="http://schemas.openxmlformats.org/presentationml/2006/main">
+  <p:cSld>
     <p:spTree>
       <p:nvGrpSpPr>
         <p:cNvPr id="1" name=""/>
@@ -3417,6 +4499,961 @@
           <p:cNvPr id="2" name="Title 1">
             <a:extLst>
               <a:ext uri="{FF2B5EF4-FFF2-40B4-BE49-F238E27FC236}">
+                <a16:creationId xmlns:a16="http://schemas.microsoft.com/office/drawing/2014/main" id="{62ADB444-EF80-E65F-1529-BDB6876C4980}"/>
+              </a:ext>
+            </a:extLst>
+          </p:cNvPr>
+          <p:cNvSpPr>
+            <a:spLocks noGrp="1"/>
+          </p:cNvSpPr>
+          <p:nvPr>
+            <p:ph type="title"/>
+          </p:nvPr>
+        </p:nvSpPr>
+        <p:spPr/>
+        <p:txBody>
+          <a:bodyPr>
+            <a:normAutofit/>
+          </a:bodyPr>
+          <a:lstStyle/>
+          <a:p>
+            <a:r>
+              <a:rPr lang="en-DE" sz="3000" dirty="0">
+                <a:latin typeface="Arial" panose="020B0604020202020204" pitchFamily="34" charset="0"/>
+                <a:cs typeface="Arial" panose="020B0604020202020204" pitchFamily="34" charset="0"/>
+              </a:rPr>
+              <a:t>Conclusions</a:t>
+            </a:r>
+          </a:p>
+        </p:txBody>
+      </p:sp>
+      <p:sp>
+        <p:nvSpPr>
+          <p:cNvPr id="3" name="Content Placeholder 2">
+            <a:extLst>
+              <a:ext uri="{FF2B5EF4-FFF2-40B4-BE49-F238E27FC236}">
+                <a16:creationId xmlns:a16="http://schemas.microsoft.com/office/drawing/2014/main" id="{F2A4C3B3-EA78-315B-E64C-8874C7F5B2FB}"/>
+              </a:ext>
+            </a:extLst>
+          </p:cNvPr>
+          <p:cNvSpPr>
+            <a:spLocks noGrp="1"/>
+          </p:cNvSpPr>
+          <p:nvPr>
+            <p:ph idx="1"/>
+          </p:nvPr>
+        </p:nvSpPr>
+        <p:spPr>
+          <a:xfrm>
+            <a:off x="628650" y="1825625"/>
+            <a:ext cx="5398663" cy="4351338"/>
+          </a:xfrm>
+        </p:spPr>
+        <p:txBody>
+          <a:bodyPr>
+            <a:normAutofit/>
+          </a:bodyPr>
+          <a:lstStyle/>
+          <a:p>
+            <a:r>
+              <a:rPr lang="en-DE" sz="2000" dirty="0">
+                <a:latin typeface="Arial" panose="020B0604020202020204" pitchFamily="34" charset="0"/>
+                <a:cs typeface="Arial" panose="020B0604020202020204" pitchFamily="34" charset="0"/>
+              </a:rPr>
+              <a:t>The factor that seems to influence the price of historical houses the most is: Grade</a:t>
+            </a:r>
+          </a:p>
+          <a:p>
+            <a:endParaRPr lang="en-DE" sz="2000" dirty="0">
+              <a:latin typeface="Arial" panose="020B0604020202020204" pitchFamily="34" charset="0"/>
+              <a:cs typeface="Arial" panose="020B0604020202020204" pitchFamily="34" charset="0"/>
+            </a:endParaRPr>
+          </a:p>
+          <a:p>
+            <a:r>
+              <a:rPr lang="en-DE" sz="2000" dirty="0">
+                <a:latin typeface="Arial" panose="020B0604020202020204" pitchFamily="34" charset="0"/>
+                <a:cs typeface="Arial" panose="020B0604020202020204" pitchFamily="34" charset="0"/>
+              </a:rPr>
+              <a:t>The best neighbourhood to buy historical houses seems to be:</a:t>
+            </a:r>
+          </a:p>
+          <a:p>
+            <a:pPr lvl="1"/>
+            <a:r>
+              <a:rPr lang="en-DE" sz="2000" dirty="0">
+                <a:latin typeface="Arial" panose="020B0604020202020204" pitchFamily="34" charset="0"/>
+                <a:cs typeface="Arial" panose="020B0604020202020204" pitchFamily="34" charset="0"/>
+              </a:rPr>
+              <a:t>Houses: </a:t>
+            </a:r>
+            <a:r>
+              <a:rPr lang="de-DE" sz="2000" dirty="0">
+                <a:latin typeface="Arial" panose="020B0604020202020204" pitchFamily="34" charset="0"/>
+                <a:cs typeface="Arial" panose="020B0604020202020204" pitchFamily="34" charset="0"/>
+              </a:rPr>
+              <a:t>47.4</a:t>
+            </a:r>
+            <a:r>
+              <a:rPr lang="en-DE" sz="2000" i="0" u="none" strike="noStrike" dirty="0">
+                <a:effectLst/>
+                <a:latin typeface="Arial" panose="020B0604020202020204" pitchFamily="34" charset="0"/>
+              </a:rPr>
+              <a:t>°</a:t>
+            </a:r>
+            <a:r>
+              <a:rPr lang="de-DE" sz="2000" dirty="0">
+                <a:latin typeface="Arial" panose="020B0604020202020204" pitchFamily="34" charset="0"/>
+                <a:cs typeface="Arial" panose="020B0604020202020204" pitchFamily="34" charset="0"/>
+              </a:rPr>
+              <a:t> – 47.8</a:t>
+            </a:r>
+            <a:r>
+              <a:rPr lang="en-DE" sz="2000" i="0" u="none" strike="noStrike" dirty="0">
+                <a:effectLst/>
+                <a:latin typeface="Arial" panose="020B0604020202020204" pitchFamily="34" charset="0"/>
+              </a:rPr>
+              <a:t>° latidude / -122.2° </a:t>
+            </a:r>
+            <a:r>
+              <a:rPr lang="de-DE" sz="2000" dirty="0">
+                <a:latin typeface="Arial" panose="020B0604020202020204" pitchFamily="34" charset="0"/>
+                <a:cs typeface="Arial" panose="020B0604020202020204" pitchFamily="34" charset="0"/>
+              </a:rPr>
+              <a:t>– -122.4</a:t>
+            </a:r>
+            <a:r>
+              <a:rPr lang="en-DE" sz="2000" i="0" u="none" strike="noStrike" dirty="0">
+                <a:effectLst/>
+                <a:latin typeface="Arial" panose="020B0604020202020204" pitchFamily="34" charset="0"/>
+              </a:rPr>
+              <a:t>° longitude</a:t>
+            </a:r>
+            <a:endParaRPr lang="en-DE" sz="2000" dirty="0">
+              <a:latin typeface="Arial" panose="020B0604020202020204" pitchFamily="34" charset="0"/>
+              <a:cs typeface="Arial" panose="020B0604020202020204" pitchFamily="34" charset="0"/>
+            </a:endParaRPr>
+          </a:p>
+          <a:p>
+            <a:pPr lvl="1"/>
+            <a:r>
+              <a:rPr lang="en-DE" sz="2000" dirty="0">
+                <a:latin typeface="Arial" panose="020B0604020202020204" pitchFamily="34" charset="0"/>
+                <a:cs typeface="Arial" panose="020B0604020202020204" pitchFamily="34" charset="0"/>
+              </a:rPr>
+              <a:t>Best houses: </a:t>
+            </a:r>
+            <a:r>
+              <a:rPr lang="de-DE" sz="2000" dirty="0">
+                <a:latin typeface="Arial" panose="020B0604020202020204" pitchFamily="34" charset="0"/>
+                <a:cs typeface="Arial" panose="020B0604020202020204" pitchFamily="34" charset="0"/>
+              </a:rPr>
+              <a:t>47.5</a:t>
+            </a:r>
+            <a:r>
+              <a:rPr lang="en-DE" sz="2000" i="0" u="none" strike="noStrike" dirty="0">
+                <a:effectLst/>
+                <a:latin typeface="Arial" panose="020B0604020202020204" pitchFamily="34" charset="0"/>
+              </a:rPr>
+              <a:t>°</a:t>
+            </a:r>
+            <a:r>
+              <a:rPr lang="de-DE" sz="2000" dirty="0">
+                <a:latin typeface="Arial" panose="020B0604020202020204" pitchFamily="34" charset="0"/>
+                <a:cs typeface="Arial" panose="020B0604020202020204" pitchFamily="34" charset="0"/>
+              </a:rPr>
+              <a:t> – 47.7</a:t>
+            </a:r>
+            <a:r>
+              <a:rPr lang="en-DE" sz="2000" i="0" u="none" strike="noStrike" dirty="0">
+                <a:effectLst/>
+                <a:latin typeface="Arial" panose="020B0604020202020204" pitchFamily="34" charset="0"/>
+              </a:rPr>
+              <a:t>° latidude / -122.2° </a:t>
+            </a:r>
+            <a:r>
+              <a:rPr lang="de-DE" sz="2000" dirty="0">
+                <a:latin typeface="Arial" panose="020B0604020202020204" pitchFamily="34" charset="0"/>
+                <a:cs typeface="Arial" panose="020B0604020202020204" pitchFamily="34" charset="0"/>
+              </a:rPr>
+              <a:t>– -122.4</a:t>
+            </a:r>
+            <a:r>
+              <a:rPr lang="en-DE" sz="2000" i="0" u="none" strike="noStrike" dirty="0">
+                <a:effectLst/>
+                <a:latin typeface="Arial" panose="020B0604020202020204" pitchFamily="34" charset="0"/>
+              </a:rPr>
+              <a:t>° longitude</a:t>
+            </a:r>
+          </a:p>
+          <a:p>
+            <a:pPr lvl="1"/>
+            <a:endParaRPr lang="en-DE" sz="2000" dirty="0">
+              <a:latin typeface="Arial" panose="020B0604020202020204" pitchFamily="34" charset="0"/>
+              <a:cs typeface="Arial" panose="020B0604020202020204" pitchFamily="34" charset="0"/>
+            </a:endParaRPr>
+          </a:p>
+          <a:p>
+            <a:r>
+              <a:rPr lang="en-DE" sz="2000" dirty="0">
+                <a:latin typeface="Arial" panose="020B0604020202020204" pitchFamily="34" charset="0"/>
+                <a:cs typeface="Arial" panose="020B0604020202020204" pitchFamily="34" charset="0"/>
+              </a:rPr>
+              <a:t>The best months to buy historical houses seem to be in December and June</a:t>
+            </a:r>
+          </a:p>
+        </p:txBody>
+      </p:sp>
+      <p:pic>
+        <p:nvPicPr>
+          <p:cNvPr id="4" name="Picture 3" descr="A graph of a house&#10;&#10;Description automatically generated">
+            <a:extLst>
+              <a:ext uri="{FF2B5EF4-FFF2-40B4-BE49-F238E27FC236}">
+                <a16:creationId xmlns:a16="http://schemas.microsoft.com/office/drawing/2014/main" id="{000A026F-9A7D-43BF-87D4-79B40BA5ACB5}"/>
+              </a:ext>
+            </a:extLst>
+          </p:cNvPr>
+          <p:cNvPicPr>
+            <a:picLocks noChangeAspect="1"/>
+          </p:cNvPicPr>
+          <p:nvPr/>
+        </p:nvPicPr>
+        <p:blipFill>
+          <a:blip r:embed="rId2"/>
+          <a:stretch>
+            <a:fillRect/>
+          </a:stretch>
+        </p:blipFill>
+        <p:spPr>
+          <a:xfrm>
+            <a:off x="6495825" y="4647421"/>
+            <a:ext cx="2400000" cy="1800000"/>
+          </a:xfrm>
+          <a:prstGeom prst="rect">
+            <a:avLst/>
+          </a:prstGeom>
+        </p:spPr>
+      </p:pic>
+      <p:pic>
+        <p:nvPicPr>
+          <p:cNvPr id="5" name="Picture 4" descr="A graph of a graph showing a line of a line&#10;&#10;Description automatically generated with medium confidence">
+            <a:extLst>
+              <a:ext uri="{FF2B5EF4-FFF2-40B4-BE49-F238E27FC236}">
+                <a16:creationId xmlns:a16="http://schemas.microsoft.com/office/drawing/2014/main" id="{934B932C-C7A6-9D18-6A57-1FA7671D598A}"/>
+              </a:ext>
+            </a:extLst>
+          </p:cNvPr>
+          <p:cNvPicPr>
+            <a:picLocks noChangeAspect="1"/>
+          </p:cNvPicPr>
+          <p:nvPr/>
+        </p:nvPicPr>
+        <p:blipFill>
+          <a:blip r:embed="rId3"/>
+          <a:stretch>
+            <a:fillRect/>
+          </a:stretch>
+        </p:blipFill>
+        <p:spPr>
+          <a:xfrm>
+            <a:off x="6761414" y="2850972"/>
+            <a:ext cx="1889151" cy="1800000"/>
+          </a:xfrm>
+          <a:prstGeom prst="rect">
+            <a:avLst/>
+          </a:prstGeom>
+        </p:spPr>
+      </p:pic>
+      <p:pic>
+        <p:nvPicPr>
+          <p:cNvPr id="6" name="Picture 5" descr="A graph of a house price&#10;&#10;Description automatically generated">
+            <a:extLst>
+              <a:ext uri="{FF2B5EF4-FFF2-40B4-BE49-F238E27FC236}">
+                <a16:creationId xmlns:a16="http://schemas.microsoft.com/office/drawing/2014/main" id="{18562245-DC3A-6022-CC43-AAA83A73A128}"/>
+              </a:ext>
+            </a:extLst>
+          </p:cNvPr>
+          <p:cNvPicPr>
+            <a:picLocks noChangeAspect="1"/>
+          </p:cNvPicPr>
+          <p:nvPr/>
+        </p:nvPicPr>
+        <p:blipFill>
+          <a:blip r:embed="rId4"/>
+          <a:stretch>
+            <a:fillRect/>
+          </a:stretch>
+        </p:blipFill>
+        <p:spPr>
+          <a:xfrm>
+            <a:off x="6493665" y="1037370"/>
+            <a:ext cx="2400000" cy="1800000"/>
+          </a:xfrm>
+          <a:prstGeom prst="rect">
+            <a:avLst/>
+          </a:prstGeom>
+        </p:spPr>
+      </p:pic>
+    </p:spTree>
+    <p:extLst>
+      <p:ext uri="{BB962C8B-B14F-4D97-AF65-F5344CB8AC3E}">
+        <p14:creationId xmlns:p14="http://schemas.microsoft.com/office/powerpoint/2010/main" val="4018060659"/>
+      </p:ext>
+    </p:extLst>
+  </p:cSld>
+  <p:clrMapOvr>
+    <a:masterClrMapping/>
+  </p:clrMapOvr>
+</p:sld>
+</file>
+
+<file path=ppt/slides/slide11.xml><?xml version="1.0" encoding="utf-8"?>
+<p:sld xmlns:a="http://schemas.openxmlformats.org/drawingml/2006/main" xmlns:r="http://schemas.openxmlformats.org/officeDocument/2006/relationships" xmlns:p="http://schemas.openxmlformats.org/presentationml/2006/main">
+  <p:cSld>
+    <p:bg>
+      <p:bgPr>
+        <a:solidFill>
+          <a:schemeClr val="bg1"/>
+        </a:solidFill>
+        <a:effectLst/>
+      </p:bgPr>
+    </p:bg>
+    <p:spTree>
+      <p:nvGrpSpPr>
+        <p:cNvPr id="1" name=""/>
+        <p:cNvGrpSpPr/>
+        <p:nvPr/>
+      </p:nvGrpSpPr>
+      <p:grpSpPr>
+        <a:xfrm>
+          <a:off x="0" y="0"/>
+          <a:ext cx="0" cy="0"/>
+          <a:chOff x="0" y="0"/>
+          <a:chExt cx="0" cy="0"/>
+        </a:xfrm>
+      </p:grpSpPr>
+      <p:sp useBgFill="1">
+        <p:nvSpPr>
+          <p:cNvPr id="2055" name="Rectangle 2054">
+            <a:extLst>
+              <a:ext uri="{FF2B5EF4-FFF2-40B4-BE49-F238E27FC236}">
+                <a16:creationId xmlns:a16="http://schemas.microsoft.com/office/drawing/2014/main" id="{76906711-0AFB-47DD-A4B6-4E94B38B8C91}"/>
+              </a:ext>
+              <a:ext uri="{C183D7F6-B498-43B3-948B-1728B52AA6E4}">
+                <adec:decorative xmlns:adec="http://schemas.microsoft.com/office/drawing/2017/decorative" val="1"/>
+              </a:ext>
+            </a:extLst>
+          </p:cNvPr>
+          <p:cNvSpPr>
+            <a:spLocks noGrp="1" noRot="1" noChangeAspect="1" noMove="1" noResize="1" noEditPoints="1" noAdjustHandles="1" noChangeArrowheads="1" noChangeShapeType="1" noTextEdit="1"/>
+          </p:cNvSpPr>
+          <p:nvPr>
+            <p:extLst>
+              <p:ext uri="{386F3935-93C4-4BCD-93E2-E3B085C9AB24}">
+                <p16:designElem xmlns:p16="http://schemas.microsoft.com/office/powerpoint/2015/main" val="1"/>
+              </p:ext>
+            </p:extLst>
+          </p:nvPr>
+        </p:nvSpPr>
+        <p:spPr>
+          <a:xfrm>
+            <a:off x="0" y="0"/>
+            <a:ext cx="9144000" cy="6858000"/>
+          </a:xfrm>
+          <a:prstGeom prst="rect">
+            <a:avLst/>
+          </a:prstGeom>
+          <a:ln>
+            <a:noFill/>
+          </a:ln>
+        </p:spPr>
+        <p:style>
+          <a:lnRef idx="2">
+            <a:schemeClr val="accent1">
+              <a:shade val="50000"/>
+            </a:schemeClr>
+          </a:lnRef>
+          <a:fillRef idx="1">
+            <a:schemeClr val="accent1"/>
+          </a:fillRef>
+          <a:effectRef idx="0">
+            <a:schemeClr val="accent1"/>
+          </a:effectRef>
+          <a:fontRef idx="minor">
+            <a:schemeClr val="lt1"/>
+          </a:fontRef>
+        </p:style>
+        <p:txBody>
+          <a:bodyPr rtlCol="0" anchor="ctr"/>
+          <a:lstStyle/>
+          <a:p>
+            <a:pPr algn="ctr"/>
+            <a:endParaRPr lang="en-US"/>
+          </a:p>
+        </p:txBody>
+      </p:sp>
+      <p:sp>
+        <p:nvSpPr>
+          <p:cNvPr id="2057" name="Freeform: Shape 2056">
+            <a:extLst>
+              <a:ext uri="{FF2B5EF4-FFF2-40B4-BE49-F238E27FC236}">
+                <a16:creationId xmlns:a16="http://schemas.microsoft.com/office/drawing/2014/main" id="{AA91F649-894C-41F6-A21D-3D1AC558E934}"/>
+              </a:ext>
+              <a:ext uri="{C183D7F6-B498-43B3-948B-1728B52AA6E4}">
+                <adec:decorative xmlns:adec="http://schemas.microsoft.com/office/drawing/2017/decorative" val="1"/>
+              </a:ext>
+            </a:extLst>
+          </p:cNvPr>
+          <p:cNvSpPr>
+            <a:spLocks noGrp="1" noRot="1" noChangeAspect="1" noMove="1" noResize="1" noEditPoints="1" noAdjustHandles="1" noChangeArrowheads="1" noChangeShapeType="1" noTextEdit="1"/>
+          </p:cNvSpPr>
+          <p:nvPr>
+            <p:extLst>
+              <p:ext uri="{386F3935-93C4-4BCD-93E2-E3B085C9AB24}">
+                <p16:designElem xmlns:p16="http://schemas.microsoft.com/office/powerpoint/2015/main" val="1"/>
+              </p:ext>
+            </p:extLst>
+          </p:nvPr>
+        </p:nvSpPr>
+        <p:spPr>
+          <a:xfrm>
+            <a:off x="0" y="0"/>
+            <a:ext cx="9144000" cy="2877832"/>
+          </a:xfrm>
+          <a:custGeom>
+            <a:avLst/>
+            <a:gdLst>
+              <a:gd name="connsiteX0" fmla="*/ 6789701 w 12192000"/>
+              <a:gd name="connsiteY0" fmla="*/ 2809623 h 2877832"/>
+              <a:gd name="connsiteX1" fmla="*/ 6788702 w 12192000"/>
+              <a:gd name="connsiteY1" fmla="*/ 2809701 h 2877832"/>
+              <a:gd name="connsiteX2" fmla="*/ 6788476 w 12192000"/>
+              <a:gd name="connsiteY2" fmla="*/ 2810235 h 2877832"/>
+              <a:gd name="connsiteX3" fmla="*/ 0 w 12192000"/>
+              <a:gd name="connsiteY3" fmla="*/ 0 h 2877832"/>
+              <a:gd name="connsiteX4" fmla="*/ 12192000 w 12192000"/>
+              <a:gd name="connsiteY4" fmla="*/ 0 h 2877832"/>
+              <a:gd name="connsiteX5" fmla="*/ 12192000 w 12192000"/>
+              <a:gd name="connsiteY5" fmla="*/ 1915388 h 2877832"/>
+              <a:gd name="connsiteX6" fmla="*/ 12061096 w 12192000"/>
+              <a:gd name="connsiteY6" fmla="*/ 1954428 h 2877832"/>
+              <a:gd name="connsiteX7" fmla="*/ 11676800 w 12192000"/>
+              <a:gd name="connsiteY7" fmla="*/ 2058003 h 2877832"/>
+              <a:gd name="connsiteX8" fmla="*/ 10425355 w 12192000"/>
+              <a:gd name="connsiteY8" fmla="*/ 2341542 h 2877832"/>
+              <a:gd name="connsiteX9" fmla="*/ 9424022 w 12192000"/>
+              <a:gd name="connsiteY9" fmla="*/ 2516704 h 2877832"/>
+              <a:gd name="connsiteX10" fmla="*/ 8458419 w 12192000"/>
+              <a:gd name="connsiteY10" fmla="*/ 2650405 h 2877832"/>
+              <a:gd name="connsiteX11" fmla="*/ 7715970 w 12192000"/>
+              <a:gd name="connsiteY11" fmla="*/ 2730352 h 2877832"/>
+              <a:gd name="connsiteX12" fmla="*/ 6951716 w 12192000"/>
+              <a:gd name="connsiteY12" fmla="*/ 2796132 h 2877832"/>
+              <a:gd name="connsiteX13" fmla="*/ 6936303 w 12192000"/>
+              <a:gd name="connsiteY13" fmla="*/ 2798203 h 2877832"/>
+              <a:gd name="connsiteX14" fmla="*/ 6790448 w 12192000"/>
+              <a:gd name="connsiteY14" fmla="*/ 2809564 h 2877832"/>
+              <a:gd name="connsiteX15" fmla="*/ 6799941 w 12192000"/>
+              <a:gd name="connsiteY15" fmla="*/ 2811384 h 2877832"/>
+              <a:gd name="connsiteX16" fmla="*/ 6835432 w 12192000"/>
+              <a:gd name="connsiteY16" fmla="*/ 2809677 h 2877832"/>
+              <a:gd name="connsiteX17" fmla="*/ 6884003 w 12192000"/>
+              <a:gd name="connsiteY17" fmla="*/ 2806699 h 2877832"/>
+              <a:gd name="connsiteX18" fmla="*/ 7578771 w 12192000"/>
+              <a:gd name="connsiteY18" fmla="*/ 2774172 h 2877832"/>
+              <a:gd name="connsiteX19" fmla="*/ 8623845 w 12192000"/>
+              <a:gd name="connsiteY19" fmla="*/ 2687275 h 2877832"/>
+              <a:gd name="connsiteX20" fmla="*/ 9479970 w 12192000"/>
+              <a:gd name="connsiteY20" fmla="*/ 2583369 h 2877832"/>
+              <a:gd name="connsiteX21" fmla="*/ 10629308 w 12192000"/>
+              <a:gd name="connsiteY21" fmla="*/ 2389212 h 2877832"/>
+              <a:gd name="connsiteX22" fmla="*/ 11998498 w 12192000"/>
+              <a:gd name="connsiteY22" fmla="*/ 2063218 h 2877832"/>
+              <a:gd name="connsiteX23" fmla="*/ 12192000 w 12192000"/>
+              <a:gd name="connsiteY23" fmla="*/ 2006219 h 2877832"/>
+              <a:gd name="connsiteX24" fmla="*/ 12192000 w 12192000"/>
+              <a:gd name="connsiteY24" fmla="*/ 2060956 h 2877832"/>
+              <a:gd name="connsiteX25" fmla="*/ 11829257 w 12192000"/>
+              <a:gd name="connsiteY25" fmla="*/ 2166255 h 2877832"/>
+              <a:gd name="connsiteX26" fmla="*/ 10939183 w 12192000"/>
+              <a:gd name="connsiteY26" fmla="*/ 2380770 h 2877832"/>
+              <a:gd name="connsiteX27" fmla="*/ 9985530 w 12192000"/>
+              <a:gd name="connsiteY27" fmla="*/ 2560775 h 2877832"/>
+              <a:gd name="connsiteX28" fmla="*/ 9186882 w 12192000"/>
+              <a:gd name="connsiteY28" fmla="*/ 2676722 h 2877832"/>
+              <a:gd name="connsiteX29" fmla="*/ 8578198 w 12192000"/>
+              <a:gd name="connsiteY29" fmla="*/ 2746241 h 2877832"/>
+              <a:gd name="connsiteX30" fmla="*/ 7864358 w 12192000"/>
+              <a:gd name="connsiteY30" fmla="*/ 2807692 h 2877832"/>
+              <a:gd name="connsiteX31" fmla="*/ 6935502 w 12192000"/>
+              <a:gd name="connsiteY31" fmla="*/ 2859086 h 2877832"/>
+              <a:gd name="connsiteX32" fmla="*/ 6477750 w 12192000"/>
+              <a:gd name="connsiteY32" fmla="*/ 2872989 h 2877832"/>
+              <a:gd name="connsiteX33" fmla="*/ 6362294 w 12192000"/>
+              <a:gd name="connsiteY33" fmla="*/ 2877832 h 2877832"/>
+              <a:gd name="connsiteX34" fmla="*/ 6057129 w 12192000"/>
+              <a:gd name="connsiteY34" fmla="*/ 2877832 h 2877832"/>
+              <a:gd name="connsiteX35" fmla="*/ 5977784 w 12192000"/>
+              <a:gd name="connsiteY35" fmla="*/ 2873238 h 2877832"/>
+              <a:gd name="connsiteX36" fmla="*/ 5265087 w 12192000"/>
+              <a:gd name="connsiteY36" fmla="*/ 2836989 h 2877832"/>
+              <a:gd name="connsiteX37" fmla="*/ 4346277 w 12192000"/>
+              <a:gd name="connsiteY37" fmla="*/ 2774919 h 2877832"/>
+              <a:gd name="connsiteX38" fmla="*/ 3373045 w 12192000"/>
+              <a:gd name="connsiteY38" fmla="*/ 2676350 h 2877832"/>
+              <a:gd name="connsiteX39" fmla="*/ 2362173 w 12192000"/>
+              <a:gd name="connsiteY39" fmla="*/ 2557423 h 2877832"/>
+              <a:gd name="connsiteX40" fmla="*/ 1233178 w 12192000"/>
+              <a:gd name="connsiteY40" fmla="*/ 2384247 h 2877832"/>
+              <a:gd name="connsiteX41" fmla="*/ 68500 w 12192000"/>
+              <a:gd name="connsiteY41" fmla="*/ 2144540 h 2877832"/>
+              <a:gd name="connsiteX42" fmla="*/ 0 w 12192000"/>
+              <a:gd name="connsiteY42" fmla="*/ 2127185 h 2877832"/>
+              <a:gd name="connsiteX43" fmla="*/ 0 w 12192000"/>
+              <a:gd name="connsiteY43" fmla="*/ 2070696 h 2877832"/>
+              <a:gd name="connsiteX44" fmla="*/ 72441 w 12192000"/>
+              <a:gd name="connsiteY44" fmla="*/ 2089473 h 2877832"/>
+              <a:gd name="connsiteX45" fmla="*/ 600716 w 12192000"/>
+              <a:gd name="connsiteY45" fmla="*/ 2207843 h 2877832"/>
+              <a:gd name="connsiteX46" fmla="*/ 1769512 w 12192000"/>
+              <a:gd name="connsiteY46" fmla="*/ 2418011 h 2877832"/>
+              <a:gd name="connsiteX47" fmla="*/ 2613554 w 12192000"/>
+              <a:gd name="connsiteY47" fmla="*/ 2534953 h 2877832"/>
+              <a:gd name="connsiteX48" fmla="*/ 2581134 w 12192000"/>
+              <a:gd name="connsiteY48" fmla="*/ 2525022 h 2877832"/>
+              <a:gd name="connsiteX49" fmla="*/ 1112635 w 12192000"/>
+              <a:gd name="connsiteY49" fmla="*/ 2192325 h 2877832"/>
+              <a:gd name="connsiteX50" fmla="*/ 420412 w 12192000"/>
+              <a:gd name="connsiteY50" fmla="*/ 1992892 h 2877832"/>
+              <a:gd name="connsiteX51" fmla="*/ 0 w 12192000"/>
+              <a:gd name="connsiteY51" fmla="*/ 1853975 h 2877832"/>
+            </a:gdLst>
+            <a:ahLst/>
+            <a:cxnLst>
+              <a:cxn ang="0">
+                <a:pos x="connsiteX0" y="connsiteY0"/>
+              </a:cxn>
+              <a:cxn ang="0">
+                <a:pos x="connsiteX1" y="connsiteY1"/>
+              </a:cxn>
+              <a:cxn ang="0">
+                <a:pos x="connsiteX2" y="connsiteY2"/>
+              </a:cxn>
+              <a:cxn ang="0">
+                <a:pos x="connsiteX3" y="connsiteY3"/>
+              </a:cxn>
+              <a:cxn ang="0">
+                <a:pos x="connsiteX4" y="connsiteY4"/>
+              </a:cxn>
+              <a:cxn ang="0">
+                <a:pos x="connsiteX5" y="connsiteY5"/>
+              </a:cxn>
+              <a:cxn ang="0">
+                <a:pos x="connsiteX6" y="connsiteY6"/>
+              </a:cxn>
+              <a:cxn ang="0">
+                <a:pos x="connsiteX7" y="connsiteY7"/>
+              </a:cxn>
+              <a:cxn ang="0">
+                <a:pos x="connsiteX8" y="connsiteY8"/>
+              </a:cxn>
+              <a:cxn ang="0">
+                <a:pos x="connsiteX9" y="connsiteY9"/>
+              </a:cxn>
+              <a:cxn ang="0">
+                <a:pos x="connsiteX10" y="connsiteY10"/>
+              </a:cxn>
+              <a:cxn ang="0">
+                <a:pos x="connsiteX11" y="connsiteY11"/>
+              </a:cxn>
+              <a:cxn ang="0">
+                <a:pos x="connsiteX12" y="connsiteY12"/>
+              </a:cxn>
+              <a:cxn ang="0">
+                <a:pos x="connsiteX13" y="connsiteY13"/>
+              </a:cxn>
+              <a:cxn ang="0">
+                <a:pos x="connsiteX14" y="connsiteY14"/>
+              </a:cxn>
+              <a:cxn ang="0">
+                <a:pos x="connsiteX15" y="connsiteY15"/>
+              </a:cxn>
+              <a:cxn ang="0">
+                <a:pos x="connsiteX16" y="connsiteY16"/>
+              </a:cxn>
+              <a:cxn ang="0">
+                <a:pos x="connsiteX17" y="connsiteY17"/>
+              </a:cxn>
+              <a:cxn ang="0">
+                <a:pos x="connsiteX18" y="connsiteY18"/>
+              </a:cxn>
+              <a:cxn ang="0">
+                <a:pos x="connsiteX19" y="connsiteY19"/>
+              </a:cxn>
+              <a:cxn ang="0">
+                <a:pos x="connsiteX20" y="connsiteY20"/>
+              </a:cxn>
+              <a:cxn ang="0">
+                <a:pos x="connsiteX21" y="connsiteY21"/>
+              </a:cxn>
+              <a:cxn ang="0">
+                <a:pos x="connsiteX22" y="connsiteY22"/>
+              </a:cxn>
+              <a:cxn ang="0">
+                <a:pos x="connsiteX23" y="connsiteY23"/>
+              </a:cxn>
+              <a:cxn ang="0">
+                <a:pos x="connsiteX24" y="connsiteY24"/>
+              </a:cxn>
+              <a:cxn ang="0">
+                <a:pos x="connsiteX25" y="connsiteY25"/>
+              </a:cxn>
+              <a:cxn ang="0">
+                <a:pos x="connsiteX26" y="connsiteY26"/>
+              </a:cxn>
+              <a:cxn ang="0">
+                <a:pos x="connsiteX27" y="connsiteY27"/>
+              </a:cxn>
+              <a:cxn ang="0">
+                <a:pos x="connsiteX28" y="connsiteY28"/>
+              </a:cxn>
+              <a:cxn ang="0">
+                <a:pos x="connsiteX29" y="connsiteY29"/>
+              </a:cxn>
+              <a:cxn ang="0">
+                <a:pos x="connsiteX30" y="connsiteY30"/>
+              </a:cxn>
+              <a:cxn ang="0">
+                <a:pos x="connsiteX31" y="connsiteY31"/>
+              </a:cxn>
+              <a:cxn ang="0">
+                <a:pos x="connsiteX32" y="connsiteY32"/>
+              </a:cxn>
+              <a:cxn ang="0">
+                <a:pos x="connsiteX33" y="connsiteY33"/>
+              </a:cxn>
+              <a:cxn ang="0">
+                <a:pos x="connsiteX34" y="connsiteY34"/>
+              </a:cxn>
+              <a:cxn ang="0">
+                <a:pos x="connsiteX35" y="connsiteY35"/>
+              </a:cxn>
+              <a:cxn ang="0">
+                <a:pos x="connsiteX36" y="connsiteY36"/>
+              </a:cxn>
+              <a:cxn ang="0">
+                <a:pos x="connsiteX37" y="connsiteY37"/>
+              </a:cxn>
+              <a:cxn ang="0">
+                <a:pos x="connsiteX38" y="connsiteY38"/>
+              </a:cxn>
+              <a:cxn ang="0">
+                <a:pos x="connsiteX39" y="connsiteY39"/>
+              </a:cxn>
+              <a:cxn ang="0">
+                <a:pos x="connsiteX40" y="connsiteY40"/>
+              </a:cxn>
+              <a:cxn ang="0">
+                <a:pos x="connsiteX41" y="connsiteY41"/>
+              </a:cxn>
+              <a:cxn ang="0">
+                <a:pos x="connsiteX42" y="connsiteY42"/>
+              </a:cxn>
+              <a:cxn ang="0">
+                <a:pos x="connsiteX43" y="connsiteY43"/>
+              </a:cxn>
+              <a:cxn ang="0">
+                <a:pos x="connsiteX44" y="connsiteY44"/>
+              </a:cxn>
+              <a:cxn ang="0">
+                <a:pos x="connsiteX45" y="connsiteY45"/>
+              </a:cxn>
+              <a:cxn ang="0">
+                <a:pos x="connsiteX46" y="connsiteY46"/>
+              </a:cxn>
+              <a:cxn ang="0">
+                <a:pos x="connsiteX47" y="connsiteY47"/>
+              </a:cxn>
+              <a:cxn ang="0">
+                <a:pos x="connsiteX48" y="connsiteY48"/>
+              </a:cxn>
+              <a:cxn ang="0">
+                <a:pos x="connsiteX49" y="connsiteY49"/>
+              </a:cxn>
+              <a:cxn ang="0">
+                <a:pos x="connsiteX50" y="connsiteY50"/>
+              </a:cxn>
+              <a:cxn ang="0">
+                <a:pos x="connsiteX51" y="connsiteY51"/>
+              </a:cxn>
+            </a:cxnLst>
+            <a:rect l="l" t="t" r="r" b="b"/>
+            <a:pathLst>
+              <a:path w="12192000" h="2877832">
+                <a:moveTo>
+                  <a:pt x="6789701" y="2809623"/>
+                </a:moveTo>
+                <a:lnTo>
+                  <a:pt x="6788702" y="2809701"/>
+                </a:lnTo>
+                <a:lnTo>
+                  <a:pt x="6788476" y="2810235"/>
+                </a:lnTo>
+                <a:close/>
+                <a:moveTo>
+                  <a:pt x="0" y="0"/>
+                </a:moveTo>
+                <a:lnTo>
+                  <a:pt x="12192000" y="0"/>
+                </a:lnTo>
+                <a:lnTo>
+                  <a:pt x="12192000" y="1915388"/>
+                </a:lnTo>
+                <a:lnTo>
+                  <a:pt x="12061096" y="1954428"/>
+                </a:lnTo>
+                <a:cubicBezTo>
+                  <a:pt x="11933500" y="1990642"/>
+                  <a:pt x="11805390" y="2025171"/>
+                  <a:pt x="11676800" y="2058003"/>
+                </a:cubicBezTo>
+                <a:cubicBezTo>
+                  <a:pt x="11262789" y="2165510"/>
+                  <a:pt x="10845343" y="2259112"/>
+                  <a:pt x="10425355" y="2341542"/>
+                </a:cubicBezTo>
+                <a:cubicBezTo>
+                  <a:pt x="10092810" y="2406753"/>
+                  <a:pt x="9759033" y="2465150"/>
+                  <a:pt x="9424022" y="2516704"/>
+                </a:cubicBezTo>
+                <a:cubicBezTo>
+                  <a:pt x="9102997" y="2566361"/>
+                  <a:pt x="8781133" y="2610928"/>
+                  <a:pt x="8458419" y="2650405"/>
+                </a:cubicBezTo>
+                <a:cubicBezTo>
+                  <a:pt x="8211360" y="2680571"/>
+                  <a:pt x="7963792" y="2706144"/>
+                  <a:pt x="7715970" y="2730352"/>
+                </a:cubicBezTo>
+                <a:lnTo>
+                  <a:pt x="6951716" y="2796132"/>
+                </a:lnTo>
+                <a:lnTo>
+                  <a:pt x="6936303" y="2798203"/>
+                </a:lnTo>
+                <a:lnTo>
+                  <a:pt x="6790448" y="2809564"/>
+                </a:lnTo>
+                <a:lnTo>
+                  <a:pt x="6799941" y="2811384"/>
+                </a:lnTo>
+                <a:cubicBezTo>
+                  <a:pt x="6811623" y="2811850"/>
+                  <a:pt x="6823734" y="2809677"/>
+                  <a:pt x="6835432" y="2809677"/>
+                </a:cubicBezTo>
+                <a:cubicBezTo>
+                  <a:pt x="6851580" y="2809677"/>
+                  <a:pt x="6867729" y="2807070"/>
+                  <a:pt x="6884003" y="2806699"/>
+                </a:cubicBezTo>
+                <a:cubicBezTo>
+                  <a:pt x="7115805" y="2801237"/>
+                  <a:pt x="7347351" y="2789070"/>
+                  <a:pt x="7578771" y="2774172"/>
+                </a:cubicBezTo>
+                <a:cubicBezTo>
+                  <a:pt x="7927552" y="2751704"/>
+                  <a:pt x="8276080" y="2723525"/>
+                  <a:pt x="8623845" y="2687275"/>
+                </a:cubicBezTo>
+                <a:cubicBezTo>
+                  <a:pt x="8909939" y="2657977"/>
+                  <a:pt x="9195310" y="2623342"/>
+                  <a:pt x="9479970" y="2583369"/>
+                </a:cubicBezTo>
+                <a:cubicBezTo>
+                  <a:pt x="9864901" y="2528995"/>
+                  <a:pt x="10248014" y="2464281"/>
+                  <a:pt x="10629308" y="2389212"/>
+                </a:cubicBezTo>
+                <a:cubicBezTo>
+                  <a:pt x="11090114" y="2298092"/>
+                  <a:pt x="11546975" y="2190586"/>
+                  <a:pt x="11998498" y="2063218"/>
+                </a:cubicBezTo>
+                <a:lnTo>
+                  <a:pt x="12192000" y="2006219"/>
+                </a:lnTo>
+                <a:lnTo>
+                  <a:pt x="12192000" y="2060956"/>
+                </a:lnTo>
+                <a:lnTo>
+                  <a:pt x="11829257" y="2166255"/>
+                </a:lnTo>
+                <a:cubicBezTo>
+                  <a:pt x="11534769" y="2245952"/>
+                  <a:pt x="11238120" y="2316838"/>
+                  <a:pt x="10939183" y="2380770"/>
+                </a:cubicBezTo>
+                <a:cubicBezTo>
+                  <a:pt x="10622824" y="2448552"/>
+                  <a:pt x="10304941" y="2508549"/>
+                  <a:pt x="9985530" y="2560775"/>
+                </a:cubicBezTo>
+                <a:cubicBezTo>
+                  <a:pt x="9720036" y="2604224"/>
+                  <a:pt x="9453814" y="2642869"/>
+                  <a:pt x="9186882" y="2676722"/>
+                </a:cubicBezTo>
+                <a:cubicBezTo>
+                  <a:pt x="8984197" y="2702296"/>
+                  <a:pt x="8781514" y="2726379"/>
+                  <a:pt x="8578198" y="2746241"/>
+                </a:cubicBezTo>
+                <a:cubicBezTo>
+                  <a:pt x="8340547" y="2768961"/>
+                  <a:pt x="8102644" y="2790436"/>
+                  <a:pt x="7864358" y="2807692"/>
+                </a:cubicBezTo>
+                <a:cubicBezTo>
+                  <a:pt x="7554994" y="2830036"/>
+                  <a:pt x="7245502" y="2847914"/>
+                  <a:pt x="6935502" y="2859086"/>
+                </a:cubicBezTo>
+                <a:cubicBezTo>
+                  <a:pt x="6782917" y="2864549"/>
+                  <a:pt x="6630334" y="2868397"/>
+                  <a:pt x="6477750" y="2872989"/>
+                </a:cubicBezTo>
+                <a:cubicBezTo>
+                  <a:pt x="6439195" y="2870905"/>
+                  <a:pt x="6400529" y="2872530"/>
+                  <a:pt x="6362294" y="2877832"/>
+                </a:cubicBezTo>
+                <a:lnTo>
+                  <a:pt x="6057129" y="2877832"/>
+                </a:lnTo>
+                <a:lnTo>
+                  <a:pt x="5977784" y="2873238"/>
+                </a:lnTo>
+                <a:cubicBezTo>
+                  <a:pt x="5740261" y="2860825"/>
+                  <a:pt x="5502739" y="2847046"/>
+                  <a:pt x="5265087" y="2836989"/>
+                </a:cubicBezTo>
+                <a:cubicBezTo>
+                  <a:pt x="4958267" y="2824573"/>
+                  <a:pt x="4651826" y="2804093"/>
+                  <a:pt x="4346277" y="2774919"/>
+                </a:cubicBezTo>
+                <a:cubicBezTo>
+                  <a:pt x="4021654" y="2744007"/>
+                  <a:pt x="3697795" y="2709372"/>
+                  <a:pt x="3373045" y="2676350"/>
+                </a:cubicBezTo>
+                <a:cubicBezTo>
+                  <a:pt x="3035412" y="2642088"/>
+                  <a:pt x="2698456" y="2602449"/>
+                  <a:pt x="2362173" y="2557423"/>
+                </a:cubicBezTo>
+                <a:cubicBezTo>
+                  <a:pt x="1984692" y="2507270"/>
+                  <a:pt x="1608364" y="2449544"/>
+                  <a:pt x="1233178" y="2384247"/>
+                </a:cubicBezTo>
+                <a:cubicBezTo>
+                  <a:pt x="842181" y="2315534"/>
+                  <a:pt x="453758" y="2237046"/>
+                  <a:pt x="68500" y="2144540"/>
+                </a:cubicBezTo>
+                <a:lnTo>
+                  <a:pt x="0" y="2127185"/>
+                </a:lnTo>
+                <a:lnTo>
+                  <a:pt x="0" y="2070696"/>
+                </a:lnTo>
+                <a:lnTo>
+                  <a:pt x="72441" y="2089473"/>
+                </a:lnTo>
+                <a:cubicBezTo>
+                  <a:pt x="247961" y="2131651"/>
+                  <a:pt x="424164" y="2170911"/>
+                  <a:pt x="600716" y="2207843"/>
+                </a:cubicBezTo>
+                <a:cubicBezTo>
+                  <a:pt x="988279" y="2288657"/>
+                  <a:pt x="1378133" y="2357555"/>
+                  <a:pt x="1769512" y="2418011"/>
+                </a:cubicBezTo>
+                <a:cubicBezTo>
+                  <a:pt x="2052426" y="2461587"/>
+                  <a:pt x="2335725" y="2501684"/>
+                  <a:pt x="2613554" y="2534953"/>
+                </a:cubicBezTo>
+                <a:cubicBezTo>
+                  <a:pt x="2605544" y="2537560"/>
+                  <a:pt x="2594611" y="2527504"/>
+                  <a:pt x="2581134" y="2525022"/>
+                </a:cubicBezTo>
+                <a:cubicBezTo>
+                  <a:pt x="2087178" y="2433070"/>
+                  <a:pt x="1597684" y="2322177"/>
+                  <a:pt x="1112635" y="2192325"/>
+                </a:cubicBezTo>
+                <a:cubicBezTo>
+                  <a:pt x="880453" y="2130254"/>
+                  <a:pt x="649713" y="2063776"/>
+                  <a:pt x="420412" y="1992892"/>
+                </a:cubicBezTo>
+                <a:lnTo>
+                  <a:pt x="0" y="1853975"/>
+                </a:lnTo>
+                <a:close/>
+              </a:path>
+            </a:pathLst>
+          </a:custGeom>
+          <a:solidFill>
+            <a:schemeClr val="accent2"/>
+          </a:solidFill>
+          <a:ln>
+            <a:noFill/>
+          </a:ln>
+        </p:spPr>
+        <p:style>
+          <a:lnRef idx="2">
+            <a:schemeClr val="accent1">
+              <a:shade val="50000"/>
+            </a:schemeClr>
+          </a:lnRef>
+          <a:fillRef idx="1">
+            <a:schemeClr val="accent1"/>
+          </a:fillRef>
+          <a:effectRef idx="0">
+            <a:schemeClr val="accent1"/>
+          </a:effectRef>
+          <a:fontRef idx="minor">
+            <a:schemeClr val="lt1"/>
+          </a:fontRef>
+        </p:style>
+        <p:txBody>
+          <a:bodyPr wrap="square" rtlCol="0" anchor="ctr">
+            <a:noAutofit/>
+          </a:bodyPr>
+          <a:lstStyle/>
+          <a:p>
+            <a:pPr algn="ctr"/>
+            <a:endParaRPr lang="en-US"/>
+          </a:p>
+        </p:txBody>
+      </p:sp>
+      <p:sp>
+        <p:nvSpPr>
+          <p:cNvPr id="2" name="Title 1">
+            <a:extLst>
+              <a:ext uri="{FF2B5EF4-FFF2-40B4-BE49-F238E27FC236}">
                 <a16:creationId xmlns:a16="http://schemas.microsoft.com/office/drawing/2014/main" id="{7BD3D7E2-AF77-9406-5D27-98F4EC3C9634}"/>
               </a:ext>
             </a:extLst>
@@ -3428,44 +5465,354 @@
             <p:ph type="ctrTitle"/>
           </p:nvPr>
         </p:nvSpPr>
-        <p:spPr/>
+        <p:spPr>
+          <a:xfrm>
+            <a:off x="479160" y="390525"/>
+            <a:ext cx="8182230" cy="1510301"/>
+          </a:xfrm>
+        </p:spPr>
         <p:txBody>
-          <a:bodyPr/>
+          <a:bodyPr anchor="ctr">
+            <a:normAutofit/>
+          </a:bodyPr>
           <a:lstStyle/>
           <a:p>
-            <a:endParaRPr lang="en-DE"/>
+            <a:r>
+              <a:rPr lang="en-DE" sz="5000" b="1" dirty="0">
+                <a:solidFill>
+                  <a:srgbClr val="FFFFFF"/>
+                </a:solidFill>
+                <a:latin typeface="Arial" panose="020B0604020202020204" pitchFamily="34" charset="0"/>
+                <a:cs typeface="Arial" panose="020B0604020202020204" pitchFamily="34" charset="0"/>
+              </a:rPr>
+              <a:t>Thank you!</a:t>
+            </a:r>
           </a:p>
         </p:txBody>
       </p:sp>
       <p:sp>
         <p:nvSpPr>
-          <p:cNvPr id="3" name="Subtitle 2">
-            <a:extLst>
-              <a:ext uri="{FF2B5EF4-FFF2-40B4-BE49-F238E27FC236}">
-                <a16:creationId xmlns:a16="http://schemas.microsoft.com/office/drawing/2014/main" id="{51AB75B0-8574-DF28-2C68-119601784A35}"/>
+          <p:cNvPr id="2059" name="sketch line">
+            <a:extLst>
+              <a:ext uri="{FF2B5EF4-FFF2-40B4-BE49-F238E27FC236}">
+                <a16:creationId xmlns:a16="http://schemas.microsoft.com/office/drawing/2014/main" id="{56037404-66BD-46B5-9323-1B531319671A}"/>
+              </a:ext>
+              <a:ext uri="{C183D7F6-B498-43B3-948B-1728B52AA6E4}">
+                <adec:decorative xmlns:adec="http://schemas.microsoft.com/office/drawing/2017/decorative" val="1"/>
               </a:ext>
             </a:extLst>
           </p:cNvPr>
           <p:cNvSpPr>
-            <a:spLocks noGrp="1"/>
+            <a:spLocks noGrp="1" noRot="1" noChangeAspect="1" noMove="1" noResize="1" noEditPoints="1" noAdjustHandles="1" noChangeArrowheads="1" noChangeShapeType="1" noTextEdit="1"/>
           </p:cNvSpPr>
           <p:nvPr>
-            <p:ph type="subTitle" idx="1"/>
+            <p:extLst>
+              <p:ext uri="{386F3935-93C4-4BCD-93E2-E3B085C9AB24}">
+                <p16:designElem xmlns:p16="http://schemas.microsoft.com/office/powerpoint/2015/main" val="1"/>
+              </p:ext>
+            </p:extLst>
           </p:nvPr>
         </p:nvSpPr>
-        <p:spPr/>
+        <p:spPr>
+          <a:xfrm>
+            <a:off x="2980654" y="1753266"/>
+            <a:ext cx="3182692" cy="18288"/>
+          </a:xfrm>
+          <a:custGeom>
+            <a:avLst/>
+            <a:gdLst>
+              <a:gd name="connsiteX0" fmla="*/ 0 w 3182692"/>
+              <a:gd name="connsiteY0" fmla="*/ 0 h 18288"/>
+              <a:gd name="connsiteX1" fmla="*/ 604711 w 3182692"/>
+              <a:gd name="connsiteY1" fmla="*/ 0 h 18288"/>
+              <a:gd name="connsiteX2" fmla="*/ 1241250 w 3182692"/>
+              <a:gd name="connsiteY2" fmla="*/ 0 h 18288"/>
+              <a:gd name="connsiteX3" fmla="*/ 1909615 w 3182692"/>
+              <a:gd name="connsiteY3" fmla="*/ 0 h 18288"/>
+              <a:gd name="connsiteX4" fmla="*/ 2577981 w 3182692"/>
+              <a:gd name="connsiteY4" fmla="*/ 0 h 18288"/>
+              <a:gd name="connsiteX5" fmla="*/ 3182692 w 3182692"/>
+              <a:gd name="connsiteY5" fmla="*/ 0 h 18288"/>
+              <a:gd name="connsiteX6" fmla="*/ 3182692 w 3182692"/>
+              <a:gd name="connsiteY6" fmla="*/ 18288 h 18288"/>
+              <a:gd name="connsiteX7" fmla="*/ 2482500 w 3182692"/>
+              <a:gd name="connsiteY7" fmla="*/ 18288 h 18288"/>
+              <a:gd name="connsiteX8" fmla="*/ 1782308 w 3182692"/>
+              <a:gd name="connsiteY8" fmla="*/ 18288 h 18288"/>
+              <a:gd name="connsiteX9" fmla="*/ 1145769 w 3182692"/>
+              <a:gd name="connsiteY9" fmla="*/ 18288 h 18288"/>
+              <a:gd name="connsiteX10" fmla="*/ 0 w 3182692"/>
+              <a:gd name="connsiteY10" fmla="*/ 18288 h 18288"/>
+              <a:gd name="connsiteX11" fmla="*/ 0 w 3182692"/>
+              <a:gd name="connsiteY11" fmla="*/ 0 h 18288"/>
+            </a:gdLst>
+            <a:ahLst/>
+            <a:cxnLst>
+              <a:cxn ang="0">
+                <a:pos x="connsiteX0" y="connsiteY0"/>
+              </a:cxn>
+              <a:cxn ang="0">
+                <a:pos x="connsiteX1" y="connsiteY1"/>
+              </a:cxn>
+              <a:cxn ang="0">
+                <a:pos x="connsiteX2" y="connsiteY2"/>
+              </a:cxn>
+              <a:cxn ang="0">
+                <a:pos x="connsiteX3" y="connsiteY3"/>
+              </a:cxn>
+              <a:cxn ang="0">
+                <a:pos x="connsiteX4" y="connsiteY4"/>
+              </a:cxn>
+              <a:cxn ang="0">
+                <a:pos x="connsiteX5" y="connsiteY5"/>
+              </a:cxn>
+              <a:cxn ang="0">
+                <a:pos x="connsiteX6" y="connsiteY6"/>
+              </a:cxn>
+              <a:cxn ang="0">
+                <a:pos x="connsiteX7" y="connsiteY7"/>
+              </a:cxn>
+              <a:cxn ang="0">
+                <a:pos x="connsiteX8" y="connsiteY8"/>
+              </a:cxn>
+              <a:cxn ang="0">
+                <a:pos x="connsiteX9" y="connsiteY9"/>
+              </a:cxn>
+              <a:cxn ang="0">
+                <a:pos x="connsiteX10" y="connsiteY10"/>
+              </a:cxn>
+              <a:cxn ang="0">
+                <a:pos x="connsiteX11" y="connsiteY11"/>
+              </a:cxn>
+            </a:cxnLst>
+            <a:rect l="l" t="t" r="r" b="b"/>
+            <a:pathLst>
+              <a:path w="3182692" h="18288" fill="none" extrusionOk="0">
+                <a:moveTo>
+                  <a:pt x="0" y="0"/>
+                </a:moveTo>
+                <a:cubicBezTo>
+                  <a:pt x="126686" y="-21366"/>
+                  <a:pt x="467788" y="9025"/>
+                  <a:pt x="604711" y="0"/>
+                </a:cubicBezTo>
+                <a:cubicBezTo>
+                  <a:pt x="741634" y="-9025"/>
+                  <a:pt x="1061620" y="6814"/>
+                  <a:pt x="1241250" y="0"/>
+                </a:cubicBezTo>
+                <a:cubicBezTo>
+                  <a:pt x="1420880" y="-6814"/>
+                  <a:pt x="1713773" y="13383"/>
+                  <a:pt x="1909615" y="0"/>
+                </a:cubicBezTo>
+                <a:cubicBezTo>
+                  <a:pt x="2105457" y="-13383"/>
+                  <a:pt x="2257256" y="13567"/>
+                  <a:pt x="2577981" y="0"/>
+                </a:cubicBezTo>
+                <a:cubicBezTo>
+                  <a:pt x="2898706" y="-13567"/>
+                  <a:pt x="3026063" y="6328"/>
+                  <a:pt x="3182692" y="0"/>
+                </a:cubicBezTo>
+                <a:cubicBezTo>
+                  <a:pt x="3181983" y="8157"/>
+                  <a:pt x="3182279" y="12125"/>
+                  <a:pt x="3182692" y="18288"/>
+                </a:cubicBezTo>
+                <a:cubicBezTo>
+                  <a:pt x="2998421" y="21742"/>
+                  <a:pt x="2675038" y="19014"/>
+                  <a:pt x="2482500" y="18288"/>
+                </a:cubicBezTo>
+                <a:cubicBezTo>
+                  <a:pt x="2289962" y="17562"/>
+                  <a:pt x="1930644" y="6834"/>
+                  <a:pt x="1782308" y="18288"/>
+                </a:cubicBezTo>
+                <a:cubicBezTo>
+                  <a:pt x="1633972" y="29742"/>
+                  <a:pt x="1287388" y="-1992"/>
+                  <a:pt x="1145769" y="18288"/>
+                </a:cubicBezTo>
+                <a:cubicBezTo>
+                  <a:pt x="1004150" y="38568"/>
+                  <a:pt x="256377" y="-37438"/>
+                  <a:pt x="0" y="18288"/>
+                </a:cubicBezTo>
+                <a:cubicBezTo>
+                  <a:pt x="-46" y="12483"/>
+                  <a:pt x="-203" y="6491"/>
+                  <a:pt x="0" y="0"/>
+                </a:cubicBezTo>
+                <a:close/>
+              </a:path>
+              <a:path w="3182692" h="18288" stroke="0" extrusionOk="0">
+                <a:moveTo>
+                  <a:pt x="0" y="0"/>
+                </a:moveTo>
+                <a:cubicBezTo>
+                  <a:pt x="283446" y="18201"/>
+                  <a:pt x="432812" y="7290"/>
+                  <a:pt x="604711" y="0"/>
+                </a:cubicBezTo>
+                <a:cubicBezTo>
+                  <a:pt x="776610" y="-7290"/>
+                  <a:pt x="982253" y="15478"/>
+                  <a:pt x="1145769" y="0"/>
+                </a:cubicBezTo>
+                <a:cubicBezTo>
+                  <a:pt x="1309285" y="-15478"/>
+                  <a:pt x="1514247" y="-25520"/>
+                  <a:pt x="1845961" y="0"/>
+                </a:cubicBezTo>
+                <a:cubicBezTo>
+                  <a:pt x="2177675" y="25520"/>
+                  <a:pt x="2297588" y="16646"/>
+                  <a:pt x="2450673" y="0"/>
+                </a:cubicBezTo>
+                <a:cubicBezTo>
+                  <a:pt x="2603758" y="-16646"/>
+                  <a:pt x="3023048" y="-21196"/>
+                  <a:pt x="3182692" y="0"/>
+                </a:cubicBezTo>
+                <a:cubicBezTo>
+                  <a:pt x="3182428" y="4493"/>
+                  <a:pt x="3183076" y="9472"/>
+                  <a:pt x="3182692" y="18288"/>
+                </a:cubicBezTo>
+                <a:cubicBezTo>
+                  <a:pt x="3039109" y="-12701"/>
+                  <a:pt x="2823860" y="13848"/>
+                  <a:pt x="2546154" y="18288"/>
+                </a:cubicBezTo>
+                <a:cubicBezTo>
+                  <a:pt x="2268448" y="22728"/>
+                  <a:pt x="2098674" y="5291"/>
+                  <a:pt x="1845961" y="18288"/>
+                </a:cubicBezTo>
+                <a:cubicBezTo>
+                  <a:pt x="1593248" y="31285"/>
+                  <a:pt x="1456743" y="27560"/>
+                  <a:pt x="1304904" y="18288"/>
+                </a:cubicBezTo>
+                <a:cubicBezTo>
+                  <a:pt x="1153065" y="9016"/>
+                  <a:pt x="947204" y="11126"/>
+                  <a:pt x="668365" y="18288"/>
+                </a:cubicBezTo>
+                <a:cubicBezTo>
+                  <a:pt x="389526" y="25450"/>
+                  <a:pt x="288244" y="-4628"/>
+                  <a:pt x="0" y="18288"/>
+                </a:cubicBezTo>
+                <a:cubicBezTo>
+                  <a:pt x="843" y="9577"/>
+                  <a:pt x="371" y="6900"/>
+                  <a:pt x="0" y="0"/>
+                </a:cubicBezTo>
+                <a:close/>
+              </a:path>
+            </a:pathLst>
+          </a:custGeom>
+          <a:solidFill>
+            <a:srgbClr val="FFFFFF"/>
+          </a:solidFill>
+          <a:ln w="38100" cap="rnd">
+            <a:solidFill>
+              <a:srgbClr val="FFFFFF"/>
+            </a:solidFill>
+            <a:round/>
+            <a:extLst>
+              <a:ext uri="{C807C97D-BFC1-408E-A445-0C87EB9F89A2}">
+                <ask:lineSketchStyleProps xmlns:ask="http://schemas.microsoft.com/office/drawing/2018/sketchyshapes" sd="1219033472">
+                  <a:prstGeom prst="rect">
+                    <a:avLst/>
+                  </a:prstGeom>
+                  <ask:type>
+                    <ask:lineSketchFreehand/>
+                  </ask:type>
+                </ask:lineSketchStyleProps>
+              </a:ext>
+            </a:extLst>
+          </a:ln>
+        </p:spPr>
+        <p:style>
+          <a:lnRef idx="2">
+            <a:schemeClr val="accent1">
+              <a:shade val="50000"/>
+            </a:schemeClr>
+          </a:lnRef>
+          <a:fillRef idx="1">
+            <a:schemeClr val="accent1"/>
+          </a:fillRef>
+          <a:effectRef idx="0">
+            <a:schemeClr val="accent1"/>
+          </a:effectRef>
+          <a:fontRef idx="minor">
+            <a:schemeClr val="lt1"/>
+          </a:fontRef>
+        </p:style>
         <p:txBody>
-          <a:bodyPr/>
+          <a:bodyPr rtlCol="0" anchor="ctr"/>
           <a:lstStyle/>
           <a:p>
-            <a:endParaRPr lang="en-DE"/>
+            <a:pPr algn="ctr"/>
+            <a:endParaRPr lang="en-US"/>
           </a:p>
         </p:txBody>
       </p:sp>
+      <p:pic>
+        <p:nvPicPr>
+          <p:cNvPr id="2050" name="Picture 2" descr="Queb Podcast #45 neue fische: Bootcamps vs Fachkräftemangel">
+            <a:extLst>
+              <a:ext uri="{FF2B5EF4-FFF2-40B4-BE49-F238E27FC236}">
+                <a16:creationId xmlns:a16="http://schemas.microsoft.com/office/drawing/2014/main" id="{52618C3E-8DC1-4A61-49B3-B9AFE571E981}"/>
+              </a:ext>
+            </a:extLst>
+          </p:cNvPr>
+          <p:cNvPicPr>
+            <a:picLocks noChangeAspect="1" noChangeArrowheads="1"/>
+          </p:cNvPicPr>
+          <p:nvPr/>
+        </p:nvPicPr>
+        <p:blipFill>
+          <a:blip r:embed="rId2">
+            <a:extLst>
+              <a:ext uri="{28A0092B-C50C-407E-A947-70E740481C1C}">
+                <a14:useLocalDpi xmlns:a14="http://schemas.microsoft.com/office/drawing/2010/main" val="0"/>
+              </a:ext>
+            </a:extLst>
+          </a:blip>
+          <a:stretch>
+            <a:fillRect/>
+          </a:stretch>
+        </p:blipFill>
+        <p:spPr bwMode="auto">
+          <a:xfrm>
+            <a:off x="776382" y="3628198"/>
+            <a:ext cx="7588949" cy="1897240"/>
+          </a:xfrm>
+          <a:prstGeom prst="rect">
+            <a:avLst/>
+          </a:prstGeom>
+          <a:noFill/>
+          <a:extLst>
+            <a:ext uri="{909E8E84-426E-40DD-AFC4-6F175D3DCCD1}">
+              <a14:hiddenFill xmlns:a14="http://schemas.microsoft.com/office/drawing/2010/main">
+                <a:solidFill>
+                  <a:srgbClr val="FFFFFF"/>
+                </a:solidFill>
+              </a14:hiddenFill>
+            </a:ext>
+          </a:extLst>
+        </p:spPr>
+      </p:pic>
     </p:spTree>
     <p:extLst>
       <p:ext uri="{BB962C8B-B14F-4D97-AF65-F5344CB8AC3E}">
-        <p14:creationId xmlns:p14="http://schemas.microsoft.com/office/powerpoint/2010/main" val="3758099461"/>
+        <p14:creationId xmlns:p14="http://schemas.microsoft.com/office/powerpoint/2010/main" val="3910100822"/>
       </p:ext>
     </p:extLst>
   </p:cSld>
@@ -3502,10 +5849,10 @@
       </p:grpSpPr>
       <p:sp useBgFill="1">
         <p:nvSpPr>
-          <p:cNvPr id="1033" name="Rectangle 1032">
-            <a:extLst>
-              <a:ext uri="{FF2B5EF4-FFF2-40B4-BE49-F238E27FC236}">
-                <a16:creationId xmlns:a16="http://schemas.microsoft.com/office/drawing/2014/main" id="{201CC55D-ED54-4C5C-95E6-10947BD1103B}"/>
+          <p:cNvPr id="1044" name="Slide Background">
+            <a:extLst>
+              <a:ext uri="{FF2B5EF4-FFF2-40B4-BE49-F238E27FC236}">
+                <a16:creationId xmlns:a16="http://schemas.microsoft.com/office/drawing/2014/main" id="{9F7D5CDA-D291-4307-BF55-1381FED29634}"/>
               </a:ext>
               <a:ext uri="{C183D7F6-B498-43B3-948B-1728B52AA6E4}">
                 <adec:decorative xmlns:adec="http://schemas.microsoft.com/office/drawing/2017/decorative" val="1"/>
@@ -3526,7 +5873,7 @@
         <p:spPr>
           <a:xfrm>
             <a:off x="0" y="0"/>
-            <a:ext cx="9143999" cy="6857365"/>
+            <a:ext cx="9144000" cy="6858000"/>
           </a:xfrm>
           <a:prstGeom prst="rect">
             <a:avLst/>
@@ -3565,7 +5912,7 @@
           <p:cNvPr id="2" name="Title 1">
             <a:extLst>
               <a:ext uri="{FF2B5EF4-FFF2-40B4-BE49-F238E27FC236}">
-                <a16:creationId xmlns:a16="http://schemas.microsoft.com/office/drawing/2014/main" id="{62ADB444-EF80-E65F-1529-BDB6876C4980}"/>
+                <a16:creationId xmlns:a16="http://schemas.microsoft.com/office/drawing/2014/main" id="{99DFA410-C187-5021-F30D-E0915CA2C71A}"/>
               </a:ext>
             </a:extLst>
           </p:cNvPr>
@@ -3578,8 +5925,8 @@
         </p:nvSpPr>
         <p:spPr>
           <a:xfrm>
-            <a:off x="442170" y="856180"/>
-            <a:ext cx="3420438" cy="1128068"/>
+            <a:off x="571350" y="762001"/>
+            <a:ext cx="4000647" cy="1708242"/>
           </a:xfrm>
         </p:spPr>
         <p:txBody>
@@ -3589,229 +5936,13 @@
           <a:lstStyle/>
           <a:p>
             <a:r>
-              <a:rPr lang="en-DE" sz="3000" dirty="0">
+              <a:rPr lang="en-DE" sz="3500" b="1" dirty="0">
                 <a:latin typeface="Arial" panose="020B0604020202020204" pitchFamily="34" charset="0"/>
                 <a:cs typeface="Arial" panose="020B0604020202020204" pitchFamily="34" charset="0"/>
               </a:rPr>
-              <a:t>Client: Zachary Brooks</a:t>
-            </a:r>
-          </a:p>
-        </p:txBody>
-      </p:sp>
-      <p:grpSp>
-        <p:nvGrpSpPr>
-          <p:cNvPr id="1035" name="Group 1034">
-            <a:extLst>
-              <a:ext uri="{FF2B5EF4-FFF2-40B4-BE49-F238E27FC236}">
-                <a16:creationId xmlns:a16="http://schemas.microsoft.com/office/drawing/2014/main" id="{1DE889C7-FAD6-4397-98E2-05D503484459}"/>
-              </a:ext>
-              <a:ext uri="{C183D7F6-B498-43B3-948B-1728B52AA6E4}">
-                <adec:decorative xmlns:adec="http://schemas.microsoft.com/office/drawing/2017/decorative" val="1"/>
-              </a:ext>
-            </a:extLst>
-          </p:cNvPr>
-          <p:cNvGrpSpPr>
-            <a:grpSpLocks noGrp="1" noUngrp="1" noRot="1" noChangeAspect="1" noMove="1" noResize="1"/>
-          </p:cNvGrpSpPr>
-          <p:nvPr>
-            <p:extLst>
-              <p:ext uri="{386F3935-93C4-4BCD-93E2-E3B085C9AB24}">
-                <p16:designElem xmlns:p16="http://schemas.microsoft.com/office/powerpoint/2015/main" val="1"/>
-              </p:ext>
-            </p:extLst>
-          </p:nvPr>
-        </p:nvGrpSpPr>
-        <p:grpSpPr>
-          <a:xfrm>
-            <a:off x="0" y="1083484"/>
-            <a:ext cx="266396" cy="673460"/>
-            <a:chOff x="0" y="823811"/>
-            <a:chExt cx="355196" cy="673460"/>
-          </a:xfrm>
-        </p:grpSpPr>
-        <p:sp>
-          <p:nvSpPr>
-            <p:cNvPr id="1036" name="Rectangle 1035">
-              <a:extLst>
-                <a:ext uri="{FF2B5EF4-FFF2-40B4-BE49-F238E27FC236}">
-                  <a16:creationId xmlns:a16="http://schemas.microsoft.com/office/drawing/2014/main" id="{F399A70F-F8CD-4992-9EF5-6CF15472E73F}"/>
-                </a:ext>
-                <a:ext uri="{C183D7F6-B498-43B3-948B-1728B52AA6E4}">
-                  <adec:decorative xmlns:adec="http://schemas.microsoft.com/office/drawing/2017/decorative" val="1"/>
-                </a:ext>
-              </a:extLst>
-            </p:cNvPr>
-            <p:cNvSpPr/>
-            <p:nvPr>
-              <p:extLst>
-                <p:ext uri="{386F3935-93C4-4BCD-93E2-E3B085C9AB24}">
-                  <p16:designElem xmlns:p16="http://schemas.microsoft.com/office/powerpoint/2015/main" val="1"/>
-                </p:ext>
-              </p:extLst>
-            </p:nvPr>
-          </p:nvSpPr>
-          <p:spPr>
-            <a:xfrm>
-              <a:off x="0" y="823811"/>
-              <a:ext cx="87363" cy="673460"/>
-            </a:xfrm>
-            <a:prstGeom prst="rect">
-              <a:avLst/>
-            </a:prstGeom>
-            <a:solidFill>
-              <a:schemeClr val="accent4"/>
-            </a:solidFill>
-            <a:ln>
-              <a:noFill/>
-            </a:ln>
-          </p:spPr>
-          <p:style>
-            <a:lnRef idx="2">
-              <a:schemeClr val="accent1">
-                <a:shade val="50000"/>
-              </a:schemeClr>
-            </a:lnRef>
-            <a:fillRef idx="1">
-              <a:schemeClr val="accent1"/>
-            </a:fillRef>
-            <a:effectRef idx="0">
-              <a:schemeClr val="accent1"/>
-            </a:effectRef>
-            <a:fontRef idx="minor">
-              <a:schemeClr val="lt1"/>
-            </a:fontRef>
-          </p:style>
-          <p:txBody>
-            <a:bodyPr rtlCol="0" anchor="ctr"/>
-            <a:lstStyle/>
-            <a:p>
-              <a:pPr algn="ctr"/>
-              <a:endParaRPr lang="en-US"/>
-            </a:p>
-          </p:txBody>
-        </p:sp>
-        <p:sp>
-          <p:nvSpPr>
-            <p:cNvPr id="1037" name="Rectangle 1036">
-              <a:extLst>
-                <a:ext uri="{FF2B5EF4-FFF2-40B4-BE49-F238E27FC236}">
-                  <a16:creationId xmlns:a16="http://schemas.microsoft.com/office/drawing/2014/main" id="{48F4FEDC-6D80-458C-A665-075D9B9500FD}"/>
-                </a:ext>
-                <a:ext uri="{C183D7F6-B498-43B3-948B-1728B52AA6E4}">
-                  <adec:decorative xmlns:adec="http://schemas.microsoft.com/office/drawing/2017/decorative" val="1"/>
-                </a:ext>
-              </a:extLst>
-            </p:cNvPr>
-            <p:cNvSpPr/>
-            <p:nvPr>
-              <p:extLst>
-                <p:ext uri="{386F3935-93C4-4BCD-93E2-E3B085C9AB24}">
-                  <p16:designElem xmlns:p16="http://schemas.microsoft.com/office/powerpoint/2015/main" val="1"/>
-                </p:ext>
-              </p:extLst>
-            </p:nvPr>
-          </p:nvSpPr>
-          <p:spPr>
-            <a:xfrm>
-              <a:off x="159341" y="823811"/>
-              <a:ext cx="195855" cy="673460"/>
-            </a:xfrm>
-            <a:prstGeom prst="rect">
-              <a:avLst/>
-            </a:prstGeom>
-            <a:solidFill>
-              <a:schemeClr val="accent4"/>
-            </a:solidFill>
-            <a:ln>
-              <a:noFill/>
-            </a:ln>
-          </p:spPr>
-          <p:style>
-            <a:lnRef idx="2">
-              <a:schemeClr val="accent1">
-                <a:shade val="50000"/>
-              </a:schemeClr>
-            </a:lnRef>
-            <a:fillRef idx="1">
-              <a:schemeClr val="accent1"/>
-            </a:fillRef>
-            <a:effectRef idx="0">
-              <a:schemeClr val="accent1"/>
-            </a:effectRef>
-            <a:fontRef idx="minor">
-              <a:schemeClr val="lt1"/>
-            </a:fontRef>
-          </p:style>
-          <p:txBody>
-            <a:bodyPr rtlCol="0" anchor="ctr"/>
-            <a:lstStyle/>
-            <a:p>
-              <a:pPr algn="ctr"/>
-              <a:endParaRPr lang="en-US"/>
-            </a:p>
-          </p:txBody>
-        </p:sp>
-      </p:grpSp>
-      <p:sp>
-        <p:nvSpPr>
-          <p:cNvPr id="1039" name="Rectangle 1038">
-            <a:extLst>
-              <a:ext uri="{FF2B5EF4-FFF2-40B4-BE49-F238E27FC236}">
-                <a16:creationId xmlns:a16="http://schemas.microsoft.com/office/drawing/2014/main" id="{3873B707-463F-40B0-8227-E8CC6C67EB25}"/>
-              </a:ext>
-              <a:ext uri="{C183D7F6-B498-43B3-948B-1728B52AA6E4}">
-                <adec:decorative xmlns:adec="http://schemas.microsoft.com/office/drawing/2017/decorative" val="1"/>
-              </a:ext>
-            </a:extLst>
-          </p:cNvPr>
-          <p:cNvSpPr>
-            <a:spLocks noGrp="1" noRot="1" noChangeAspect="1" noMove="1" noResize="1" noEditPoints="1" noAdjustHandles="1" noChangeArrowheads="1" noChangeShapeType="1" noTextEdit="1"/>
-          </p:cNvSpPr>
-          <p:nvPr>
-            <p:extLst>
-              <p:ext uri="{386F3935-93C4-4BCD-93E2-E3B085C9AB24}">
-                <p16:designElem xmlns:p16="http://schemas.microsoft.com/office/powerpoint/2015/main" val="1"/>
-              </p:ext>
-            </p:extLst>
-          </p:nvPr>
-        </p:nvSpPr>
-        <p:spPr>
-          <a:xfrm flipH="1">
-            <a:off x="498813" y="2090569"/>
-            <a:ext cx="3223260" cy="27432"/>
-          </a:xfrm>
-          <a:prstGeom prst="rect">
-            <a:avLst/>
-          </a:prstGeom>
-          <a:solidFill>
-            <a:schemeClr val="accent4"/>
-          </a:solidFill>
-          <a:ln>
-            <a:noFill/>
-          </a:ln>
-        </p:spPr>
-        <p:style>
-          <a:lnRef idx="2">
-            <a:schemeClr val="accent1">
-              <a:shade val="50000"/>
-            </a:schemeClr>
-          </a:lnRef>
-          <a:fillRef idx="1">
-            <a:schemeClr val="accent1"/>
-          </a:fillRef>
-          <a:effectRef idx="0">
-            <a:schemeClr val="accent1"/>
-          </a:effectRef>
-          <a:fontRef idx="minor">
-            <a:schemeClr val="lt1"/>
-          </a:fontRef>
-        </p:style>
-        <p:txBody>
-          <a:bodyPr rtlCol="0" anchor="ctr"/>
-          <a:lstStyle/>
-          <a:p>
-            <a:pPr algn="ctr"/>
-            <a:endParaRPr lang="en-US"/>
+              <a:t>Zachary Brooks (Seller)</a:t>
+            </a:r>
+            <a:endParaRPr lang="en-DE" sz="3500" b="1" dirty="0"/>
           </a:p>
         </p:txBody>
       </p:sp>
@@ -3820,7 +5951,7 @@
           <p:cNvPr id="3" name="Content Placeholder 2">
             <a:extLst>
               <a:ext uri="{FF2B5EF4-FFF2-40B4-BE49-F238E27FC236}">
-                <a16:creationId xmlns:a16="http://schemas.microsoft.com/office/drawing/2014/main" id="{F2A4C3B3-EA78-315B-E64C-8874C7F5B2FB}"/>
+                <a16:creationId xmlns:a16="http://schemas.microsoft.com/office/drawing/2014/main" id="{F3E04D30-FCD2-C993-5D1E-D57BEA39CBEB}"/>
               </a:ext>
             </a:extLst>
           </p:cNvPr>
@@ -3833,8 +5964,8 @@
         </p:nvSpPr>
         <p:spPr>
           <a:xfrm>
-            <a:off x="443039" y="2330505"/>
-            <a:ext cx="3419569" cy="3979585"/>
+            <a:off x="571350" y="2470244"/>
+            <a:ext cx="4000647" cy="3769835"/>
           </a:xfrm>
         </p:spPr>
         <p:txBody>
@@ -3843,152 +5974,91 @@
           </a:bodyPr>
           <a:lstStyle/>
           <a:p>
-            <a:endParaRPr lang="en-DE" sz="1700" dirty="0">
+            <a:r>
+              <a:rPr lang="en-DE" sz="2000" dirty="0">
+                <a:latin typeface="Arial" panose="020B0604020202020204" pitchFamily="34" charset="0"/>
+                <a:cs typeface="Arial" panose="020B0604020202020204" pitchFamily="34" charset="0"/>
+              </a:rPr>
+              <a:t>Seller that invests in historical houses</a:t>
+            </a:r>
+          </a:p>
+          <a:p>
+            <a:endParaRPr lang="en-DE" sz="2000" dirty="0">
               <a:latin typeface="Arial" panose="020B0604020202020204" pitchFamily="34" charset="0"/>
               <a:cs typeface="Arial" panose="020B0604020202020204" pitchFamily="34" charset="0"/>
             </a:endParaRPr>
           </a:p>
-        </p:txBody>
-      </p:sp>
-      <p:sp>
-        <p:nvSpPr>
-          <p:cNvPr id="1041" name="Rectangle 1040">
-            <a:extLst>
-              <a:ext uri="{FF2B5EF4-FFF2-40B4-BE49-F238E27FC236}">
-                <a16:creationId xmlns:a16="http://schemas.microsoft.com/office/drawing/2014/main" id="{C13237C8-E62C-4F0D-A318-BD6FB6C2D138}"/>
-              </a:ext>
-              <a:ext uri="{C183D7F6-B498-43B3-948B-1728B52AA6E4}">
-                <adec:decorative xmlns:adec="http://schemas.microsoft.com/office/drawing/2017/decorative" val="1"/>
-              </a:ext>
-            </a:extLst>
-          </p:cNvPr>
-          <p:cNvSpPr>
-            <a:spLocks noGrp="1" noRot="1" noChangeAspect="1" noMove="1" noResize="1" noEditPoints="1" noAdjustHandles="1" noChangeArrowheads="1" noChangeShapeType="1" noTextEdit="1"/>
-          </p:cNvSpPr>
-          <p:nvPr>
-            <p:extLst>
-              <p:ext uri="{386F3935-93C4-4BCD-93E2-E3B085C9AB24}">
-                <p16:designElem xmlns:p16="http://schemas.microsoft.com/office/powerpoint/2015/main" val="1"/>
-              </p:ext>
-            </p:extLst>
-          </p:nvPr>
-        </p:nvSpPr>
-        <p:spPr>
-          <a:xfrm flipH="1">
-            <a:off x="8023252" y="0"/>
-            <a:ext cx="1120748" cy="6858000"/>
-          </a:xfrm>
-          <a:prstGeom prst="rect">
-            <a:avLst/>
-          </a:prstGeom>
-          <a:solidFill>
-            <a:schemeClr val="accent4"/>
-          </a:solidFill>
-          <a:ln>
-            <a:noFill/>
-          </a:ln>
-        </p:spPr>
-        <p:style>
-          <a:lnRef idx="2">
-            <a:schemeClr val="accent1">
-              <a:shade val="50000"/>
-            </a:schemeClr>
-          </a:lnRef>
-          <a:fillRef idx="1">
-            <a:schemeClr val="accent1"/>
-          </a:fillRef>
-          <a:effectRef idx="0">
-            <a:schemeClr val="accent1"/>
-          </a:effectRef>
-          <a:fontRef idx="minor">
-            <a:schemeClr val="lt1"/>
-          </a:fontRef>
-        </p:style>
-        <p:txBody>
-          <a:bodyPr rtlCol="0" anchor="ctr"/>
-          <a:lstStyle/>
-          <a:p>
-            <a:pPr algn="ctr"/>
-            <a:endParaRPr lang="en-US"/>
-          </a:p>
-        </p:txBody>
-      </p:sp>
-      <p:sp>
-        <p:nvSpPr>
-          <p:cNvPr id="1043" name="Rectangle 1042">
-            <a:extLst>
-              <a:ext uri="{FF2B5EF4-FFF2-40B4-BE49-F238E27FC236}">
-                <a16:creationId xmlns:a16="http://schemas.microsoft.com/office/drawing/2014/main" id="{19C9EAEA-39D0-4B0E-A0EB-51E7B26740B1}"/>
-              </a:ext>
-              <a:ext uri="{C183D7F6-B498-43B3-948B-1728B52AA6E4}">
-                <adec:decorative xmlns:adec="http://schemas.microsoft.com/office/drawing/2017/decorative" val="1"/>
-              </a:ext>
-            </a:extLst>
-          </p:cNvPr>
-          <p:cNvSpPr>
-            <a:spLocks noGrp="1" noRot="1" noChangeAspect="1" noMove="1" noResize="1" noEditPoints="1" noAdjustHandles="1" noChangeArrowheads="1" noChangeShapeType="1" noTextEdit="1"/>
-          </p:cNvSpPr>
-          <p:nvPr>
-            <p:extLst>
-              <p:ext uri="{386F3935-93C4-4BCD-93E2-E3B085C9AB24}">
-                <p16:designElem xmlns:p16="http://schemas.microsoft.com/office/powerpoint/2015/main" val="1"/>
-              </p:ext>
-            </p:extLst>
-          </p:nvPr>
-        </p:nvSpPr>
-        <p:spPr>
-          <a:xfrm>
-            <a:off x="4264357" y="513853"/>
-            <a:ext cx="4507025" cy="5834577"/>
-          </a:xfrm>
-          <a:prstGeom prst="rect">
-            <a:avLst/>
-          </a:prstGeom>
-          <a:solidFill>
-            <a:schemeClr val="bg1"/>
-          </a:solidFill>
-          <a:ln>
-            <a:noFill/>
-          </a:ln>
-          <a:effectLst>
-            <a:outerShdw blurRad="139700" dist="127000" dir="5400000" algn="t" rotWithShape="0">
-              <a:prstClr val="black">
-                <a:alpha val="15000"/>
-              </a:prstClr>
-            </a:outerShdw>
-          </a:effectLst>
-        </p:spPr>
-        <p:style>
-          <a:lnRef idx="2">
-            <a:schemeClr val="accent1">
-              <a:shade val="50000"/>
-            </a:schemeClr>
-          </a:lnRef>
-          <a:fillRef idx="1">
-            <a:schemeClr val="accent1"/>
-          </a:fillRef>
-          <a:effectRef idx="0">
-            <a:schemeClr val="accent1"/>
-          </a:effectRef>
-          <a:fontRef idx="minor">
-            <a:schemeClr val="lt1"/>
-          </a:fontRef>
-        </p:style>
-        <p:txBody>
-          <a:bodyPr rtlCol="0" anchor="ctr"/>
-          <a:lstStyle/>
-          <a:p>
-            <a:pPr algn="ctr"/>
-            <a:endParaRPr lang="en-US"/>
+          <a:p>
+            <a:r>
+              <a:rPr lang="en-DE" sz="2000" dirty="0">
+                <a:latin typeface="Arial" panose="020B0604020202020204" pitchFamily="34" charset="0"/>
+                <a:cs typeface="Arial" panose="020B0604020202020204" pitchFamily="34" charset="0"/>
+              </a:rPr>
+              <a:t>Looks for:</a:t>
+            </a:r>
+          </a:p>
+          <a:p>
+            <a:pPr lvl="1"/>
+            <a:r>
+              <a:rPr lang="en-DE" sz="2000" dirty="0">
+                <a:latin typeface="Arial" panose="020B0604020202020204" pitchFamily="34" charset="0"/>
+                <a:cs typeface="Arial" panose="020B0604020202020204" pitchFamily="34" charset="0"/>
+              </a:rPr>
+              <a:t>High profits</a:t>
+            </a:r>
+          </a:p>
+          <a:p>
+            <a:pPr lvl="1"/>
+            <a:r>
+              <a:rPr lang="en-DE" sz="2000" dirty="0">
+                <a:latin typeface="Arial" panose="020B0604020202020204" pitchFamily="34" charset="0"/>
+                <a:cs typeface="Arial" panose="020B0604020202020204" pitchFamily="34" charset="0"/>
+              </a:rPr>
+              <a:t>Should a historical house be renovated?</a:t>
+            </a:r>
+          </a:p>
+          <a:p>
+            <a:pPr lvl="1"/>
+            <a:r>
+              <a:rPr lang="en-DE" sz="2000" dirty="0">
+                <a:latin typeface="Arial" panose="020B0604020202020204" pitchFamily="34" charset="0"/>
+                <a:cs typeface="Arial" panose="020B0604020202020204" pitchFamily="34" charset="0"/>
+              </a:rPr>
+              <a:t>Best </a:t>
+            </a:r>
+            <a:r>
+              <a:rPr lang="en-GB" sz="2000" dirty="0">
+                <a:latin typeface="Arial" panose="020B0604020202020204" pitchFamily="34" charset="0"/>
+                <a:cs typeface="Arial" panose="020B0604020202020204" pitchFamily="34" charset="0"/>
+              </a:rPr>
+              <a:t>neighbourhood </a:t>
+            </a:r>
+            <a:r>
+              <a:rPr lang="en-DE" sz="2000" dirty="0">
+                <a:latin typeface="Arial" panose="020B0604020202020204" pitchFamily="34" charset="0"/>
+                <a:cs typeface="Arial" panose="020B0604020202020204" pitchFamily="34" charset="0"/>
+              </a:rPr>
+              <a:t>to buy a historical house?</a:t>
+            </a:r>
+          </a:p>
+          <a:p>
+            <a:pPr lvl="1"/>
+            <a:r>
+              <a:rPr lang="en-DE" sz="2000" dirty="0">
+                <a:latin typeface="Arial" panose="020B0604020202020204" pitchFamily="34" charset="0"/>
+                <a:cs typeface="Arial" panose="020B0604020202020204" pitchFamily="34" charset="0"/>
+              </a:rPr>
+              <a:t>Best time to buy a historical house?</a:t>
+            </a:r>
           </a:p>
         </p:txBody>
       </p:sp>
       <p:pic>
         <p:nvPicPr>
-          <p:cNvPr id="1028" name="Picture 4" descr="AI Generated Modern Photorealistic Portrait of Friedrich Nietzsche 32431819  Stock Photo at Vecteezy">
-            <a:extLst>
-              <a:ext uri="{FF2B5EF4-FFF2-40B4-BE49-F238E27FC236}">
-                <a16:creationId xmlns:a16="http://schemas.microsoft.com/office/drawing/2014/main" id="{64B5AED3-D7CE-9EDA-AA6D-DDC6E7DC5EA2}"/>
+          <p:cNvPr id="1026" name="Picture 2" descr="Premium AI Image | The Serious Businessman Generative Ai">
+            <a:extLst>
+              <a:ext uri="{FF2B5EF4-FFF2-40B4-BE49-F238E27FC236}">
+                <a16:creationId xmlns:a16="http://schemas.microsoft.com/office/drawing/2014/main" id="{106D8979-40F6-4717-1ABE-A706728F02D6}"/>
               </a:ext>
             </a:extLst>
           </p:cNvPr>
@@ -4005,18 +6075,25 @@
               </a:ext>
             </a:extLst>
           </a:blip>
-          <a:srcRect l="4941" r="17689" b="-2"/>
+          <a:srcRect l="19129" r="22627" b="-1"/>
           <a:stretch/>
         </p:blipFill>
         <p:spPr bwMode="auto">
           <a:xfrm>
-            <a:off x="4483341" y="799352"/>
-            <a:ext cx="4069057" cy="5259296"/>
+            <a:off x="5143347" y="-10886"/>
+            <a:ext cx="4000653" cy="6868886"/>
           </a:xfrm>
           <a:prstGeom prst="rect">
             <a:avLst/>
           </a:prstGeom>
           <a:noFill/>
+          <a:effectLst>
+            <a:outerShdw blurRad="127000" dist="50800" dir="10800000" sx="99000" sy="99000" algn="r" rotWithShape="0">
+              <a:prstClr val="black">
+                <a:alpha val="40000"/>
+              </a:prstClr>
+            </a:outerShdw>
+          </a:effectLst>
           <a:extLst>
             <a:ext uri="{909E8E84-426E-40DD-AFC4-6F175D3DCCD1}">
               <a14:hiddenFill xmlns:a14="http://schemas.microsoft.com/office/drawing/2010/main">
@@ -4031,7 +6108,7 @@
     </p:spTree>
     <p:extLst>
       <p:ext uri="{BB962C8B-B14F-4D97-AF65-F5344CB8AC3E}">
-        <p14:creationId xmlns:p14="http://schemas.microsoft.com/office/powerpoint/2010/main" val="4154456447"/>
+        <p14:creationId xmlns:p14="http://schemas.microsoft.com/office/powerpoint/2010/main" val="226792298"/>
       </p:ext>
     </p:extLst>
   </p:cSld>
@@ -4074,6 +6151,196 @@
             <p:ph type="title"/>
           </p:nvPr>
         </p:nvSpPr>
+        <p:spPr/>
+        <p:txBody>
+          <a:bodyPr>
+            <a:normAutofit/>
+          </a:bodyPr>
+          <a:lstStyle/>
+          <a:p>
+            <a:r>
+              <a:rPr lang="en-DE" sz="3000" dirty="0">
+                <a:latin typeface="Arial" panose="020B0604020202020204" pitchFamily="34" charset="0"/>
+                <a:cs typeface="Arial" panose="020B0604020202020204" pitchFamily="34" charset="0"/>
+              </a:rPr>
+              <a:t>Assumtions</a:t>
+            </a:r>
+          </a:p>
+        </p:txBody>
+      </p:sp>
+      <p:sp>
+        <p:nvSpPr>
+          <p:cNvPr id="3" name="Content Placeholder 2">
+            <a:extLst>
+              <a:ext uri="{FF2B5EF4-FFF2-40B4-BE49-F238E27FC236}">
+                <a16:creationId xmlns:a16="http://schemas.microsoft.com/office/drawing/2014/main" id="{F2A4C3B3-EA78-315B-E64C-8874C7F5B2FB}"/>
+              </a:ext>
+            </a:extLst>
+          </p:cNvPr>
+          <p:cNvSpPr>
+            <a:spLocks noGrp="1"/>
+          </p:cNvSpPr>
+          <p:nvPr>
+            <p:ph idx="1"/>
+          </p:nvPr>
+        </p:nvSpPr>
+        <p:spPr/>
+        <p:txBody>
+          <a:bodyPr>
+            <a:normAutofit lnSpcReduction="10000"/>
+          </a:bodyPr>
+          <a:lstStyle/>
+          <a:p>
+            <a:r>
+              <a:rPr lang="en-GB" sz="2000" dirty="0">
+                <a:latin typeface="Arial" panose="020B0604020202020204" pitchFamily="34" charset="0"/>
+                <a:cs typeface="Arial" panose="020B0604020202020204" pitchFamily="34" charset="0"/>
+              </a:rPr>
+              <a:t>We assume a high profit to be related to a high price of historical houses (1900-1950)</a:t>
+            </a:r>
+          </a:p>
+          <a:p>
+            <a:endParaRPr lang="en-GB" sz="2000" dirty="0">
+              <a:latin typeface="Arial" panose="020B0604020202020204" pitchFamily="34" charset="0"/>
+              <a:cs typeface="Arial" panose="020B0604020202020204" pitchFamily="34" charset="0"/>
+            </a:endParaRPr>
+          </a:p>
+          <a:p>
+            <a:r>
+              <a:rPr lang="en-GB" sz="2000" dirty="0">
+                <a:latin typeface="Arial" panose="020B0604020202020204" pitchFamily="34" charset="0"/>
+                <a:cs typeface="Arial" panose="020B0604020202020204" pitchFamily="34" charset="0"/>
+              </a:rPr>
+              <a:t>Are there factors that influence price? If so, which factors could influence price and therefore profit?</a:t>
+            </a:r>
+          </a:p>
+          <a:p>
+            <a:r>
+              <a:rPr lang="en-GB" sz="2000" dirty="0">
+                <a:latin typeface="Arial" panose="020B0604020202020204" pitchFamily="34" charset="0"/>
+                <a:cs typeface="Arial" panose="020B0604020202020204" pitchFamily="34" charset="0"/>
+              </a:rPr>
+              <a:t>Factors: </a:t>
+            </a:r>
+          </a:p>
+          <a:p>
+            <a:pPr lvl="1"/>
+            <a:r>
+              <a:rPr lang="en-GB" sz="2000" dirty="0">
+                <a:latin typeface="Arial" panose="020B0604020202020204" pitchFamily="34" charset="0"/>
+                <a:cs typeface="Arial" panose="020B0604020202020204" pitchFamily="34" charset="0"/>
+              </a:rPr>
+              <a:t>Condition of a house</a:t>
+            </a:r>
+          </a:p>
+          <a:p>
+            <a:pPr lvl="1"/>
+            <a:r>
+              <a:rPr lang="en-GB" sz="2000" dirty="0">
+                <a:latin typeface="Arial" panose="020B0604020202020204" pitchFamily="34" charset="0"/>
+                <a:cs typeface="Arial" panose="020B0604020202020204" pitchFamily="34" charset="0"/>
+              </a:rPr>
+              <a:t>Grade of a house</a:t>
+            </a:r>
+          </a:p>
+          <a:p>
+            <a:pPr lvl="1"/>
+            <a:r>
+              <a:rPr lang="en-GB" sz="2000" dirty="0">
+                <a:latin typeface="Arial" panose="020B0604020202020204" pitchFamily="34" charset="0"/>
+                <a:cs typeface="Arial" panose="020B0604020202020204" pitchFamily="34" charset="0"/>
+              </a:rPr>
+              <a:t>Era a house was build </a:t>
+            </a:r>
+          </a:p>
+          <a:p>
+            <a:pPr lvl="1"/>
+            <a:r>
+              <a:rPr lang="en-GB" sz="2000" dirty="0">
+                <a:latin typeface="Arial" panose="020B0604020202020204" pitchFamily="34" charset="0"/>
+                <a:cs typeface="Arial" panose="020B0604020202020204" pitchFamily="34" charset="0"/>
+              </a:rPr>
+              <a:t>Renovation</a:t>
+            </a:r>
+          </a:p>
+          <a:p>
+            <a:endParaRPr lang="en-GB" sz="2000" dirty="0">
+              <a:latin typeface="Arial" panose="020B0604020202020204" pitchFamily="34" charset="0"/>
+              <a:cs typeface="Arial" panose="020B0604020202020204" pitchFamily="34" charset="0"/>
+            </a:endParaRPr>
+          </a:p>
+          <a:p>
+            <a:r>
+              <a:rPr lang="en-GB" sz="2000" dirty="0">
+                <a:latin typeface="Arial" panose="020B0604020202020204" pitchFamily="34" charset="0"/>
+                <a:cs typeface="Arial" panose="020B0604020202020204" pitchFamily="34" charset="0"/>
+              </a:rPr>
+              <a:t>Is there a best neighbourhood to buy a historical house?</a:t>
+            </a:r>
+          </a:p>
+          <a:p>
+            <a:r>
+              <a:rPr lang="en-GB" sz="2000" dirty="0">
+                <a:latin typeface="Arial" panose="020B0604020202020204" pitchFamily="34" charset="0"/>
+                <a:cs typeface="Arial" panose="020B0604020202020204" pitchFamily="34" charset="0"/>
+              </a:rPr>
+              <a:t>Is there a best time to buy a historical house?</a:t>
+            </a:r>
+          </a:p>
+          <a:p>
+            <a:endParaRPr lang="en-DE" sz="2000" dirty="0">
+              <a:latin typeface="Arial" panose="020B0604020202020204" pitchFamily="34" charset="0"/>
+              <a:cs typeface="Arial" panose="020B0604020202020204" pitchFamily="34" charset="0"/>
+            </a:endParaRPr>
+          </a:p>
+        </p:txBody>
+      </p:sp>
+    </p:spTree>
+    <p:extLst>
+      <p:ext uri="{BB962C8B-B14F-4D97-AF65-F5344CB8AC3E}">
+        <p14:creationId xmlns:p14="http://schemas.microsoft.com/office/powerpoint/2010/main" val="1200777532"/>
+      </p:ext>
+    </p:extLst>
+  </p:cSld>
+  <p:clrMapOvr>
+    <a:masterClrMapping/>
+  </p:clrMapOvr>
+</p:sld>
+</file>
+
+<file path=ppt/slides/slide4.xml><?xml version="1.0" encoding="utf-8"?>
+<p:sld xmlns:a="http://schemas.openxmlformats.org/drawingml/2006/main" xmlns:r="http://schemas.openxmlformats.org/officeDocument/2006/relationships" xmlns:p="http://schemas.openxmlformats.org/presentationml/2006/main">
+  <p:cSld>
+    <p:spTree>
+      <p:nvGrpSpPr>
+        <p:cNvPr id="1" name=""/>
+        <p:cNvGrpSpPr/>
+        <p:nvPr/>
+      </p:nvGrpSpPr>
+      <p:grpSpPr>
+        <a:xfrm>
+          <a:off x="0" y="0"/>
+          <a:ext cx="0" cy="0"/>
+          <a:chOff x="0" y="0"/>
+          <a:chExt cx="0" cy="0"/>
+        </a:xfrm>
+      </p:grpSpPr>
+      <p:sp>
+        <p:nvSpPr>
+          <p:cNvPr id="2" name="Title 1">
+            <a:extLst>
+              <a:ext uri="{FF2B5EF4-FFF2-40B4-BE49-F238E27FC236}">
+                <a16:creationId xmlns:a16="http://schemas.microsoft.com/office/drawing/2014/main" id="{62ADB444-EF80-E65F-1529-BDB6876C4980}"/>
+              </a:ext>
+            </a:extLst>
+          </p:cNvPr>
+          <p:cNvSpPr>
+            <a:spLocks noGrp="1"/>
+          </p:cNvSpPr>
+          <p:nvPr>
+            <p:ph type="title"/>
+          </p:nvPr>
+        </p:nvSpPr>
         <p:spPr>
           <a:xfrm>
             <a:off x="609599" y="609600"/>
@@ -4091,7 +6358,7 @@
                 <a:latin typeface="Arial" panose="020B0604020202020204" pitchFamily="34" charset="0"/>
                 <a:cs typeface="Arial" panose="020B0604020202020204" pitchFamily="34" charset="0"/>
               </a:rPr>
-              <a:t>Which factors insfluence the price?</a:t>
+              <a:t>Which factors influence the price?</a:t>
             </a:r>
           </a:p>
         </p:txBody>
@@ -4325,18 +6592,12 @@
             <a:pPr algn="just"/>
             <a:r>
               <a:rPr lang="de-DE" sz="2000" dirty="0">
-                <a:solidFill>
-                  <a:schemeClr val="bg1"/>
-                </a:solidFill>
                 <a:latin typeface="Arial" panose="020B0604020202020204" pitchFamily="34" charset="0"/>
                 <a:cs typeface="Arial" panose="020B0604020202020204" pitchFamily="34" charset="0"/>
               </a:rPr>
               <a:t>Blank.</a:t>
             </a:r>
             <a:endParaRPr lang="en-DE" sz="2000" dirty="0">
-              <a:solidFill>
-                <a:schemeClr val="bg1"/>
-              </a:solidFill>
               <a:latin typeface="Arial" panose="020B0604020202020204" pitchFamily="34" charset="0"/>
               <a:cs typeface="Arial" panose="020B0604020202020204" pitchFamily="34" charset="0"/>
             </a:endParaRPr>
@@ -4353,10 +6614,133 @@
   <p:clrMapOvr>
     <a:masterClrMapping/>
   </p:clrMapOvr>
+  <p:timing>
+    <p:tnLst>
+      <p:par>
+        <p:cTn id="1" dur="indefinite" restart="never" nodeType="tmRoot">
+          <p:childTnLst>
+            <p:seq concurrent="1" nextAc="seek">
+              <p:cTn id="2" dur="indefinite" nodeType="mainSeq">
+                <p:childTnLst>
+                  <p:par>
+                    <p:cTn id="3" fill="hold">
+                      <p:stCondLst>
+                        <p:cond delay="indefinite"/>
+                      </p:stCondLst>
+                      <p:childTnLst>
+                        <p:par>
+                          <p:cTn id="4" fill="hold">
+                            <p:stCondLst>
+                              <p:cond delay="0"/>
+                            </p:stCondLst>
+                            <p:childTnLst>
+                              <p:par>
+                                <p:cTn id="5" presetID="1" presetClass="entr" presetSubtype="0" fill="hold" nodeType="clickEffect">
+                                  <p:stCondLst>
+                                    <p:cond delay="0"/>
+                                  </p:stCondLst>
+                                  <p:childTnLst>
+                                    <p:set>
+                                      <p:cBhvr>
+                                        <p:cTn id="6" dur="1" fill="hold">
+                                          <p:stCondLst>
+                                            <p:cond delay="0"/>
+                                          </p:stCondLst>
+                                        </p:cTn>
+                                        <p:tgtEl>
+                                          <p:spTgt spid="13"/>
+                                        </p:tgtEl>
+                                        <p:attrNameLst>
+                                          <p:attrName>style.visibility</p:attrName>
+                                        </p:attrNameLst>
+                                      </p:cBhvr>
+                                      <p:to>
+                                        <p:strVal val="visible"/>
+                                      </p:to>
+                                    </p:set>
+                                  </p:childTnLst>
+                                </p:cTn>
+                              </p:par>
+                            </p:childTnLst>
+                          </p:cTn>
+                        </p:par>
+                      </p:childTnLst>
+                    </p:cTn>
+                  </p:par>
+                  <p:par>
+                    <p:cTn id="7" fill="hold">
+                      <p:stCondLst>
+                        <p:cond delay="indefinite"/>
+                      </p:stCondLst>
+                      <p:childTnLst>
+                        <p:par>
+                          <p:cTn id="8" fill="hold">
+                            <p:stCondLst>
+                              <p:cond delay="0"/>
+                            </p:stCondLst>
+                            <p:childTnLst>
+                              <p:par>
+                                <p:cTn id="9" presetID="1" presetClass="entr" presetSubtype="0" fill="hold" grpId="0" nodeType="clickEffect">
+                                  <p:stCondLst>
+                                    <p:cond delay="0"/>
+                                  </p:stCondLst>
+                                  <p:childTnLst>
+                                    <p:set>
+                                      <p:cBhvr>
+                                        <p:cTn id="10" dur="1" fill="hold">
+                                          <p:stCondLst>
+                                            <p:cond delay="0"/>
+                                          </p:stCondLst>
+                                        </p:cTn>
+                                        <p:tgtEl>
+                                          <p:spTgt spid="3"/>
+                                        </p:tgtEl>
+                                        <p:attrNameLst>
+                                          <p:attrName>style.visibility</p:attrName>
+                                        </p:attrNameLst>
+                                      </p:cBhvr>
+                                      <p:to>
+                                        <p:strVal val="visible"/>
+                                      </p:to>
+                                    </p:set>
+                                  </p:childTnLst>
+                                </p:cTn>
+                              </p:par>
+                            </p:childTnLst>
+                          </p:cTn>
+                        </p:par>
+                      </p:childTnLst>
+                    </p:cTn>
+                  </p:par>
+                </p:childTnLst>
+              </p:cTn>
+              <p:prevCondLst>
+                <p:cond evt="onPrev" delay="0">
+                  <p:tgtEl>
+                    <p:sldTgt/>
+                  </p:tgtEl>
+                </p:cond>
+              </p:prevCondLst>
+              <p:nextCondLst>
+                <p:cond evt="onNext" delay="0">
+                  <p:tgtEl>
+                    <p:sldTgt/>
+                  </p:tgtEl>
+                </p:cond>
+              </p:nextCondLst>
+            </p:seq>
+          </p:childTnLst>
+        </p:cTn>
+      </p:par>
+    </p:tnLst>
+    <p:bldLst>
+      <p:bldP spid="3" grpId="0" animBg="1"/>
+    </p:bldLst>
+  </p:timing>
 </p:sld>
 </file>
 
-<file path=ppt/slides/slide4.xml><?xml version="1.0" encoding="utf-8"?>
+<file path=ppt/slides/slide5.xml><?xml version="1.0" encoding="utf-8"?>
 <p:sld xmlns:a="http://schemas.openxmlformats.org/drawingml/2006/main" xmlns:r="http://schemas.openxmlformats.org/officeDocument/2006/relationships" xmlns:p="http://schemas.openxmlformats.org/presentationml/2006/main">
   <p:cSld>
     <p:spTree>
@@ -4406,7 +6790,7 @@
                 <a:latin typeface="Arial" panose="020B0604020202020204" pitchFamily="34" charset="0"/>
                 <a:cs typeface="Arial" panose="020B0604020202020204" pitchFamily="34" charset="0"/>
               </a:rPr>
-              <a:t>Which factors insfluence the price?</a:t>
+              <a:t>Which factors influence the price?</a:t>
             </a:r>
           </a:p>
         </p:txBody>
@@ -4640,18 +7024,12 @@
             <a:pPr algn="just"/>
             <a:r>
               <a:rPr lang="de-DE" sz="2000" dirty="0">
-                <a:solidFill>
-                  <a:schemeClr val="bg1"/>
-                </a:solidFill>
                 <a:latin typeface="Arial" panose="020B0604020202020204" pitchFamily="34" charset="0"/>
                 <a:cs typeface="Arial" panose="020B0604020202020204" pitchFamily="34" charset="0"/>
               </a:rPr>
               <a:t>Blank.</a:t>
             </a:r>
             <a:endParaRPr lang="en-DE" sz="2000" dirty="0">
-              <a:solidFill>
-                <a:schemeClr val="bg1"/>
-              </a:solidFill>
               <a:latin typeface="Arial" panose="020B0604020202020204" pitchFamily="34" charset="0"/>
               <a:cs typeface="Arial" panose="020B0604020202020204" pitchFamily="34" charset="0"/>
             </a:endParaRPr>
@@ -4668,654 +7046,129 @@
   <p:clrMapOvr>
     <a:masterClrMapping/>
   </p:clrMapOvr>
-</p:sld>
-</file>
-
-<file path=ppt/slides/slide5.xml><?xml version="1.0" encoding="utf-8"?>
-<p:sld xmlns:a="http://schemas.openxmlformats.org/drawingml/2006/main" xmlns:r="http://schemas.openxmlformats.org/officeDocument/2006/relationships" xmlns:p="http://schemas.openxmlformats.org/presentationml/2006/main">
-  <p:cSld>
-    <p:spTree>
-      <p:nvGrpSpPr>
-        <p:cNvPr id="1" name=""/>
-        <p:cNvGrpSpPr/>
-        <p:nvPr/>
-      </p:nvGrpSpPr>
-      <p:grpSpPr>
-        <a:xfrm>
-          <a:off x="0" y="0"/>
-          <a:ext cx="0" cy="0"/>
-          <a:chOff x="0" y="0"/>
-          <a:chExt cx="0" cy="0"/>
-        </a:xfrm>
-      </p:grpSpPr>
-      <p:sp>
-        <p:nvSpPr>
-          <p:cNvPr id="2" name="Title 1">
-            <a:extLst>
-              <a:ext uri="{FF2B5EF4-FFF2-40B4-BE49-F238E27FC236}">
-                <a16:creationId xmlns:a16="http://schemas.microsoft.com/office/drawing/2014/main" id="{62ADB444-EF80-E65F-1529-BDB6876C4980}"/>
-              </a:ext>
-            </a:extLst>
-          </p:cNvPr>
-          <p:cNvSpPr>
-            <a:spLocks noGrp="1"/>
-          </p:cNvSpPr>
-          <p:nvPr>
-            <p:ph type="title"/>
-          </p:nvPr>
-        </p:nvSpPr>
-        <p:spPr>
-          <a:xfrm>
-            <a:off x="609599" y="609600"/>
-            <a:ext cx="6347713" cy="735724"/>
-          </a:xfrm>
-        </p:spPr>
-        <p:txBody>
-          <a:bodyPr>
-            <a:normAutofit/>
-          </a:bodyPr>
-          <a:lstStyle/>
-          <a:p>
-            <a:r>
-              <a:rPr lang="en-DE" sz="3000" dirty="0">
-                <a:latin typeface="Arial" panose="020B0604020202020204" pitchFamily="34" charset="0"/>
-                <a:cs typeface="Arial" panose="020B0604020202020204" pitchFamily="34" charset="0"/>
-              </a:rPr>
-              <a:t>Which factor insfluence the price?</a:t>
-            </a:r>
-          </a:p>
-        </p:txBody>
-      </p:sp>
-      <p:pic>
-        <p:nvPicPr>
-          <p:cNvPr id="4" name="Picture 3" descr="A graph of a house price&#10;&#10;Description automatically generated">
-            <a:extLst>
-              <a:ext uri="{FF2B5EF4-FFF2-40B4-BE49-F238E27FC236}">
-                <a16:creationId xmlns:a16="http://schemas.microsoft.com/office/drawing/2014/main" id="{F2A37A1B-61E2-9D6B-F30D-04ED9BD1F22C}"/>
-              </a:ext>
-            </a:extLst>
-          </p:cNvPr>
-          <p:cNvPicPr>
-            <a:picLocks noChangeAspect="1"/>
-          </p:cNvPicPr>
-          <p:nvPr/>
-        </p:nvPicPr>
-        <p:blipFill>
-          <a:blip r:embed="rId2"/>
-          <a:stretch>
-            <a:fillRect/>
-          </a:stretch>
-        </p:blipFill>
-        <p:spPr>
-          <a:xfrm>
-            <a:off x="980857" y="1268347"/>
-            <a:ext cx="2880000" cy="2160000"/>
-          </a:xfrm>
-          <a:prstGeom prst="rect">
-            <a:avLst/>
-          </a:prstGeom>
-        </p:spPr>
-      </p:pic>
-      <p:pic>
-        <p:nvPicPr>
-          <p:cNvPr id="5" name="Picture 4" descr="A graph of a house price&#10;&#10;Description automatically generated">
-            <a:extLst>
-              <a:ext uri="{FF2B5EF4-FFF2-40B4-BE49-F238E27FC236}">
-                <a16:creationId xmlns:a16="http://schemas.microsoft.com/office/drawing/2014/main" id="{C7D2A08D-6C43-9F10-0174-F9689E69C6AF}"/>
-              </a:ext>
-            </a:extLst>
-          </p:cNvPr>
-          <p:cNvPicPr>
-            <a:picLocks noChangeAspect="1"/>
-          </p:cNvPicPr>
-          <p:nvPr/>
-        </p:nvPicPr>
-        <p:blipFill>
-          <a:blip r:embed="rId3"/>
-          <a:stretch>
-            <a:fillRect/>
-          </a:stretch>
-        </p:blipFill>
-        <p:spPr>
-          <a:xfrm>
-            <a:off x="5527743" y="1269190"/>
-            <a:ext cx="2880000" cy="2160000"/>
-          </a:xfrm>
-          <a:prstGeom prst="rect">
-            <a:avLst/>
-          </a:prstGeom>
-        </p:spPr>
-      </p:pic>
-      <p:pic>
-        <p:nvPicPr>
-          <p:cNvPr id="6" name="Picture 5" descr="A graph of green and blue squares&#10;&#10;Description automatically generated">
-            <a:extLst>
-              <a:ext uri="{FF2B5EF4-FFF2-40B4-BE49-F238E27FC236}">
-                <a16:creationId xmlns:a16="http://schemas.microsoft.com/office/drawing/2014/main" id="{4149B8DA-8F20-BE21-5A66-453266D5EACF}"/>
-              </a:ext>
-            </a:extLst>
-          </p:cNvPr>
-          <p:cNvPicPr>
-            <a:picLocks noChangeAspect="1"/>
-          </p:cNvPicPr>
-          <p:nvPr/>
-        </p:nvPicPr>
-        <p:blipFill>
-          <a:blip r:embed="rId4"/>
-          <a:stretch>
-            <a:fillRect/>
-          </a:stretch>
-        </p:blipFill>
-        <p:spPr>
-          <a:xfrm>
-            <a:off x="969341" y="3429268"/>
-            <a:ext cx="2880000" cy="2160000"/>
-          </a:xfrm>
-          <a:prstGeom prst="rect">
-            <a:avLst/>
-          </a:prstGeom>
-        </p:spPr>
-      </p:pic>
-      <p:pic>
-        <p:nvPicPr>
-          <p:cNvPr id="7" name="Picture 6" descr="A graph showing a house price&#10;&#10;Description automatically generated">
-            <a:extLst>
-              <a:ext uri="{FF2B5EF4-FFF2-40B4-BE49-F238E27FC236}">
-                <a16:creationId xmlns:a16="http://schemas.microsoft.com/office/drawing/2014/main" id="{33DE94A8-105F-0165-57BC-C39AE1899218}"/>
-              </a:ext>
-            </a:extLst>
-          </p:cNvPr>
-          <p:cNvPicPr>
-            <a:picLocks noChangeAspect="1"/>
-          </p:cNvPicPr>
-          <p:nvPr/>
-        </p:nvPicPr>
-        <p:blipFill>
-          <a:blip r:embed="rId5"/>
-          <a:stretch>
-            <a:fillRect/>
-          </a:stretch>
-        </p:blipFill>
-        <p:spPr>
-          <a:xfrm>
-            <a:off x="5527742" y="3430953"/>
-            <a:ext cx="2880000" cy="2160000"/>
-          </a:xfrm>
-          <a:prstGeom prst="rect">
-            <a:avLst/>
-          </a:prstGeom>
-        </p:spPr>
-      </p:pic>
-      <p:sp>
-        <p:nvSpPr>
-          <p:cNvPr id="8" name="TextBox 7">
-            <a:extLst>
-              <a:ext uri="{FF2B5EF4-FFF2-40B4-BE49-F238E27FC236}">
-                <a16:creationId xmlns:a16="http://schemas.microsoft.com/office/drawing/2014/main" id="{2DBCD560-8839-5C5A-4F07-17459765880A}"/>
-              </a:ext>
-            </a:extLst>
-          </p:cNvPr>
-          <p:cNvSpPr txBox="1"/>
-          <p:nvPr/>
-        </p:nvSpPr>
-        <p:spPr>
-          <a:xfrm rot="16200000">
-            <a:off x="-455611" y="2187271"/>
-            <a:ext cx="1800000" cy="400110"/>
-          </a:xfrm>
-          <a:prstGeom prst="rect">
-            <a:avLst/>
-          </a:prstGeom>
-          <a:solidFill>
-            <a:schemeClr val="bg1">
-              <a:lumMod val="85000"/>
-            </a:schemeClr>
-          </a:solidFill>
-        </p:spPr>
-        <p:txBody>
-          <a:bodyPr wrap="square" rtlCol="0">
-            <a:spAutoFit/>
-          </a:bodyPr>
-          <a:lstStyle/>
-          <a:p>
-            <a:pPr algn="ctr"/>
-            <a:r>
-              <a:rPr lang="en-DE" sz="2000" dirty="0">
-                <a:solidFill>
-                  <a:schemeClr val="bg1"/>
-                </a:solidFill>
-                <a:latin typeface="Arial" panose="020B0604020202020204" pitchFamily="34" charset="0"/>
-                <a:cs typeface="Arial" panose="020B0604020202020204" pitchFamily="34" charset="0"/>
-              </a:rPr>
-              <a:t>Condition</a:t>
-            </a:r>
-          </a:p>
-        </p:txBody>
-      </p:sp>
-      <p:sp>
-        <p:nvSpPr>
-          <p:cNvPr id="9" name="TextBox 8">
-            <a:extLst>
-              <a:ext uri="{FF2B5EF4-FFF2-40B4-BE49-F238E27FC236}">
-                <a16:creationId xmlns:a16="http://schemas.microsoft.com/office/drawing/2014/main" id="{478C7E8F-D288-3218-973A-0D060725953F}"/>
-              </a:ext>
-            </a:extLst>
-          </p:cNvPr>
-          <p:cNvSpPr txBox="1"/>
-          <p:nvPr/>
-        </p:nvSpPr>
-        <p:spPr>
-          <a:xfrm rot="16200000">
-            <a:off x="-458855" y="4354709"/>
-            <a:ext cx="1800000" cy="400110"/>
-          </a:xfrm>
-          <a:prstGeom prst="rect">
-            <a:avLst/>
-          </a:prstGeom>
-          <a:solidFill>
-            <a:schemeClr val="bg1">
-              <a:lumMod val="85000"/>
-            </a:schemeClr>
-          </a:solidFill>
-        </p:spPr>
-        <p:txBody>
-          <a:bodyPr wrap="square" rtlCol="0">
-            <a:spAutoFit/>
-          </a:bodyPr>
-          <a:lstStyle/>
-          <a:p>
-            <a:pPr algn="ctr"/>
-            <a:r>
-              <a:rPr lang="en-DE" sz="2000" dirty="0">
-                <a:solidFill>
-                  <a:schemeClr val="bg1"/>
-                </a:solidFill>
-                <a:latin typeface="Arial" panose="020B0604020202020204" pitchFamily="34" charset="0"/>
-                <a:cs typeface="Arial" panose="020B0604020202020204" pitchFamily="34" charset="0"/>
-              </a:rPr>
-              <a:t>Era</a:t>
-            </a:r>
-          </a:p>
-        </p:txBody>
-      </p:sp>
-      <p:sp>
-        <p:nvSpPr>
-          <p:cNvPr id="10" name="TextBox 9">
-            <a:extLst>
-              <a:ext uri="{FF2B5EF4-FFF2-40B4-BE49-F238E27FC236}">
-                <a16:creationId xmlns:a16="http://schemas.microsoft.com/office/drawing/2014/main" id="{03B139FC-CA92-FCAD-3F44-F34BD8A6F8D2}"/>
-              </a:ext>
-            </a:extLst>
-          </p:cNvPr>
-          <p:cNvSpPr txBox="1"/>
-          <p:nvPr/>
-        </p:nvSpPr>
-        <p:spPr>
-          <a:xfrm rot="16200000">
-            <a:off x="4214831" y="2181300"/>
-            <a:ext cx="1800000" cy="400110"/>
-          </a:xfrm>
-          <a:prstGeom prst="rect">
-            <a:avLst/>
-          </a:prstGeom>
-          <a:solidFill>
-            <a:schemeClr val="bg1">
-              <a:lumMod val="85000"/>
-            </a:schemeClr>
-          </a:solidFill>
-        </p:spPr>
-        <p:txBody>
-          <a:bodyPr wrap="square" rtlCol="0">
-            <a:spAutoFit/>
-          </a:bodyPr>
-          <a:lstStyle/>
-          <a:p>
-            <a:pPr algn="ctr"/>
-            <a:r>
-              <a:rPr lang="en-DE" sz="2000" dirty="0">
-                <a:solidFill>
-                  <a:schemeClr val="bg1"/>
-                </a:solidFill>
-                <a:latin typeface="Arial" panose="020B0604020202020204" pitchFamily="34" charset="0"/>
-                <a:cs typeface="Arial" panose="020B0604020202020204" pitchFamily="34" charset="0"/>
-              </a:rPr>
-              <a:t>Grade</a:t>
-            </a:r>
-          </a:p>
-        </p:txBody>
-      </p:sp>
-      <p:sp>
-        <p:nvSpPr>
-          <p:cNvPr id="11" name="TextBox 10">
-            <a:extLst>
-              <a:ext uri="{FF2B5EF4-FFF2-40B4-BE49-F238E27FC236}">
-                <a16:creationId xmlns:a16="http://schemas.microsoft.com/office/drawing/2014/main" id="{4C7DD993-8CC0-AA8F-DB3D-18EB8BC24FD8}"/>
-              </a:ext>
-            </a:extLst>
-          </p:cNvPr>
-          <p:cNvSpPr txBox="1"/>
-          <p:nvPr/>
-        </p:nvSpPr>
-        <p:spPr>
-          <a:xfrm rot="16200000">
-            <a:off x="4212754" y="4349884"/>
-            <a:ext cx="1800000" cy="400110"/>
-          </a:xfrm>
-          <a:prstGeom prst="rect">
-            <a:avLst/>
-          </a:prstGeom>
-          <a:solidFill>
-            <a:schemeClr val="bg1">
-              <a:lumMod val="85000"/>
-            </a:schemeClr>
-          </a:solidFill>
-        </p:spPr>
-        <p:txBody>
-          <a:bodyPr wrap="square" rtlCol="0">
-            <a:spAutoFit/>
-          </a:bodyPr>
-          <a:lstStyle/>
-          <a:p>
-            <a:pPr algn="ctr"/>
-            <a:r>
-              <a:rPr lang="en-DE" sz="2000" dirty="0">
-                <a:solidFill>
-                  <a:schemeClr val="bg1"/>
-                </a:solidFill>
-                <a:latin typeface="Arial" panose="020B0604020202020204" pitchFamily="34" charset="0"/>
-                <a:cs typeface="Arial" panose="020B0604020202020204" pitchFamily="34" charset="0"/>
-              </a:rPr>
-              <a:t>Renovation</a:t>
-            </a:r>
-          </a:p>
-        </p:txBody>
-      </p:sp>
-      <p:sp>
-        <p:nvSpPr>
-          <p:cNvPr id="12" name="TextBox 11">
-            <a:extLst>
-              <a:ext uri="{FF2B5EF4-FFF2-40B4-BE49-F238E27FC236}">
-                <a16:creationId xmlns:a16="http://schemas.microsoft.com/office/drawing/2014/main" id="{75245591-0C2B-94DA-1D4E-6DAFDBA7AB63}"/>
-              </a:ext>
-            </a:extLst>
-          </p:cNvPr>
-          <p:cNvSpPr txBox="1"/>
-          <p:nvPr/>
-        </p:nvSpPr>
-        <p:spPr>
-          <a:xfrm>
-            <a:off x="972000" y="5667207"/>
-            <a:ext cx="7199234" cy="707886"/>
-          </a:xfrm>
-          <a:prstGeom prst="rect">
-            <a:avLst/>
-          </a:prstGeom>
-          <a:solidFill>
-            <a:schemeClr val="bg1">
-              <a:lumMod val="85000"/>
-            </a:schemeClr>
-          </a:solidFill>
-        </p:spPr>
-        <p:txBody>
-          <a:bodyPr wrap="square" rtlCol="0">
-            <a:spAutoFit/>
-          </a:bodyPr>
-          <a:lstStyle/>
-          <a:p>
-            <a:pPr algn="just"/>
-            <a:r>
-              <a:rPr lang="de-DE" sz="2000" dirty="0" err="1">
-                <a:solidFill>
-                  <a:schemeClr val="bg1"/>
-                </a:solidFill>
-                <a:latin typeface="Arial" panose="020B0604020202020204" pitchFamily="34" charset="0"/>
-                <a:cs typeface="Arial" panose="020B0604020202020204" pitchFamily="34" charset="0"/>
-              </a:rPr>
-              <a:t>Factors</a:t>
-            </a:r>
-            <a:r>
-              <a:rPr lang="de-DE" sz="2000" dirty="0">
-                <a:solidFill>
-                  <a:schemeClr val="bg1"/>
-                </a:solidFill>
-                <a:latin typeface="Arial" panose="020B0604020202020204" pitchFamily="34" charset="0"/>
-                <a:cs typeface="Arial" panose="020B0604020202020204" pitchFamily="34" charset="0"/>
-              </a:rPr>
-              <a:t> </a:t>
-            </a:r>
-            <a:r>
-              <a:rPr lang="de-DE" sz="2000" dirty="0" err="1">
-                <a:solidFill>
-                  <a:schemeClr val="bg1"/>
-                </a:solidFill>
-                <a:latin typeface="Arial" panose="020B0604020202020204" pitchFamily="34" charset="0"/>
-                <a:cs typeface="Arial" panose="020B0604020202020204" pitchFamily="34" charset="0"/>
-              </a:rPr>
-              <a:t>that</a:t>
-            </a:r>
-            <a:r>
-              <a:rPr lang="de-DE" sz="2000" dirty="0">
-                <a:solidFill>
-                  <a:schemeClr val="bg1"/>
-                </a:solidFill>
-                <a:latin typeface="Arial" panose="020B0604020202020204" pitchFamily="34" charset="0"/>
-                <a:cs typeface="Arial" panose="020B0604020202020204" pitchFamily="34" charset="0"/>
-              </a:rPr>
-              <a:t> </a:t>
-            </a:r>
-            <a:r>
-              <a:rPr lang="de-DE" sz="2000" dirty="0" err="1">
-                <a:solidFill>
-                  <a:schemeClr val="bg1"/>
-                </a:solidFill>
-                <a:latin typeface="Arial" panose="020B0604020202020204" pitchFamily="34" charset="0"/>
-                <a:cs typeface="Arial" panose="020B0604020202020204" pitchFamily="34" charset="0"/>
-              </a:rPr>
-              <a:t>seems</a:t>
-            </a:r>
-            <a:r>
-              <a:rPr lang="de-DE" sz="2000" dirty="0">
-                <a:solidFill>
-                  <a:schemeClr val="bg1"/>
-                </a:solidFill>
-                <a:latin typeface="Arial" panose="020B0604020202020204" pitchFamily="34" charset="0"/>
-                <a:cs typeface="Arial" panose="020B0604020202020204" pitchFamily="34" charset="0"/>
-              </a:rPr>
-              <a:t> </a:t>
-            </a:r>
-            <a:r>
-              <a:rPr lang="de-DE" sz="2000" dirty="0" err="1">
-                <a:solidFill>
-                  <a:schemeClr val="bg1"/>
-                </a:solidFill>
-                <a:latin typeface="Arial" panose="020B0604020202020204" pitchFamily="34" charset="0"/>
-                <a:cs typeface="Arial" panose="020B0604020202020204" pitchFamily="34" charset="0"/>
-              </a:rPr>
-              <a:t>to</a:t>
-            </a:r>
-            <a:r>
-              <a:rPr lang="de-DE" sz="2000" dirty="0">
-                <a:solidFill>
-                  <a:schemeClr val="bg1"/>
-                </a:solidFill>
-                <a:latin typeface="Arial" panose="020B0604020202020204" pitchFamily="34" charset="0"/>
-                <a:cs typeface="Arial" panose="020B0604020202020204" pitchFamily="34" charset="0"/>
-              </a:rPr>
-              <a:t> </a:t>
-            </a:r>
-            <a:r>
-              <a:rPr lang="de-DE" sz="2000" dirty="0" err="1">
-                <a:solidFill>
-                  <a:schemeClr val="bg1"/>
-                </a:solidFill>
-                <a:latin typeface="Arial" panose="020B0604020202020204" pitchFamily="34" charset="0"/>
-                <a:cs typeface="Arial" panose="020B0604020202020204" pitchFamily="34" charset="0"/>
-              </a:rPr>
-              <a:t>influence</a:t>
-            </a:r>
-            <a:r>
-              <a:rPr lang="de-DE" sz="2000" dirty="0">
-                <a:solidFill>
-                  <a:schemeClr val="bg1"/>
-                </a:solidFill>
-                <a:latin typeface="Arial" panose="020B0604020202020204" pitchFamily="34" charset="0"/>
-                <a:cs typeface="Arial" panose="020B0604020202020204" pitchFamily="34" charset="0"/>
-              </a:rPr>
-              <a:t> </a:t>
-            </a:r>
-            <a:r>
-              <a:rPr lang="de-DE" sz="2000" dirty="0" err="1">
-                <a:solidFill>
-                  <a:schemeClr val="bg1"/>
-                </a:solidFill>
-                <a:latin typeface="Arial" panose="020B0604020202020204" pitchFamily="34" charset="0"/>
-                <a:cs typeface="Arial" panose="020B0604020202020204" pitchFamily="34" charset="0"/>
-              </a:rPr>
-              <a:t>the</a:t>
-            </a:r>
-            <a:r>
-              <a:rPr lang="de-DE" sz="2000" dirty="0">
-                <a:solidFill>
-                  <a:schemeClr val="bg1"/>
-                </a:solidFill>
-                <a:latin typeface="Arial" panose="020B0604020202020204" pitchFamily="34" charset="0"/>
-                <a:cs typeface="Arial" panose="020B0604020202020204" pitchFamily="34" charset="0"/>
-              </a:rPr>
-              <a:t> </a:t>
-            </a:r>
-            <a:r>
-              <a:rPr lang="de-DE" sz="2000" dirty="0" err="1">
-                <a:solidFill>
-                  <a:schemeClr val="bg1"/>
-                </a:solidFill>
-                <a:latin typeface="Arial" panose="020B0604020202020204" pitchFamily="34" charset="0"/>
-                <a:cs typeface="Arial" panose="020B0604020202020204" pitchFamily="34" charset="0"/>
-              </a:rPr>
-              <a:t>price</a:t>
-            </a:r>
-            <a:r>
-              <a:rPr lang="de-DE" sz="2000" dirty="0">
-                <a:solidFill>
-                  <a:schemeClr val="bg1"/>
-                </a:solidFill>
-                <a:latin typeface="Arial" panose="020B0604020202020204" pitchFamily="34" charset="0"/>
-                <a:cs typeface="Arial" panose="020B0604020202020204" pitchFamily="34" charset="0"/>
-              </a:rPr>
-              <a:t> </a:t>
-            </a:r>
-            <a:r>
-              <a:rPr lang="de-DE" sz="2000" dirty="0" err="1">
-                <a:solidFill>
-                  <a:schemeClr val="bg1"/>
-                </a:solidFill>
-                <a:latin typeface="Arial" panose="020B0604020202020204" pitchFamily="34" charset="0"/>
-                <a:cs typeface="Arial" panose="020B0604020202020204" pitchFamily="34" charset="0"/>
-              </a:rPr>
-              <a:t>of</a:t>
-            </a:r>
-            <a:r>
-              <a:rPr lang="de-DE" sz="2000" dirty="0">
-                <a:solidFill>
-                  <a:schemeClr val="bg1"/>
-                </a:solidFill>
-                <a:latin typeface="Arial" panose="020B0604020202020204" pitchFamily="34" charset="0"/>
-                <a:cs typeface="Arial" panose="020B0604020202020204" pitchFamily="34" charset="0"/>
-              </a:rPr>
-              <a:t> a </a:t>
-            </a:r>
-            <a:r>
-              <a:rPr lang="de-DE" sz="2000" dirty="0" err="1">
-                <a:solidFill>
-                  <a:schemeClr val="bg1"/>
-                </a:solidFill>
-                <a:latin typeface="Arial" panose="020B0604020202020204" pitchFamily="34" charset="0"/>
-                <a:cs typeface="Arial" panose="020B0604020202020204" pitchFamily="34" charset="0"/>
-              </a:rPr>
-              <a:t>historical</a:t>
-            </a:r>
-            <a:r>
-              <a:rPr lang="de-DE" sz="2000" dirty="0">
-                <a:solidFill>
-                  <a:schemeClr val="bg1"/>
-                </a:solidFill>
-                <a:latin typeface="Arial" panose="020B0604020202020204" pitchFamily="34" charset="0"/>
-                <a:cs typeface="Arial" panose="020B0604020202020204" pitchFamily="34" charset="0"/>
-              </a:rPr>
-              <a:t> </a:t>
-            </a:r>
-            <a:r>
-              <a:rPr lang="de-DE" sz="2000" dirty="0" err="1">
-                <a:solidFill>
-                  <a:schemeClr val="bg1"/>
-                </a:solidFill>
-                <a:latin typeface="Arial" panose="020B0604020202020204" pitchFamily="34" charset="0"/>
-                <a:cs typeface="Arial" panose="020B0604020202020204" pitchFamily="34" charset="0"/>
-              </a:rPr>
-              <a:t>houses</a:t>
-            </a:r>
-            <a:r>
-              <a:rPr lang="de-DE" sz="2000" dirty="0">
-                <a:solidFill>
-                  <a:schemeClr val="bg1"/>
-                </a:solidFill>
-                <a:latin typeface="Arial" panose="020B0604020202020204" pitchFamily="34" charset="0"/>
-                <a:cs typeface="Arial" panose="020B0604020202020204" pitchFamily="34" charset="0"/>
-              </a:rPr>
-              <a:t>: Grade &gt; </a:t>
-            </a:r>
-            <a:r>
-              <a:rPr lang="de-DE" sz="2000" dirty="0" err="1">
-                <a:solidFill>
-                  <a:schemeClr val="bg1"/>
-                </a:solidFill>
-                <a:latin typeface="Arial" panose="020B0604020202020204" pitchFamily="34" charset="0"/>
-                <a:cs typeface="Arial" panose="020B0604020202020204" pitchFamily="34" charset="0"/>
-              </a:rPr>
-              <a:t>Condition</a:t>
-            </a:r>
-            <a:r>
-              <a:rPr lang="de-DE" sz="2000" dirty="0">
-                <a:solidFill>
-                  <a:schemeClr val="bg1"/>
-                </a:solidFill>
-                <a:latin typeface="Arial" panose="020B0604020202020204" pitchFamily="34" charset="0"/>
-                <a:cs typeface="Arial" panose="020B0604020202020204" pitchFamily="34" charset="0"/>
-              </a:rPr>
-              <a:t> &gt; </a:t>
-            </a:r>
-            <a:r>
-              <a:rPr lang="de-DE" sz="2000" dirty="0" err="1">
-                <a:solidFill>
-                  <a:schemeClr val="bg1"/>
-                </a:solidFill>
-                <a:latin typeface="Arial" panose="020B0604020202020204" pitchFamily="34" charset="0"/>
-                <a:cs typeface="Arial" panose="020B0604020202020204" pitchFamily="34" charset="0"/>
-              </a:rPr>
-              <a:t>Era</a:t>
-            </a:r>
-            <a:r>
-              <a:rPr lang="de-DE" sz="2000" dirty="0">
-                <a:solidFill>
-                  <a:schemeClr val="bg1"/>
-                </a:solidFill>
-                <a:latin typeface="Arial" panose="020B0604020202020204" pitchFamily="34" charset="0"/>
-                <a:cs typeface="Arial" panose="020B0604020202020204" pitchFamily="34" charset="0"/>
-              </a:rPr>
-              <a:t> &gt; Renovation.</a:t>
-            </a:r>
-          </a:p>
-        </p:txBody>
-      </p:sp>
-    </p:spTree>
-    <p:extLst>
-      <p:ext uri="{BB962C8B-B14F-4D97-AF65-F5344CB8AC3E}">
-        <p14:creationId xmlns:p14="http://schemas.microsoft.com/office/powerpoint/2010/main" val="1412293910"/>
-      </p:ext>
-    </p:extLst>
-  </p:cSld>
-  <p:clrMapOvr>
-    <a:masterClrMapping/>
-  </p:clrMapOvr>
+  <p:timing>
+    <p:tnLst>
+      <p:par>
+        <p:cTn id="1" dur="indefinite" restart="never" nodeType="tmRoot">
+          <p:childTnLst>
+            <p:seq concurrent="1" nextAc="seek">
+              <p:cTn id="2" dur="indefinite" nodeType="mainSeq">
+                <p:childTnLst>
+                  <p:par>
+                    <p:cTn id="3" fill="hold">
+                      <p:stCondLst>
+                        <p:cond delay="indefinite"/>
+                      </p:stCondLst>
+                      <p:childTnLst>
+                        <p:par>
+                          <p:cTn id="4" fill="hold">
+                            <p:stCondLst>
+                              <p:cond delay="0"/>
+                            </p:stCondLst>
+                            <p:childTnLst>
+                              <p:par>
+                                <p:cTn id="5" presetID="1" presetClass="entr" presetSubtype="0" fill="hold" nodeType="clickEffect">
+                                  <p:stCondLst>
+                                    <p:cond delay="0"/>
+                                  </p:stCondLst>
+                                  <p:childTnLst>
+                                    <p:set>
+                                      <p:cBhvr>
+                                        <p:cTn id="6" dur="1" fill="hold">
+                                          <p:stCondLst>
+                                            <p:cond delay="0"/>
+                                          </p:stCondLst>
+                                        </p:cTn>
+                                        <p:tgtEl>
+                                          <p:spTgt spid="15"/>
+                                        </p:tgtEl>
+                                        <p:attrNameLst>
+                                          <p:attrName>style.visibility</p:attrName>
+                                        </p:attrNameLst>
+                                      </p:cBhvr>
+                                      <p:to>
+                                        <p:strVal val="visible"/>
+                                      </p:to>
+                                    </p:set>
+                                  </p:childTnLst>
+                                </p:cTn>
+                              </p:par>
+                            </p:childTnLst>
+                          </p:cTn>
+                        </p:par>
+                      </p:childTnLst>
+                    </p:cTn>
+                  </p:par>
+                  <p:par>
+                    <p:cTn id="7" fill="hold">
+                      <p:stCondLst>
+                        <p:cond delay="indefinite"/>
+                      </p:stCondLst>
+                      <p:childTnLst>
+                        <p:par>
+                          <p:cTn id="8" fill="hold">
+                            <p:stCondLst>
+                              <p:cond delay="0"/>
+                            </p:stCondLst>
+                            <p:childTnLst>
+                              <p:par>
+                                <p:cTn id="9" presetID="1" presetClass="entr" presetSubtype="0" fill="hold" grpId="0" nodeType="clickEffect">
+                                  <p:stCondLst>
+                                    <p:cond delay="0"/>
+                                  </p:stCondLst>
+                                  <p:childTnLst>
+                                    <p:set>
+                                      <p:cBhvr>
+                                        <p:cTn id="10" dur="1" fill="hold">
+                                          <p:stCondLst>
+                                            <p:cond delay="0"/>
+                                          </p:stCondLst>
+                                        </p:cTn>
+                                        <p:tgtEl>
+                                          <p:spTgt spid="13"/>
+                                        </p:tgtEl>
+                                        <p:attrNameLst>
+                                          <p:attrName>style.visibility</p:attrName>
+                                        </p:attrNameLst>
+                                      </p:cBhvr>
+                                      <p:to>
+                                        <p:strVal val="visible"/>
+                                      </p:to>
+                                    </p:set>
+                                  </p:childTnLst>
+                                </p:cTn>
+                              </p:par>
+                            </p:childTnLst>
+                          </p:cTn>
+                        </p:par>
+                      </p:childTnLst>
+                    </p:cTn>
+                  </p:par>
+                </p:childTnLst>
+              </p:cTn>
+              <p:prevCondLst>
+                <p:cond evt="onPrev" delay="0">
+                  <p:tgtEl>
+                    <p:sldTgt/>
+                  </p:tgtEl>
+                </p:cond>
+              </p:prevCondLst>
+              <p:nextCondLst>
+                <p:cond evt="onNext" delay="0">
+                  <p:tgtEl>
+                    <p:sldTgt/>
+                  </p:tgtEl>
+                </p:cond>
+              </p:nextCondLst>
+            </p:seq>
+          </p:childTnLst>
+        </p:cTn>
+      </p:par>
+    </p:tnLst>
+    <p:bldLst>
+      <p:bldP spid="13" grpId="0" animBg="1"/>
+    </p:bldLst>
+  </p:timing>
 </p:sld>
 </file>
 
@@ -5352,7 +7205,12 @@
             <p:ph type="title"/>
           </p:nvPr>
         </p:nvSpPr>
-        <p:spPr/>
+        <p:spPr>
+          <a:xfrm>
+            <a:off x="609599" y="609600"/>
+            <a:ext cx="6347713" cy="735724"/>
+          </a:xfrm>
+        </p:spPr>
         <p:txBody>
           <a:bodyPr>
             <a:normAutofit/>
@@ -5364,170 +7222,342 @@
                 <a:latin typeface="Arial" panose="020B0604020202020204" pitchFamily="34" charset="0"/>
                 <a:cs typeface="Arial" panose="020B0604020202020204" pitchFamily="34" charset="0"/>
               </a:rPr>
-              <a:t>What could be the best neighboorhood?</a:t>
-            </a:r>
-            <a:endParaRPr lang="en-DE" sz="3000" dirty="0"/>
+              <a:t>Which factors influence the price?</a:t>
+            </a:r>
           </a:p>
         </p:txBody>
       </p:sp>
-      <p:pic>
-        <p:nvPicPr>
-          <p:cNvPr id="4" name="Picture 3" descr="A graph of a house number&#10;&#10;Description automatically generated">
-            <a:extLst>
-              <a:ext uri="{FF2B5EF4-FFF2-40B4-BE49-F238E27FC236}">
-                <a16:creationId xmlns:a16="http://schemas.microsoft.com/office/drawing/2014/main" id="{E9FB900B-8C0E-A2C6-2434-0DDC0001FC67}"/>
-              </a:ext>
-            </a:extLst>
-          </p:cNvPr>
-          <p:cNvPicPr>
-            <a:picLocks noChangeAspect="1"/>
-          </p:cNvPicPr>
+      <p:grpSp>
+        <p:nvGrpSpPr>
+          <p:cNvPr id="3" name="Group 2">
+            <a:extLst>
+              <a:ext uri="{FF2B5EF4-FFF2-40B4-BE49-F238E27FC236}">
+                <a16:creationId xmlns:a16="http://schemas.microsoft.com/office/drawing/2014/main" id="{6A4055AB-115A-BAE8-A414-502571DEF62A}"/>
+              </a:ext>
+            </a:extLst>
+          </p:cNvPr>
+          <p:cNvGrpSpPr/>
           <p:nvPr/>
-        </p:nvPicPr>
-        <p:blipFill>
-          <a:blip r:embed="rId2"/>
-          <a:stretch>
-            <a:fillRect/>
-          </a:stretch>
-        </p:blipFill>
-        <p:spPr>
+        </p:nvGrpSpPr>
+        <p:grpSpPr>
           <a:xfrm>
-            <a:off x="402117" y="2308026"/>
-            <a:ext cx="4320000" cy="3240000"/>
+            <a:off x="241090" y="1268347"/>
+            <a:ext cx="8166653" cy="4322606"/>
+            <a:chOff x="241090" y="1268347"/>
+            <a:chExt cx="8166653" cy="4322606"/>
           </a:xfrm>
-          <a:prstGeom prst="rect">
-            <a:avLst/>
-          </a:prstGeom>
-        </p:spPr>
-      </p:pic>
-      <p:pic>
-        <p:nvPicPr>
-          <p:cNvPr id="5" name="Picture 4" descr="A graph of a topographical map&#10;&#10;Description automatically generated">
-            <a:extLst>
-              <a:ext uri="{FF2B5EF4-FFF2-40B4-BE49-F238E27FC236}">
-                <a16:creationId xmlns:a16="http://schemas.microsoft.com/office/drawing/2014/main" id="{40617C3C-B1E1-6436-0387-28EE8F51E353}"/>
-              </a:ext>
-            </a:extLst>
-          </p:cNvPr>
-          <p:cNvPicPr>
-            <a:picLocks noChangeAspect="1"/>
-          </p:cNvPicPr>
-          <p:nvPr/>
-        </p:nvPicPr>
-        <p:blipFill>
-          <a:blip r:embed="rId3"/>
-          <a:stretch>
-            <a:fillRect/>
-          </a:stretch>
-        </p:blipFill>
-        <p:spPr>
-          <a:xfrm>
-            <a:off x="4941563" y="2239746"/>
-            <a:ext cx="3400472" cy="3240000"/>
-          </a:xfrm>
-          <a:prstGeom prst="rect">
-            <a:avLst/>
-          </a:prstGeom>
-        </p:spPr>
-      </p:pic>
-      <p:sp>
-        <p:nvSpPr>
-          <p:cNvPr id="9" name="TextBox 8">
-            <a:extLst>
-              <a:ext uri="{FF2B5EF4-FFF2-40B4-BE49-F238E27FC236}">
-                <a16:creationId xmlns:a16="http://schemas.microsoft.com/office/drawing/2014/main" id="{1A1279F5-B8E6-E7BE-B1E0-8360B35C054F}"/>
-              </a:ext>
-            </a:extLst>
-          </p:cNvPr>
-          <p:cNvSpPr txBox="1"/>
-          <p:nvPr/>
-        </p:nvSpPr>
-        <p:spPr>
-          <a:xfrm>
-            <a:off x="682846" y="1807423"/>
-            <a:ext cx="3600000" cy="400110"/>
-          </a:xfrm>
-          <a:prstGeom prst="rect">
-            <a:avLst/>
-          </a:prstGeom>
-          <a:solidFill>
-            <a:schemeClr val="bg1">
-              <a:lumMod val="85000"/>
-            </a:schemeClr>
-          </a:solidFill>
-        </p:spPr>
-        <p:txBody>
-          <a:bodyPr wrap="square" rtlCol="0">
-            <a:spAutoFit/>
-          </a:bodyPr>
-          <a:lstStyle/>
-          <a:p>
-            <a:pPr algn="ctr"/>
-            <a:r>
-              <a:rPr lang="en-DE" sz="2000" dirty="0">
-                <a:solidFill>
-                  <a:schemeClr val="bg1"/>
-                </a:solidFill>
-                <a:latin typeface="Arial" panose="020B0604020202020204" pitchFamily="34" charset="0"/>
-                <a:cs typeface="Arial" panose="020B0604020202020204" pitchFamily="34" charset="0"/>
-              </a:rPr>
-              <a:t>Historical house count</a:t>
-            </a:r>
-          </a:p>
-        </p:txBody>
-      </p:sp>
-      <p:sp>
-        <p:nvSpPr>
-          <p:cNvPr id="10" name="TextBox 9">
-            <a:extLst>
-              <a:ext uri="{FF2B5EF4-FFF2-40B4-BE49-F238E27FC236}">
-                <a16:creationId xmlns:a16="http://schemas.microsoft.com/office/drawing/2014/main" id="{C4684D08-D9E3-32AA-5DC7-A1DA4CE58737}"/>
-              </a:ext>
-            </a:extLst>
-          </p:cNvPr>
-          <p:cNvSpPr txBox="1"/>
-          <p:nvPr/>
-        </p:nvSpPr>
-        <p:spPr>
-          <a:xfrm>
-            <a:off x="4862982" y="1807423"/>
-            <a:ext cx="3600000" cy="400110"/>
-          </a:xfrm>
-          <a:prstGeom prst="rect">
-            <a:avLst/>
-          </a:prstGeom>
-          <a:solidFill>
-            <a:schemeClr val="bg1">
-              <a:lumMod val="85000"/>
-            </a:schemeClr>
-          </a:solidFill>
-        </p:spPr>
-        <p:txBody>
-          <a:bodyPr wrap="square" rtlCol="0">
-            <a:spAutoFit/>
-          </a:bodyPr>
-          <a:lstStyle/>
-          <a:p>
-            <a:pPr algn="ctr"/>
-            <a:r>
-              <a:rPr lang="en-DE" sz="2000" dirty="0">
-                <a:solidFill>
-                  <a:schemeClr val="bg1"/>
-                </a:solidFill>
-                <a:latin typeface="Arial" panose="020B0604020202020204" pitchFamily="34" charset="0"/>
-                <a:cs typeface="Arial" panose="020B0604020202020204" pitchFamily="34" charset="0"/>
-              </a:rPr>
-              <a:t>Historical house areas</a:t>
-            </a:r>
-          </a:p>
-        </p:txBody>
-      </p:sp>
+        </p:grpSpPr>
+        <p:pic>
+          <p:nvPicPr>
+            <p:cNvPr id="4" name="Picture 3" descr="A graph of a house price&#10;&#10;Description automatically generated">
+              <a:extLst>
+                <a:ext uri="{FF2B5EF4-FFF2-40B4-BE49-F238E27FC236}">
+                  <a16:creationId xmlns:a16="http://schemas.microsoft.com/office/drawing/2014/main" id="{F2A37A1B-61E2-9D6B-F30D-04ED9BD1F22C}"/>
+                </a:ext>
+              </a:extLst>
+            </p:cNvPr>
+            <p:cNvPicPr>
+              <a:picLocks noChangeAspect="1"/>
+            </p:cNvPicPr>
+            <p:nvPr/>
+          </p:nvPicPr>
+          <p:blipFill>
+            <a:blip r:embed="rId2"/>
+            <a:stretch>
+              <a:fillRect/>
+            </a:stretch>
+          </p:blipFill>
+          <p:spPr>
+            <a:xfrm>
+              <a:off x="980857" y="1268347"/>
+              <a:ext cx="2880000" cy="2160000"/>
+            </a:xfrm>
+            <a:prstGeom prst="rect">
+              <a:avLst/>
+            </a:prstGeom>
+          </p:spPr>
+        </p:pic>
+        <p:pic>
+          <p:nvPicPr>
+            <p:cNvPr id="5" name="Picture 4" descr="A graph of a house price&#10;&#10;Description automatically generated">
+              <a:extLst>
+                <a:ext uri="{FF2B5EF4-FFF2-40B4-BE49-F238E27FC236}">
+                  <a16:creationId xmlns:a16="http://schemas.microsoft.com/office/drawing/2014/main" id="{C7D2A08D-6C43-9F10-0174-F9689E69C6AF}"/>
+                </a:ext>
+              </a:extLst>
+            </p:cNvPr>
+            <p:cNvPicPr>
+              <a:picLocks noChangeAspect="1"/>
+            </p:cNvPicPr>
+            <p:nvPr/>
+          </p:nvPicPr>
+          <p:blipFill>
+            <a:blip r:embed="rId3"/>
+            <a:stretch>
+              <a:fillRect/>
+            </a:stretch>
+          </p:blipFill>
+          <p:spPr>
+            <a:xfrm>
+              <a:off x="5527743" y="1269190"/>
+              <a:ext cx="2880000" cy="2160000"/>
+            </a:xfrm>
+            <a:prstGeom prst="rect">
+              <a:avLst/>
+            </a:prstGeom>
+          </p:spPr>
+        </p:pic>
+        <p:pic>
+          <p:nvPicPr>
+            <p:cNvPr id="6" name="Picture 5" descr="A graph of green and blue squares&#10;&#10;Description automatically generated">
+              <a:extLst>
+                <a:ext uri="{FF2B5EF4-FFF2-40B4-BE49-F238E27FC236}">
+                  <a16:creationId xmlns:a16="http://schemas.microsoft.com/office/drawing/2014/main" id="{4149B8DA-8F20-BE21-5A66-453266D5EACF}"/>
+                </a:ext>
+              </a:extLst>
+            </p:cNvPr>
+            <p:cNvPicPr>
+              <a:picLocks noChangeAspect="1"/>
+            </p:cNvPicPr>
+            <p:nvPr/>
+          </p:nvPicPr>
+          <p:blipFill>
+            <a:blip r:embed="rId4"/>
+            <a:stretch>
+              <a:fillRect/>
+            </a:stretch>
+          </p:blipFill>
+          <p:spPr>
+            <a:xfrm>
+              <a:off x="969341" y="3429268"/>
+              <a:ext cx="2880000" cy="2160000"/>
+            </a:xfrm>
+            <a:prstGeom prst="rect">
+              <a:avLst/>
+            </a:prstGeom>
+          </p:spPr>
+        </p:pic>
+        <p:pic>
+          <p:nvPicPr>
+            <p:cNvPr id="7" name="Picture 6" descr="A graph showing a house price&#10;&#10;Description automatically generated">
+              <a:extLst>
+                <a:ext uri="{FF2B5EF4-FFF2-40B4-BE49-F238E27FC236}">
+                  <a16:creationId xmlns:a16="http://schemas.microsoft.com/office/drawing/2014/main" id="{33DE94A8-105F-0165-57BC-C39AE1899218}"/>
+                </a:ext>
+              </a:extLst>
+            </p:cNvPr>
+            <p:cNvPicPr>
+              <a:picLocks noChangeAspect="1"/>
+            </p:cNvPicPr>
+            <p:nvPr/>
+          </p:nvPicPr>
+          <p:blipFill>
+            <a:blip r:embed="rId5"/>
+            <a:stretch>
+              <a:fillRect/>
+            </a:stretch>
+          </p:blipFill>
+          <p:spPr>
+            <a:xfrm>
+              <a:off x="5527742" y="3430953"/>
+              <a:ext cx="2880000" cy="2160000"/>
+            </a:xfrm>
+            <a:prstGeom prst="rect">
+              <a:avLst/>
+            </a:prstGeom>
+          </p:spPr>
+        </p:pic>
+        <p:sp>
+          <p:nvSpPr>
+            <p:cNvPr id="8" name="TextBox 7">
+              <a:extLst>
+                <a:ext uri="{FF2B5EF4-FFF2-40B4-BE49-F238E27FC236}">
+                  <a16:creationId xmlns:a16="http://schemas.microsoft.com/office/drawing/2014/main" id="{2DBCD560-8839-5C5A-4F07-17459765880A}"/>
+                </a:ext>
+              </a:extLst>
+            </p:cNvPr>
+            <p:cNvSpPr txBox="1"/>
+            <p:nvPr/>
+          </p:nvSpPr>
+          <p:spPr>
+            <a:xfrm rot="16200000">
+              <a:off x="-455611" y="2187271"/>
+              <a:ext cx="1800000" cy="400110"/>
+            </a:xfrm>
+            <a:prstGeom prst="rect">
+              <a:avLst/>
+            </a:prstGeom>
+            <a:solidFill>
+              <a:schemeClr val="bg1">
+                <a:lumMod val="85000"/>
+              </a:schemeClr>
+            </a:solidFill>
+          </p:spPr>
+          <p:txBody>
+            <a:bodyPr wrap="square" rtlCol="0">
+              <a:spAutoFit/>
+            </a:bodyPr>
+            <a:lstStyle/>
+            <a:p>
+              <a:pPr algn="ctr"/>
+              <a:r>
+                <a:rPr lang="en-DE" sz="2000" dirty="0">
+                  <a:solidFill>
+                    <a:schemeClr val="bg1"/>
+                  </a:solidFill>
+                  <a:latin typeface="Arial" panose="020B0604020202020204" pitchFamily="34" charset="0"/>
+                  <a:cs typeface="Arial" panose="020B0604020202020204" pitchFamily="34" charset="0"/>
+                </a:rPr>
+                <a:t>Condition</a:t>
+              </a:r>
+            </a:p>
+          </p:txBody>
+        </p:sp>
+        <p:sp>
+          <p:nvSpPr>
+            <p:cNvPr id="9" name="TextBox 8">
+              <a:extLst>
+                <a:ext uri="{FF2B5EF4-FFF2-40B4-BE49-F238E27FC236}">
+                  <a16:creationId xmlns:a16="http://schemas.microsoft.com/office/drawing/2014/main" id="{478C7E8F-D288-3218-973A-0D060725953F}"/>
+                </a:ext>
+              </a:extLst>
+            </p:cNvPr>
+            <p:cNvSpPr txBox="1"/>
+            <p:nvPr/>
+          </p:nvSpPr>
+          <p:spPr>
+            <a:xfrm rot="16200000">
+              <a:off x="-458855" y="4354709"/>
+              <a:ext cx="1800000" cy="400110"/>
+            </a:xfrm>
+            <a:prstGeom prst="rect">
+              <a:avLst/>
+            </a:prstGeom>
+            <a:solidFill>
+              <a:schemeClr val="bg1">
+                <a:lumMod val="85000"/>
+              </a:schemeClr>
+            </a:solidFill>
+          </p:spPr>
+          <p:txBody>
+            <a:bodyPr wrap="square" rtlCol="0">
+              <a:spAutoFit/>
+            </a:bodyPr>
+            <a:lstStyle/>
+            <a:p>
+              <a:pPr algn="ctr"/>
+              <a:r>
+                <a:rPr lang="en-DE" sz="2000" dirty="0">
+                  <a:solidFill>
+                    <a:schemeClr val="bg1"/>
+                  </a:solidFill>
+                  <a:latin typeface="Arial" panose="020B0604020202020204" pitchFamily="34" charset="0"/>
+                  <a:cs typeface="Arial" panose="020B0604020202020204" pitchFamily="34" charset="0"/>
+                </a:rPr>
+                <a:t>Era</a:t>
+              </a:r>
+            </a:p>
+          </p:txBody>
+        </p:sp>
+        <p:sp>
+          <p:nvSpPr>
+            <p:cNvPr id="10" name="TextBox 9">
+              <a:extLst>
+                <a:ext uri="{FF2B5EF4-FFF2-40B4-BE49-F238E27FC236}">
+                  <a16:creationId xmlns:a16="http://schemas.microsoft.com/office/drawing/2014/main" id="{03B139FC-CA92-FCAD-3F44-F34BD8A6F8D2}"/>
+                </a:ext>
+              </a:extLst>
+            </p:cNvPr>
+            <p:cNvSpPr txBox="1"/>
+            <p:nvPr/>
+          </p:nvSpPr>
+          <p:spPr>
+            <a:xfrm rot="16200000">
+              <a:off x="4214831" y="2181300"/>
+              <a:ext cx="1800000" cy="400110"/>
+            </a:xfrm>
+            <a:prstGeom prst="rect">
+              <a:avLst/>
+            </a:prstGeom>
+            <a:solidFill>
+              <a:schemeClr val="bg1">
+                <a:lumMod val="85000"/>
+              </a:schemeClr>
+            </a:solidFill>
+          </p:spPr>
+          <p:txBody>
+            <a:bodyPr wrap="square" rtlCol="0">
+              <a:spAutoFit/>
+            </a:bodyPr>
+            <a:lstStyle/>
+            <a:p>
+              <a:pPr algn="ctr"/>
+              <a:r>
+                <a:rPr lang="en-DE" sz="2000" dirty="0">
+                  <a:solidFill>
+                    <a:schemeClr val="bg1"/>
+                  </a:solidFill>
+                  <a:latin typeface="Arial" panose="020B0604020202020204" pitchFamily="34" charset="0"/>
+                  <a:cs typeface="Arial" panose="020B0604020202020204" pitchFamily="34" charset="0"/>
+                </a:rPr>
+                <a:t>Grade</a:t>
+              </a:r>
+            </a:p>
+          </p:txBody>
+        </p:sp>
+        <p:sp>
+          <p:nvSpPr>
+            <p:cNvPr id="11" name="TextBox 10">
+              <a:extLst>
+                <a:ext uri="{FF2B5EF4-FFF2-40B4-BE49-F238E27FC236}">
+                  <a16:creationId xmlns:a16="http://schemas.microsoft.com/office/drawing/2014/main" id="{4C7DD993-8CC0-AA8F-DB3D-18EB8BC24FD8}"/>
+                </a:ext>
+              </a:extLst>
+            </p:cNvPr>
+            <p:cNvSpPr txBox="1"/>
+            <p:nvPr/>
+          </p:nvSpPr>
+          <p:spPr>
+            <a:xfrm rot="16200000">
+              <a:off x="4212754" y="4349884"/>
+              <a:ext cx="1800000" cy="400110"/>
+            </a:xfrm>
+            <a:prstGeom prst="rect">
+              <a:avLst/>
+            </a:prstGeom>
+            <a:solidFill>
+              <a:schemeClr val="bg1">
+                <a:lumMod val="85000"/>
+              </a:schemeClr>
+            </a:solidFill>
+          </p:spPr>
+          <p:txBody>
+            <a:bodyPr wrap="square" rtlCol="0">
+              <a:spAutoFit/>
+            </a:bodyPr>
+            <a:lstStyle/>
+            <a:p>
+              <a:pPr algn="ctr"/>
+              <a:r>
+                <a:rPr lang="en-DE" sz="2000" dirty="0">
+                  <a:solidFill>
+                    <a:schemeClr val="bg1"/>
+                  </a:solidFill>
+                  <a:latin typeface="Arial" panose="020B0604020202020204" pitchFamily="34" charset="0"/>
+                  <a:cs typeface="Arial" panose="020B0604020202020204" pitchFamily="34" charset="0"/>
+                </a:rPr>
+                <a:t>Renovation</a:t>
+              </a:r>
+            </a:p>
+          </p:txBody>
+        </p:sp>
+      </p:grpSp>
       <p:sp>
         <p:nvSpPr>
           <p:cNvPr id="12" name="TextBox 11">
             <a:extLst>
               <a:ext uri="{FF2B5EF4-FFF2-40B4-BE49-F238E27FC236}">
-                <a16:creationId xmlns:a16="http://schemas.microsoft.com/office/drawing/2014/main" id="{07CF593D-A08F-29B6-8EA9-66CCA10A8238}"/>
+                <a16:creationId xmlns:a16="http://schemas.microsoft.com/office/drawing/2014/main" id="{75245591-0C2B-94DA-1D4E-6DAFDBA7AB63}"/>
               </a:ext>
             </a:extLst>
           </p:cNvPr>
@@ -5557,28 +7587,18 @@
             <a:pPr algn="just"/>
             <a:r>
               <a:rPr lang="de-DE" sz="2000" dirty="0">
-                <a:solidFill>
-                  <a:schemeClr val="bg1"/>
-                </a:solidFill>
                 <a:latin typeface="Arial" panose="020B0604020202020204" pitchFamily="34" charset="0"/>
                 <a:cs typeface="Arial" panose="020B0604020202020204" pitchFamily="34" charset="0"/>
               </a:rPr>
               <a:t>Blank.</a:t>
             </a:r>
-            <a:endParaRPr lang="en-DE" sz="2000" dirty="0">
-              <a:solidFill>
-                <a:schemeClr val="bg1"/>
-              </a:solidFill>
-              <a:latin typeface="Arial" panose="020B0604020202020204" pitchFamily="34" charset="0"/>
-              <a:cs typeface="Arial" panose="020B0604020202020204" pitchFamily="34" charset="0"/>
-            </a:endParaRPr>
           </a:p>
         </p:txBody>
       </p:sp>
     </p:spTree>
     <p:extLst>
       <p:ext uri="{BB962C8B-B14F-4D97-AF65-F5344CB8AC3E}">
-        <p14:creationId xmlns:p14="http://schemas.microsoft.com/office/powerpoint/2010/main" val="3604685358"/>
+        <p14:creationId xmlns:p14="http://schemas.microsoft.com/office/powerpoint/2010/main" val="1412293910"/>
       </p:ext>
     </p:extLst>
   </p:cSld>
@@ -5633,166 +7653,212 @@
                 <a:latin typeface="Arial" panose="020B0604020202020204" pitchFamily="34" charset="0"/>
                 <a:cs typeface="Arial" panose="020B0604020202020204" pitchFamily="34" charset="0"/>
               </a:rPr>
-              <a:t>What could be the best neighboorhood?</a:t>
+              <a:t>What could be the best neighbourhoods to buy historical houses?</a:t>
             </a:r>
             <a:endParaRPr lang="en-DE" sz="3000" dirty="0"/>
           </a:p>
         </p:txBody>
       </p:sp>
-      <p:pic>
-        <p:nvPicPr>
-          <p:cNvPr id="13" name="Picture 12" descr="A graph of a graph showing a line of a line&#10;&#10;Description automatically generated with medium confidence">
-            <a:extLst>
-              <a:ext uri="{FF2B5EF4-FFF2-40B4-BE49-F238E27FC236}">
-                <a16:creationId xmlns:a16="http://schemas.microsoft.com/office/drawing/2014/main" id="{89B5C5FD-0229-4FE9-A22A-6FA8AC8255CF}"/>
-              </a:ext>
-            </a:extLst>
-          </p:cNvPr>
-          <p:cNvPicPr>
-            <a:picLocks noChangeAspect="1"/>
-          </p:cNvPicPr>
+      <p:grpSp>
+        <p:nvGrpSpPr>
+          <p:cNvPr id="3" name="Group 2">
+            <a:extLst>
+              <a:ext uri="{FF2B5EF4-FFF2-40B4-BE49-F238E27FC236}">
+                <a16:creationId xmlns:a16="http://schemas.microsoft.com/office/drawing/2014/main" id="{D34ABC09-A659-2257-4C38-A69A5B97DA59}"/>
+              </a:ext>
+            </a:extLst>
+          </p:cNvPr>
+          <p:cNvGrpSpPr/>
           <p:nvPr/>
-        </p:nvPicPr>
-        <p:blipFill>
-          <a:blip r:embed="rId2"/>
-          <a:stretch>
-            <a:fillRect/>
-          </a:stretch>
-        </p:blipFill>
-        <p:spPr>
+        </p:nvGrpSpPr>
+        <p:grpSpPr>
           <a:xfrm>
-            <a:off x="4946131" y="2237855"/>
-            <a:ext cx="3400472" cy="3240000"/>
+            <a:off x="402117" y="1807423"/>
+            <a:ext cx="4320000" cy="3740603"/>
+            <a:chOff x="402117" y="1807423"/>
+            <a:chExt cx="4320000" cy="3740603"/>
           </a:xfrm>
-          <a:prstGeom prst="rect">
-            <a:avLst/>
-          </a:prstGeom>
-        </p:spPr>
-      </p:pic>
-      <p:pic>
-        <p:nvPicPr>
-          <p:cNvPr id="17" name="Picture 16" descr="A graph of a house&#10;&#10;Description automatically generated">
-            <a:extLst>
-              <a:ext uri="{FF2B5EF4-FFF2-40B4-BE49-F238E27FC236}">
-                <a16:creationId xmlns:a16="http://schemas.microsoft.com/office/drawing/2014/main" id="{1E44FDC9-E181-3953-DCA3-3718DE97777E}"/>
-              </a:ext>
-            </a:extLst>
-          </p:cNvPr>
-          <p:cNvPicPr>
-            <a:picLocks noChangeAspect="1"/>
-          </p:cNvPicPr>
+        </p:grpSpPr>
+        <p:pic>
+          <p:nvPicPr>
+            <p:cNvPr id="4" name="Picture 3" descr="A graph of a house number&#10;&#10;Description automatically generated">
+              <a:extLst>
+                <a:ext uri="{FF2B5EF4-FFF2-40B4-BE49-F238E27FC236}">
+                  <a16:creationId xmlns:a16="http://schemas.microsoft.com/office/drawing/2014/main" id="{E9FB900B-8C0E-A2C6-2434-0DDC0001FC67}"/>
+                </a:ext>
+              </a:extLst>
+            </p:cNvPr>
+            <p:cNvPicPr>
+              <a:picLocks noChangeAspect="1"/>
+            </p:cNvPicPr>
+            <p:nvPr/>
+          </p:nvPicPr>
+          <p:blipFill>
+            <a:blip r:embed="rId2"/>
+            <a:stretch>
+              <a:fillRect/>
+            </a:stretch>
+          </p:blipFill>
+          <p:spPr>
+            <a:xfrm>
+              <a:off x="402117" y="2308026"/>
+              <a:ext cx="4320000" cy="3240000"/>
+            </a:xfrm>
+            <a:prstGeom prst="rect">
+              <a:avLst/>
+            </a:prstGeom>
+          </p:spPr>
+        </p:pic>
+        <p:sp>
+          <p:nvSpPr>
+            <p:cNvPr id="9" name="TextBox 8">
+              <a:extLst>
+                <a:ext uri="{FF2B5EF4-FFF2-40B4-BE49-F238E27FC236}">
+                  <a16:creationId xmlns:a16="http://schemas.microsoft.com/office/drawing/2014/main" id="{1A1279F5-B8E6-E7BE-B1E0-8360B35C054F}"/>
+                </a:ext>
+              </a:extLst>
+            </p:cNvPr>
+            <p:cNvSpPr txBox="1"/>
+            <p:nvPr/>
+          </p:nvSpPr>
+          <p:spPr>
+            <a:xfrm>
+              <a:off x="682846" y="1807423"/>
+              <a:ext cx="3600000" cy="400110"/>
+            </a:xfrm>
+            <a:prstGeom prst="rect">
+              <a:avLst/>
+            </a:prstGeom>
+            <a:solidFill>
+              <a:schemeClr val="bg1">
+                <a:lumMod val="85000"/>
+              </a:schemeClr>
+            </a:solidFill>
+          </p:spPr>
+          <p:txBody>
+            <a:bodyPr wrap="square" rtlCol="0">
+              <a:spAutoFit/>
+            </a:bodyPr>
+            <a:lstStyle/>
+            <a:p>
+              <a:pPr algn="ctr"/>
+              <a:r>
+                <a:rPr lang="en-DE" sz="2000" dirty="0">
+                  <a:solidFill>
+                    <a:schemeClr val="bg1"/>
+                  </a:solidFill>
+                  <a:latin typeface="Arial" panose="020B0604020202020204" pitchFamily="34" charset="0"/>
+                  <a:cs typeface="Arial" panose="020B0604020202020204" pitchFamily="34" charset="0"/>
+                </a:rPr>
+                <a:t>Historical house count</a:t>
+              </a:r>
+            </a:p>
+          </p:txBody>
+        </p:sp>
+      </p:grpSp>
+      <p:grpSp>
+        <p:nvGrpSpPr>
+          <p:cNvPr id="6" name="Group 5">
+            <a:extLst>
+              <a:ext uri="{FF2B5EF4-FFF2-40B4-BE49-F238E27FC236}">
+                <a16:creationId xmlns:a16="http://schemas.microsoft.com/office/drawing/2014/main" id="{48CE6F52-FA79-C4AB-BC58-8F9C54456C4B}"/>
+              </a:ext>
+            </a:extLst>
+          </p:cNvPr>
+          <p:cNvGrpSpPr/>
           <p:nvPr/>
-        </p:nvPicPr>
-        <p:blipFill>
-          <a:blip r:embed="rId3"/>
-          <a:stretch>
-            <a:fillRect/>
-          </a:stretch>
-        </p:blipFill>
-        <p:spPr>
+        </p:nvGrpSpPr>
+        <p:grpSpPr>
           <a:xfrm>
-            <a:off x="408773" y="2309866"/>
-            <a:ext cx="4320000" cy="3240000"/>
+            <a:off x="4862982" y="1807423"/>
+            <a:ext cx="3600000" cy="3672323"/>
+            <a:chOff x="4862982" y="1807423"/>
+            <a:chExt cx="3600000" cy="3672323"/>
           </a:xfrm>
-          <a:prstGeom prst="rect">
-            <a:avLst/>
-          </a:prstGeom>
-        </p:spPr>
-      </p:pic>
+        </p:grpSpPr>
+        <p:pic>
+          <p:nvPicPr>
+            <p:cNvPr id="5" name="Picture 4" descr="A graph of a topographical map&#10;&#10;Description automatically generated">
+              <a:extLst>
+                <a:ext uri="{FF2B5EF4-FFF2-40B4-BE49-F238E27FC236}">
+                  <a16:creationId xmlns:a16="http://schemas.microsoft.com/office/drawing/2014/main" id="{40617C3C-B1E1-6436-0387-28EE8F51E353}"/>
+                </a:ext>
+              </a:extLst>
+            </p:cNvPr>
+            <p:cNvPicPr>
+              <a:picLocks noChangeAspect="1"/>
+            </p:cNvPicPr>
+            <p:nvPr/>
+          </p:nvPicPr>
+          <p:blipFill>
+            <a:blip r:embed="rId3"/>
+            <a:stretch>
+              <a:fillRect/>
+            </a:stretch>
+          </p:blipFill>
+          <p:spPr>
+            <a:xfrm>
+              <a:off x="4941563" y="2239746"/>
+              <a:ext cx="3400472" cy="3240000"/>
+            </a:xfrm>
+            <a:prstGeom prst="rect">
+              <a:avLst/>
+            </a:prstGeom>
+          </p:spPr>
+        </p:pic>
+        <p:sp>
+          <p:nvSpPr>
+            <p:cNvPr id="10" name="TextBox 9">
+              <a:extLst>
+                <a:ext uri="{FF2B5EF4-FFF2-40B4-BE49-F238E27FC236}">
+                  <a16:creationId xmlns:a16="http://schemas.microsoft.com/office/drawing/2014/main" id="{C4684D08-D9E3-32AA-5DC7-A1DA4CE58737}"/>
+                </a:ext>
+              </a:extLst>
+            </p:cNvPr>
+            <p:cNvSpPr txBox="1"/>
+            <p:nvPr/>
+          </p:nvSpPr>
+          <p:spPr>
+            <a:xfrm>
+              <a:off x="4862982" y="1807423"/>
+              <a:ext cx="3600000" cy="400110"/>
+            </a:xfrm>
+            <a:prstGeom prst="rect">
+              <a:avLst/>
+            </a:prstGeom>
+            <a:solidFill>
+              <a:schemeClr val="bg1">
+                <a:lumMod val="85000"/>
+              </a:schemeClr>
+            </a:solidFill>
+          </p:spPr>
+          <p:txBody>
+            <a:bodyPr wrap="square" rtlCol="0">
+              <a:spAutoFit/>
+            </a:bodyPr>
+            <a:lstStyle/>
+            <a:p>
+              <a:pPr algn="ctr"/>
+              <a:r>
+                <a:rPr lang="en-DE" sz="2000" dirty="0">
+                  <a:solidFill>
+                    <a:schemeClr val="bg1"/>
+                  </a:solidFill>
+                  <a:latin typeface="Arial" panose="020B0604020202020204" pitchFamily="34" charset="0"/>
+                  <a:cs typeface="Arial" panose="020B0604020202020204" pitchFamily="34" charset="0"/>
+                </a:rPr>
+                <a:t>Historical house areas</a:t>
+              </a:r>
+            </a:p>
+          </p:txBody>
+        </p:sp>
+      </p:grpSp>
       <p:sp>
         <p:nvSpPr>
-          <p:cNvPr id="20" name="TextBox 19">
-            <a:extLst>
-              <a:ext uri="{FF2B5EF4-FFF2-40B4-BE49-F238E27FC236}">
-                <a16:creationId xmlns:a16="http://schemas.microsoft.com/office/drawing/2014/main" id="{936D4A4B-2266-C6D6-2307-A6898184CC50}"/>
-              </a:ext>
-            </a:extLst>
-          </p:cNvPr>
-          <p:cNvSpPr txBox="1"/>
-          <p:nvPr/>
-        </p:nvSpPr>
-        <p:spPr>
-          <a:xfrm>
-            <a:off x="682846" y="1807423"/>
-            <a:ext cx="3600000" cy="400110"/>
-          </a:xfrm>
-          <a:prstGeom prst="rect">
-            <a:avLst/>
-          </a:prstGeom>
-          <a:solidFill>
-            <a:srgbClr val="00B186"/>
-          </a:solidFill>
-        </p:spPr>
-        <p:txBody>
-          <a:bodyPr wrap="square" rtlCol="0">
-            <a:spAutoFit/>
-          </a:bodyPr>
-          <a:lstStyle/>
-          <a:p>
-            <a:pPr algn="ctr"/>
-            <a:r>
-              <a:rPr lang="en-DE" sz="2000" dirty="0">
-                <a:solidFill>
-                  <a:schemeClr val="bg1"/>
-                </a:solidFill>
-                <a:latin typeface="Arial" panose="020B0604020202020204" pitchFamily="34" charset="0"/>
-                <a:cs typeface="Arial" panose="020B0604020202020204" pitchFamily="34" charset="0"/>
-              </a:rPr>
-              <a:t>Historical house count (best)</a:t>
-            </a:r>
-          </a:p>
-        </p:txBody>
-      </p:sp>
-      <p:sp>
-        <p:nvSpPr>
-          <p:cNvPr id="21" name="TextBox 20">
-            <a:extLst>
-              <a:ext uri="{FF2B5EF4-FFF2-40B4-BE49-F238E27FC236}">
-                <a16:creationId xmlns:a16="http://schemas.microsoft.com/office/drawing/2014/main" id="{CB2676C2-4272-DA76-8122-240F18172D59}"/>
-              </a:ext>
-            </a:extLst>
-          </p:cNvPr>
-          <p:cNvSpPr txBox="1"/>
-          <p:nvPr/>
-        </p:nvSpPr>
-        <p:spPr>
-          <a:xfrm>
-            <a:off x="4862982" y="1807423"/>
-            <a:ext cx="3600000" cy="400110"/>
-          </a:xfrm>
-          <a:prstGeom prst="rect">
-            <a:avLst/>
-          </a:prstGeom>
-          <a:solidFill>
-            <a:srgbClr val="00B186"/>
-          </a:solidFill>
-        </p:spPr>
-        <p:txBody>
-          <a:bodyPr wrap="square" rtlCol="0">
-            <a:spAutoFit/>
-          </a:bodyPr>
-          <a:lstStyle/>
-          <a:p>
-            <a:pPr algn="ctr"/>
-            <a:r>
-              <a:rPr lang="en-DE" sz="2000" dirty="0">
-                <a:solidFill>
-                  <a:schemeClr val="bg1"/>
-                </a:solidFill>
-                <a:latin typeface="Arial" panose="020B0604020202020204" pitchFamily="34" charset="0"/>
-                <a:cs typeface="Arial" panose="020B0604020202020204" pitchFamily="34" charset="0"/>
-              </a:rPr>
-              <a:t>Historical house areas (best)</a:t>
-            </a:r>
-          </a:p>
-        </p:txBody>
-      </p:sp>
-      <p:sp>
-        <p:nvSpPr>
-          <p:cNvPr id="23" name="TextBox 22">
-            <a:extLst>
-              <a:ext uri="{FF2B5EF4-FFF2-40B4-BE49-F238E27FC236}">
-                <a16:creationId xmlns:a16="http://schemas.microsoft.com/office/drawing/2014/main" id="{80A7104E-0D25-E486-DEED-2DB402EB76AA}"/>
+          <p:cNvPr id="12" name="TextBox 11">
+            <a:extLst>
+              <a:ext uri="{FF2B5EF4-FFF2-40B4-BE49-F238E27FC236}">
+                <a16:creationId xmlns:a16="http://schemas.microsoft.com/office/drawing/2014/main" id="{07CF593D-A08F-29B6-8EA9-66CCA10A8238}"/>
               </a:ext>
             </a:extLst>
           </p:cNvPr>
@@ -5802,7 +7868,7 @@
         <p:spPr>
           <a:xfrm>
             <a:off x="972000" y="5667207"/>
-            <a:ext cx="7199234" cy="400110"/>
+            <a:ext cx="7199234" cy="707886"/>
           </a:xfrm>
           <a:prstGeom prst="rect">
             <a:avLst/>
@@ -5822,18 +7888,173 @@
             <a:pPr algn="just"/>
             <a:r>
               <a:rPr lang="de-DE" sz="2000" dirty="0">
-                <a:solidFill>
-                  <a:schemeClr val="bg1"/>
-                </a:solidFill>
                 <a:latin typeface="Arial" panose="020B0604020202020204" pitchFamily="34" charset="0"/>
                 <a:cs typeface="Arial" panose="020B0604020202020204" pitchFamily="34" charset="0"/>
               </a:rPr>
-              <a:t>Blank.</a:t>
+              <a:t>The </a:t>
+            </a:r>
+            <a:r>
+              <a:rPr lang="de-DE" sz="2000" dirty="0" err="1">
+                <a:latin typeface="Arial" panose="020B0604020202020204" pitchFamily="34" charset="0"/>
+                <a:cs typeface="Arial" panose="020B0604020202020204" pitchFamily="34" charset="0"/>
+              </a:rPr>
+              <a:t>best</a:t>
+            </a:r>
+            <a:r>
+              <a:rPr lang="de-DE" sz="2000" dirty="0">
+                <a:latin typeface="Arial" panose="020B0604020202020204" pitchFamily="34" charset="0"/>
+                <a:cs typeface="Arial" panose="020B0604020202020204" pitchFamily="34" charset="0"/>
+              </a:rPr>
+              <a:t> </a:t>
+            </a:r>
+            <a:r>
+              <a:rPr lang="de-DE" sz="2000" dirty="0" err="1">
+                <a:latin typeface="Arial" panose="020B0604020202020204" pitchFamily="34" charset="0"/>
+                <a:cs typeface="Arial" panose="020B0604020202020204" pitchFamily="34" charset="0"/>
+              </a:rPr>
+              <a:t>neighbourhood</a:t>
+            </a:r>
+            <a:r>
+              <a:rPr lang="de-DE" sz="2000" dirty="0">
+                <a:latin typeface="Arial" panose="020B0604020202020204" pitchFamily="34" charset="0"/>
+                <a:cs typeface="Arial" panose="020B0604020202020204" pitchFamily="34" charset="0"/>
+              </a:rPr>
+              <a:t> </a:t>
+            </a:r>
+            <a:r>
+              <a:rPr lang="de-DE" sz="2000" dirty="0" err="1">
+                <a:latin typeface="Arial" panose="020B0604020202020204" pitchFamily="34" charset="0"/>
+                <a:cs typeface="Arial" panose="020B0604020202020204" pitchFamily="34" charset="0"/>
+              </a:rPr>
+              <a:t>to</a:t>
+            </a:r>
+            <a:r>
+              <a:rPr lang="de-DE" sz="2000" dirty="0">
+                <a:latin typeface="Arial" panose="020B0604020202020204" pitchFamily="34" charset="0"/>
+                <a:cs typeface="Arial" panose="020B0604020202020204" pitchFamily="34" charset="0"/>
+              </a:rPr>
+              <a:t> </a:t>
+            </a:r>
+            <a:r>
+              <a:rPr lang="de-DE" sz="2000" dirty="0" err="1">
+                <a:latin typeface="Arial" panose="020B0604020202020204" pitchFamily="34" charset="0"/>
+                <a:cs typeface="Arial" panose="020B0604020202020204" pitchFamily="34" charset="0"/>
+              </a:rPr>
+              <a:t>buy</a:t>
+            </a:r>
+            <a:r>
+              <a:rPr lang="de-DE" sz="2000" dirty="0">
+                <a:latin typeface="Arial" panose="020B0604020202020204" pitchFamily="34" charset="0"/>
+                <a:cs typeface="Arial" panose="020B0604020202020204" pitchFamily="34" charset="0"/>
+              </a:rPr>
+              <a:t> </a:t>
+            </a:r>
+            <a:r>
+              <a:rPr lang="de-DE" sz="2000" dirty="0" err="1">
+                <a:latin typeface="Arial" panose="020B0604020202020204" pitchFamily="34" charset="0"/>
+                <a:cs typeface="Arial" panose="020B0604020202020204" pitchFamily="34" charset="0"/>
+              </a:rPr>
+              <a:t>historical</a:t>
+            </a:r>
+            <a:r>
+              <a:rPr lang="de-DE" sz="2000" dirty="0">
+                <a:latin typeface="Arial" panose="020B0604020202020204" pitchFamily="34" charset="0"/>
+                <a:cs typeface="Arial" panose="020B0604020202020204" pitchFamily="34" charset="0"/>
+              </a:rPr>
+              <a:t> </a:t>
+            </a:r>
+            <a:r>
+              <a:rPr lang="de-DE" sz="2000" dirty="0" err="1">
+                <a:latin typeface="Arial" panose="020B0604020202020204" pitchFamily="34" charset="0"/>
+                <a:cs typeface="Arial" panose="020B0604020202020204" pitchFamily="34" charset="0"/>
+              </a:rPr>
+              <a:t>houses</a:t>
+            </a:r>
+            <a:r>
+              <a:rPr lang="de-DE" sz="2000" dirty="0">
+                <a:latin typeface="Arial" panose="020B0604020202020204" pitchFamily="34" charset="0"/>
+                <a:cs typeface="Arial" panose="020B0604020202020204" pitchFamily="34" charset="0"/>
+              </a:rPr>
+              <a:t> </a:t>
+            </a:r>
+            <a:r>
+              <a:rPr lang="de-DE" sz="2000" dirty="0" err="1">
+                <a:latin typeface="Arial" panose="020B0604020202020204" pitchFamily="34" charset="0"/>
+                <a:cs typeface="Arial" panose="020B0604020202020204" pitchFamily="34" charset="0"/>
+              </a:rPr>
+              <a:t>seems</a:t>
+            </a:r>
+            <a:r>
+              <a:rPr lang="de-DE" sz="2000" dirty="0">
+                <a:latin typeface="Arial" panose="020B0604020202020204" pitchFamily="34" charset="0"/>
+                <a:cs typeface="Arial" panose="020B0604020202020204" pitchFamily="34" charset="0"/>
+              </a:rPr>
+              <a:t> </a:t>
+            </a:r>
+            <a:r>
+              <a:rPr lang="de-DE" sz="2000" dirty="0" err="1">
+                <a:latin typeface="Arial" panose="020B0604020202020204" pitchFamily="34" charset="0"/>
+                <a:cs typeface="Arial" panose="020B0604020202020204" pitchFamily="34" charset="0"/>
+              </a:rPr>
+              <a:t>to</a:t>
+            </a:r>
+            <a:r>
+              <a:rPr lang="de-DE" sz="2000" dirty="0">
+                <a:latin typeface="Arial" panose="020B0604020202020204" pitchFamily="34" charset="0"/>
+                <a:cs typeface="Arial" panose="020B0604020202020204" pitchFamily="34" charset="0"/>
+              </a:rPr>
+              <a:t> </a:t>
+            </a:r>
+            <a:r>
+              <a:rPr lang="de-DE" sz="2000" dirty="0" err="1">
+                <a:latin typeface="Arial" panose="020B0604020202020204" pitchFamily="34" charset="0"/>
+                <a:cs typeface="Arial" panose="020B0604020202020204" pitchFamily="34" charset="0"/>
+              </a:rPr>
+              <a:t>be</a:t>
+            </a:r>
+            <a:r>
+              <a:rPr lang="de-DE" sz="2000" dirty="0">
+                <a:latin typeface="Arial" panose="020B0604020202020204" pitchFamily="34" charset="0"/>
+                <a:cs typeface="Arial" panose="020B0604020202020204" pitchFamily="34" charset="0"/>
+              </a:rPr>
+              <a:t>: 47.4</a:t>
+            </a:r>
+            <a:r>
+              <a:rPr lang="en-DE" sz="2000" i="0" u="none" strike="noStrike" dirty="0">
+                <a:effectLst/>
+                <a:latin typeface="Arial" panose="020B0604020202020204" pitchFamily="34" charset="0"/>
+              </a:rPr>
+              <a:t>°</a:t>
+            </a:r>
+            <a:r>
+              <a:rPr lang="de-DE" sz="2000" dirty="0">
+                <a:latin typeface="Arial" panose="020B0604020202020204" pitchFamily="34" charset="0"/>
+                <a:cs typeface="Arial" panose="020B0604020202020204" pitchFamily="34" charset="0"/>
+              </a:rPr>
+              <a:t> – 47.8</a:t>
+            </a:r>
+            <a:r>
+              <a:rPr lang="en-DE" sz="2000" i="0" u="none" strike="noStrike" dirty="0">
+                <a:effectLst/>
+                <a:latin typeface="Arial" panose="020B0604020202020204" pitchFamily="34" charset="0"/>
+              </a:rPr>
+              <a:t>° latidude / -122.2° </a:t>
+            </a:r>
+            <a:r>
+              <a:rPr lang="de-DE" sz="2000" dirty="0">
+                <a:latin typeface="Arial" panose="020B0604020202020204" pitchFamily="34" charset="0"/>
+                <a:cs typeface="Arial" panose="020B0604020202020204" pitchFamily="34" charset="0"/>
+              </a:rPr>
+              <a:t>– -122.4</a:t>
+            </a:r>
+            <a:r>
+              <a:rPr lang="en-DE" sz="2000" i="0" u="none" strike="noStrike" dirty="0">
+                <a:effectLst/>
+                <a:latin typeface="Arial" panose="020B0604020202020204" pitchFamily="34" charset="0"/>
+              </a:rPr>
+              <a:t>° longitude.</a:t>
             </a:r>
             <a:endParaRPr lang="en-DE" sz="2000" dirty="0">
-              <a:solidFill>
-                <a:schemeClr val="bg1"/>
-              </a:solidFill>
               <a:latin typeface="Arial" panose="020B0604020202020204" pitchFamily="34" charset="0"/>
               <a:cs typeface="Arial" panose="020B0604020202020204" pitchFamily="34" charset="0"/>
             </a:endParaRPr>
@@ -5843,13 +8064,136 @@
     </p:spTree>
     <p:extLst>
       <p:ext uri="{BB962C8B-B14F-4D97-AF65-F5344CB8AC3E}">
-        <p14:creationId xmlns:p14="http://schemas.microsoft.com/office/powerpoint/2010/main" val="3431408446"/>
+        <p14:creationId xmlns:p14="http://schemas.microsoft.com/office/powerpoint/2010/main" val="3604685358"/>
       </p:ext>
     </p:extLst>
   </p:cSld>
   <p:clrMapOvr>
     <a:masterClrMapping/>
   </p:clrMapOvr>
+  <p:timing>
+    <p:tnLst>
+      <p:par>
+        <p:cTn id="1" dur="indefinite" restart="never" nodeType="tmRoot">
+          <p:childTnLst>
+            <p:seq concurrent="1" nextAc="seek">
+              <p:cTn id="2" dur="indefinite" nodeType="mainSeq">
+                <p:childTnLst>
+                  <p:par>
+                    <p:cTn id="3" fill="hold">
+                      <p:stCondLst>
+                        <p:cond delay="indefinite"/>
+                      </p:stCondLst>
+                      <p:childTnLst>
+                        <p:par>
+                          <p:cTn id="4" fill="hold">
+                            <p:stCondLst>
+                              <p:cond delay="0"/>
+                            </p:stCondLst>
+                            <p:childTnLst>
+                              <p:par>
+                                <p:cTn id="5" presetID="1" presetClass="entr" presetSubtype="0" fill="hold" nodeType="clickEffect">
+                                  <p:stCondLst>
+                                    <p:cond delay="0"/>
+                                  </p:stCondLst>
+                                  <p:childTnLst>
+                                    <p:set>
+                                      <p:cBhvr>
+                                        <p:cTn id="6" dur="1" fill="hold">
+                                          <p:stCondLst>
+                                            <p:cond delay="0"/>
+                                          </p:stCondLst>
+                                        </p:cTn>
+                                        <p:tgtEl>
+                                          <p:spTgt spid="6"/>
+                                        </p:tgtEl>
+                                        <p:attrNameLst>
+                                          <p:attrName>style.visibility</p:attrName>
+                                        </p:attrNameLst>
+                                      </p:cBhvr>
+                                      <p:to>
+                                        <p:strVal val="visible"/>
+                                      </p:to>
+                                    </p:set>
+                                  </p:childTnLst>
+                                </p:cTn>
+                              </p:par>
+                            </p:childTnLst>
+                          </p:cTn>
+                        </p:par>
+                      </p:childTnLst>
+                    </p:cTn>
+                  </p:par>
+                  <p:par>
+                    <p:cTn id="7" fill="hold">
+                      <p:stCondLst>
+                        <p:cond delay="indefinite"/>
+                      </p:stCondLst>
+                      <p:childTnLst>
+                        <p:par>
+                          <p:cTn id="8" fill="hold">
+                            <p:stCondLst>
+                              <p:cond delay="0"/>
+                            </p:stCondLst>
+                            <p:childTnLst>
+                              <p:par>
+                                <p:cTn id="9" presetID="1" presetClass="entr" presetSubtype="0" fill="hold" grpId="0" nodeType="clickEffect">
+                                  <p:stCondLst>
+                                    <p:cond delay="0"/>
+                                  </p:stCondLst>
+                                  <p:childTnLst>
+                                    <p:set>
+                                      <p:cBhvr>
+                                        <p:cTn id="10" dur="1" fill="hold">
+                                          <p:stCondLst>
+                                            <p:cond delay="0"/>
+                                          </p:stCondLst>
+                                        </p:cTn>
+                                        <p:tgtEl>
+                                          <p:spTgt spid="12"/>
+                                        </p:tgtEl>
+                                        <p:attrNameLst>
+                                          <p:attrName>style.visibility</p:attrName>
+                                        </p:attrNameLst>
+                                      </p:cBhvr>
+                                      <p:to>
+                                        <p:strVal val="visible"/>
+                                      </p:to>
+                                    </p:set>
+                                  </p:childTnLst>
+                                </p:cTn>
+                              </p:par>
+                            </p:childTnLst>
+                          </p:cTn>
+                        </p:par>
+                      </p:childTnLst>
+                    </p:cTn>
+                  </p:par>
+                </p:childTnLst>
+              </p:cTn>
+              <p:prevCondLst>
+                <p:cond evt="onPrev" delay="0">
+                  <p:tgtEl>
+                    <p:sldTgt/>
+                  </p:tgtEl>
+                </p:cond>
+              </p:prevCondLst>
+              <p:nextCondLst>
+                <p:cond evt="onNext" delay="0">
+                  <p:tgtEl>
+                    <p:sldTgt/>
+                  </p:tgtEl>
+                </p:cond>
+              </p:nextCondLst>
+            </p:seq>
+          </p:childTnLst>
+        </p:cTn>
+      </p:par>
+    </p:tnLst>
+    <p:bldLst>
+      <p:bldP spid="12" grpId="0" animBg="1"/>
+    </p:bldLst>
+  </p:timing>
 </p:sld>
 </file>
 
@@ -5898,77 +8242,208 @@
                 <a:latin typeface="Arial" panose="020B0604020202020204" pitchFamily="34" charset="0"/>
                 <a:cs typeface="Arial" panose="020B0604020202020204" pitchFamily="34" charset="0"/>
               </a:rPr>
-              <a:t>What could be the best months to buy and sell historical houses?</a:t>
-            </a:r>
+              <a:t>What could be the best neighbourhoods to buy historical houses?</a:t>
+            </a:r>
+            <a:endParaRPr lang="en-DE" sz="3000" dirty="0"/>
           </a:p>
         </p:txBody>
       </p:sp>
-      <p:pic>
-        <p:nvPicPr>
-          <p:cNvPr id="5" name="Picture 4" descr="A graph of a house&#10;&#10;Description automatically generated">
-            <a:extLst>
-              <a:ext uri="{FF2B5EF4-FFF2-40B4-BE49-F238E27FC236}">
-                <a16:creationId xmlns:a16="http://schemas.microsoft.com/office/drawing/2014/main" id="{11BE0473-08AC-FBA8-C0A2-750D73A707E6}"/>
-              </a:ext>
-            </a:extLst>
-          </p:cNvPr>
-          <p:cNvPicPr>
-            <a:picLocks noChangeAspect="1"/>
-          </p:cNvPicPr>
+      <p:grpSp>
+        <p:nvGrpSpPr>
+          <p:cNvPr id="3" name="Group 2">
+            <a:extLst>
+              <a:ext uri="{FF2B5EF4-FFF2-40B4-BE49-F238E27FC236}">
+                <a16:creationId xmlns:a16="http://schemas.microsoft.com/office/drawing/2014/main" id="{DEE0F2DD-4646-110B-8C70-E05D11A9C583}"/>
+              </a:ext>
+            </a:extLst>
+          </p:cNvPr>
+          <p:cNvGrpSpPr/>
           <p:nvPr/>
-        </p:nvPicPr>
-        <p:blipFill>
-          <a:blip r:embed="rId2"/>
-          <a:stretch>
-            <a:fillRect/>
-          </a:stretch>
-        </p:blipFill>
-        <p:spPr>
+        </p:nvGrpSpPr>
+        <p:grpSpPr>
           <a:xfrm>
-            <a:off x="4578980" y="2312944"/>
-            <a:ext cx="4320000" cy="3240000"/>
+            <a:off x="408773" y="1807423"/>
+            <a:ext cx="4320000" cy="3742443"/>
+            <a:chOff x="408773" y="1807423"/>
+            <a:chExt cx="4320000" cy="3742443"/>
           </a:xfrm>
-          <a:prstGeom prst="rect">
-            <a:avLst/>
-          </a:prstGeom>
-        </p:spPr>
-      </p:pic>
-      <p:pic>
-        <p:nvPicPr>
-          <p:cNvPr id="7" name="Picture 6" descr="A graph of a house&#10;&#10;Description automatically generated">
-            <a:extLst>
-              <a:ext uri="{FF2B5EF4-FFF2-40B4-BE49-F238E27FC236}">
-                <a16:creationId xmlns:a16="http://schemas.microsoft.com/office/drawing/2014/main" id="{375A2136-153C-6238-39A8-E62DCA35F97E}"/>
-              </a:ext>
-            </a:extLst>
-          </p:cNvPr>
-          <p:cNvPicPr>
-            <a:picLocks noChangeAspect="1"/>
-          </p:cNvPicPr>
+        </p:grpSpPr>
+        <p:pic>
+          <p:nvPicPr>
+            <p:cNvPr id="17" name="Picture 16" descr="A graph of a house&#10;&#10;Description automatically generated">
+              <a:extLst>
+                <a:ext uri="{FF2B5EF4-FFF2-40B4-BE49-F238E27FC236}">
+                  <a16:creationId xmlns:a16="http://schemas.microsoft.com/office/drawing/2014/main" id="{1E44FDC9-E181-3953-DCA3-3718DE97777E}"/>
+                </a:ext>
+              </a:extLst>
+            </p:cNvPr>
+            <p:cNvPicPr>
+              <a:picLocks noChangeAspect="1"/>
+            </p:cNvPicPr>
+            <p:nvPr/>
+          </p:nvPicPr>
+          <p:blipFill>
+            <a:blip r:embed="rId2"/>
+            <a:stretch>
+              <a:fillRect/>
+            </a:stretch>
+          </p:blipFill>
+          <p:spPr>
+            <a:xfrm>
+              <a:off x="408773" y="2309866"/>
+              <a:ext cx="4320000" cy="3240000"/>
+            </a:xfrm>
+            <a:prstGeom prst="rect">
+              <a:avLst/>
+            </a:prstGeom>
+          </p:spPr>
+        </p:pic>
+        <p:sp>
+          <p:nvSpPr>
+            <p:cNvPr id="20" name="TextBox 19">
+              <a:extLst>
+                <a:ext uri="{FF2B5EF4-FFF2-40B4-BE49-F238E27FC236}">
+                  <a16:creationId xmlns:a16="http://schemas.microsoft.com/office/drawing/2014/main" id="{936D4A4B-2266-C6D6-2307-A6898184CC50}"/>
+                </a:ext>
+              </a:extLst>
+            </p:cNvPr>
+            <p:cNvSpPr txBox="1"/>
+            <p:nvPr/>
+          </p:nvSpPr>
+          <p:spPr>
+            <a:xfrm>
+              <a:off x="682846" y="1807423"/>
+              <a:ext cx="3600000" cy="400110"/>
+            </a:xfrm>
+            <a:prstGeom prst="rect">
+              <a:avLst/>
+            </a:prstGeom>
+            <a:solidFill>
+              <a:srgbClr val="00B186"/>
+            </a:solidFill>
+          </p:spPr>
+          <p:txBody>
+            <a:bodyPr wrap="square" rtlCol="0">
+              <a:spAutoFit/>
+            </a:bodyPr>
+            <a:lstStyle/>
+            <a:p>
+              <a:pPr algn="ctr"/>
+              <a:r>
+                <a:rPr lang="en-DE" sz="2000" dirty="0">
+                  <a:solidFill>
+                    <a:schemeClr val="bg1"/>
+                  </a:solidFill>
+                  <a:latin typeface="Arial" panose="020B0604020202020204" pitchFamily="34" charset="0"/>
+                  <a:cs typeface="Arial" panose="020B0604020202020204" pitchFamily="34" charset="0"/>
+                </a:rPr>
+                <a:t>Historical house count (best)</a:t>
+              </a:r>
+            </a:p>
+          </p:txBody>
+        </p:sp>
+      </p:grpSp>
+      <p:grpSp>
+        <p:nvGrpSpPr>
+          <p:cNvPr id="4" name="Group 3">
+            <a:extLst>
+              <a:ext uri="{FF2B5EF4-FFF2-40B4-BE49-F238E27FC236}">
+                <a16:creationId xmlns:a16="http://schemas.microsoft.com/office/drawing/2014/main" id="{EF43A4E5-63C7-7BA1-C776-239E9BEA30A1}"/>
+              </a:ext>
+            </a:extLst>
+          </p:cNvPr>
+          <p:cNvGrpSpPr/>
           <p:nvPr/>
-        </p:nvPicPr>
-        <p:blipFill>
-          <a:blip r:embed="rId3"/>
-          <a:stretch>
-            <a:fillRect/>
-          </a:stretch>
-        </p:blipFill>
-        <p:spPr>
+        </p:nvGrpSpPr>
+        <p:grpSpPr>
           <a:xfrm>
-            <a:off x="254755" y="2312944"/>
-            <a:ext cx="4320000" cy="3240000"/>
+            <a:off x="4862982" y="1807423"/>
+            <a:ext cx="3600000" cy="3670432"/>
+            <a:chOff x="4862982" y="1807423"/>
+            <a:chExt cx="3600000" cy="3670432"/>
           </a:xfrm>
-          <a:prstGeom prst="rect">
-            <a:avLst/>
-          </a:prstGeom>
-        </p:spPr>
-      </p:pic>
+        </p:grpSpPr>
+        <p:pic>
+          <p:nvPicPr>
+            <p:cNvPr id="13" name="Picture 12" descr="A graph of a graph showing a line of a line&#10;&#10;Description automatically generated with medium confidence">
+              <a:extLst>
+                <a:ext uri="{FF2B5EF4-FFF2-40B4-BE49-F238E27FC236}">
+                  <a16:creationId xmlns:a16="http://schemas.microsoft.com/office/drawing/2014/main" id="{89B5C5FD-0229-4FE9-A22A-6FA8AC8255CF}"/>
+                </a:ext>
+              </a:extLst>
+            </p:cNvPr>
+            <p:cNvPicPr>
+              <a:picLocks noChangeAspect="1"/>
+            </p:cNvPicPr>
+            <p:nvPr/>
+          </p:nvPicPr>
+          <p:blipFill>
+            <a:blip r:embed="rId3"/>
+            <a:stretch>
+              <a:fillRect/>
+            </a:stretch>
+          </p:blipFill>
+          <p:spPr>
+            <a:xfrm>
+              <a:off x="4946131" y="2237855"/>
+              <a:ext cx="3400472" cy="3240000"/>
+            </a:xfrm>
+            <a:prstGeom prst="rect">
+              <a:avLst/>
+            </a:prstGeom>
+          </p:spPr>
+        </p:pic>
+        <p:sp>
+          <p:nvSpPr>
+            <p:cNvPr id="21" name="TextBox 20">
+              <a:extLst>
+                <a:ext uri="{FF2B5EF4-FFF2-40B4-BE49-F238E27FC236}">
+                  <a16:creationId xmlns:a16="http://schemas.microsoft.com/office/drawing/2014/main" id="{CB2676C2-4272-DA76-8122-240F18172D59}"/>
+                </a:ext>
+              </a:extLst>
+            </p:cNvPr>
+            <p:cNvSpPr txBox="1"/>
+            <p:nvPr/>
+          </p:nvSpPr>
+          <p:spPr>
+            <a:xfrm>
+              <a:off x="4862982" y="1807423"/>
+              <a:ext cx="3600000" cy="400110"/>
+            </a:xfrm>
+            <a:prstGeom prst="rect">
+              <a:avLst/>
+            </a:prstGeom>
+            <a:solidFill>
+              <a:srgbClr val="00B186"/>
+            </a:solidFill>
+          </p:spPr>
+          <p:txBody>
+            <a:bodyPr wrap="square" rtlCol="0">
+              <a:spAutoFit/>
+            </a:bodyPr>
+            <a:lstStyle/>
+            <a:p>
+              <a:pPr algn="ctr"/>
+              <a:r>
+                <a:rPr lang="en-DE" sz="2000" dirty="0">
+                  <a:solidFill>
+                    <a:schemeClr val="bg1"/>
+                  </a:solidFill>
+                  <a:latin typeface="Arial" panose="020B0604020202020204" pitchFamily="34" charset="0"/>
+                  <a:cs typeface="Arial" panose="020B0604020202020204" pitchFamily="34" charset="0"/>
+                </a:rPr>
+                <a:t>Historical house areas (best)</a:t>
+              </a:r>
+            </a:p>
+          </p:txBody>
+        </p:sp>
+      </p:grpSp>
       <p:sp>
         <p:nvSpPr>
-          <p:cNvPr id="8" name="TextBox 7">
-            <a:extLst>
-              <a:ext uri="{FF2B5EF4-FFF2-40B4-BE49-F238E27FC236}">
-                <a16:creationId xmlns:a16="http://schemas.microsoft.com/office/drawing/2014/main" id="{84CFA5A6-5EF4-E95C-350E-F26A1EED5DF8}"/>
+          <p:cNvPr id="23" name="TextBox 22">
+            <a:extLst>
+              <a:ext uri="{FF2B5EF4-FFF2-40B4-BE49-F238E27FC236}">
+                <a16:creationId xmlns:a16="http://schemas.microsoft.com/office/drawing/2014/main" id="{80A7104E-0D25-E486-DEED-2DB402EB76AA}"/>
               </a:ext>
             </a:extLst>
           </p:cNvPr>
@@ -5977,8 +8452,8 @@
         </p:nvSpPr>
         <p:spPr>
           <a:xfrm>
-            <a:off x="682846" y="1807423"/>
-            <a:ext cx="3600000" cy="400110"/>
+            <a:off x="972000" y="5667207"/>
+            <a:ext cx="7199234" cy="1015663"/>
           </a:xfrm>
           <a:prstGeom prst="rect">
             <a:avLst/>
@@ -5995,121 +8470,204 @@
           </a:bodyPr>
           <a:lstStyle/>
           <a:p>
-            <a:pPr algn="ctr"/>
-            <a:r>
-              <a:rPr lang="en-DE" sz="2000" dirty="0">
-                <a:solidFill>
-                  <a:schemeClr val="bg1"/>
-                </a:solidFill>
+            <a:pPr algn="just"/>
+            <a:r>
+              <a:rPr lang="de-DE" sz="2000" dirty="0">
                 <a:latin typeface="Arial" panose="020B0604020202020204" pitchFamily="34" charset="0"/>
                 <a:cs typeface="Arial" panose="020B0604020202020204" pitchFamily="34" charset="0"/>
               </a:rPr>
-              <a:t>Historical houses</a:t>
-            </a:r>
-          </a:p>
-        </p:txBody>
-      </p:sp>
-      <p:sp>
-        <p:nvSpPr>
-          <p:cNvPr id="10" name="TextBox 9">
-            <a:extLst>
-              <a:ext uri="{FF2B5EF4-FFF2-40B4-BE49-F238E27FC236}">
-                <a16:creationId xmlns:a16="http://schemas.microsoft.com/office/drawing/2014/main" id="{197A1580-6FE6-FE53-3E64-D082E4556B21}"/>
-              </a:ext>
-            </a:extLst>
-          </p:cNvPr>
-          <p:cNvSpPr txBox="1"/>
-          <p:nvPr/>
-        </p:nvSpPr>
-        <p:spPr>
-          <a:xfrm>
-            <a:off x="4862982" y="1807423"/>
-            <a:ext cx="3600000" cy="400110"/>
-          </a:xfrm>
-          <a:prstGeom prst="rect">
-            <a:avLst/>
-          </a:prstGeom>
-          <a:solidFill>
-            <a:srgbClr val="00B186"/>
-          </a:solidFill>
-        </p:spPr>
-        <p:txBody>
-          <a:bodyPr wrap="square" rtlCol="0">
-            <a:spAutoFit/>
-          </a:bodyPr>
-          <a:lstStyle/>
-          <a:p>
-            <a:pPr algn="ctr"/>
-            <a:r>
-              <a:rPr lang="en-DE" sz="2000" dirty="0">
-                <a:solidFill>
-                  <a:schemeClr val="bg1"/>
-                </a:solidFill>
+              <a:t>The </a:t>
+            </a:r>
+            <a:r>
+              <a:rPr lang="de-DE" sz="2000" dirty="0" err="1">
                 <a:latin typeface="Arial" panose="020B0604020202020204" pitchFamily="34" charset="0"/>
                 <a:cs typeface="Arial" panose="020B0604020202020204" pitchFamily="34" charset="0"/>
               </a:rPr>
-              <a:t>Historical houses (best)</a:t>
-            </a:r>
-          </a:p>
-        </p:txBody>
-      </p:sp>
-      <p:sp>
-        <p:nvSpPr>
-          <p:cNvPr id="11" name="TextBox 10">
-            <a:extLst>
-              <a:ext uri="{FF2B5EF4-FFF2-40B4-BE49-F238E27FC236}">
-                <a16:creationId xmlns:a16="http://schemas.microsoft.com/office/drawing/2014/main" id="{8B844A9F-3D24-BD1F-83EA-574D6654EA17}"/>
-              </a:ext>
-            </a:extLst>
-          </p:cNvPr>
-          <p:cNvSpPr txBox="1"/>
-          <p:nvPr/>
-        </p:nvSpPr>
-        <p:spPr>
-          <a:xfrm>
-            <a:off x="972000" y="5667207"/>
-            <a:ext cx="7199234" cy="707886"/>
-          </a:xfrm>
-          <a:prstGeom prst="rect">
-            <a:avLst/>
-          </a:prstGeom>
-          <a:solidFill>
-            <a:schemeClr val="bg1">
-              <a:lumMod val="85000"/>
-            </a:schemeClr>
-          </a:solidFill>
-        </p:spPr>
-        <p:txBody>
-          <a:bodyPr wrap="square" rtlCol="0">
-            <a:spAutoFit/>
-          </a:bodyPr>
-          <a:lstStyle/>
-          <a:p>
-            <a:pPr algn="just"/>
-            <a:r>
-              <a:rPr lang="en-DE" sz="2000" dirty="0">
-                <a:solidFill>
-                  <a:schemeClr val="bg1"/>
-                </a:solidFill>
+              <a:t>best</a:t>
+            </a:r>
+            <a:r>
+              <a:rPr lang="de-DE" sz="2000" dirty="0">
                 <a:latin typeface="Arial" panose="020B0604020202020204" pitchFamily="34" charset="0"/>
                 <a:cs typeface="Arial" panose="020B0604020202020204" pitchFamily="34" charset="0"/>
               </a:rPr>
-              <a:t>The best months to buy historical houses are in December (Winter) </a:t>
-            </a:r>
-            <a:r>
-              <a:rPr lang="en-GB" sz="2000" dirty="0">
-                <a:solidFill>
-                  <a:schemeClr val="bg1"/>
-                </a:solidFill>
+              <a:t> </a:t>
+            </a:r>
+            <a:r>
+              <a:rPr lang="de-DE" sz="2000" dirty="0" err="1">
                 <a:latin typeface="Arial" panose="020B0604020202020204" pitchFamily="34" charset="0"/>
                 <a:cs typeface="Arial" panose="020B0604020202020204" pitchFamily="34" charset="0"/>
               </a:rPr>
-              <a:t>and June (Summer).</a:t>
+              <a:t>neighbourhood</a:t>
+            </a:r>
+            <a:r>
+              <a:rPr lang="de-DE" sz="2000" dirty="0">
+                <a:latin typeface="Arial" panose="020B0604020202020204" pitchFamily="34" charset="0"/>
+                <a:cs typeface="Arial" panose="020B0604020202020204" pitchFamily="34" charset="0"/>
+              </a:rPr>
+              <a:t> </a:t>
+            </a:r>
+            <a:r>
+              <a:rPr lang="de-DE" sz="2000" dirty="0" err="1">
+                <a:latin typeface="Arial" panose="020B0604020202020204" pitchFamily="34" charset="0"/>
+                <a:cs typeface="Arial" panose="020B0604020202020204" pitchFamily="34" charset="0"/>
+              </a:rPr>
+              <a:t>to</a:t>
+            </a:r>
+            <a:r>
+              <a:rPr lang="de-DE" sz="2000" dirty="0">
+                <a:latin typeface="Arial" panose="020B0604020202020204" pitchFamily="34" charset="0"/>
+                <a:cs typeface="Arial" panose="020B0604020202020204" pitchFamily="34" charset="0"/>
+              </a:rPr>
+              <a:t> </a:t>
+            </a:r>
+            <a:r>
+              <a:rPr lang="de-DE" sz="2000" dirty="0" err="1">
+                <a:latin typeface="Arial" panose="020B0604020202020204" pitchFamily="34" charset="0"/>
+                <a:cs typeface="Arial" panose="020B0604020202020204" pitchFamily="34" charset="0"/>
+              </a:rPr>
+              <a:t>buy</a:t>
+            </a:r>
+            <a:r>
+              <a:rPr lang="de-DE" sz="2000" dirty="0">
+                <a:latin typeface="Arial" panose="020B0604020202020204" pitchFamily="34" charset="0"/>
+                <a:cs typeface="Arial" panose="020B0604020202020204" pitchFamily="34" charset="0"/>
+              </a:rPr>
+              <a:t> </a:t>
+            </a:r>
+            <a:r>
+              <a:rPr lang="de-DE" sz="2000" dirty="0" err="1">
+                <a:latin typeface="Arial" panose="020B0604020202020204" pitchFamily="34" charset="0"/>
+                <a:cs typeface="Arial" panose="020B0604020202020204" pitchFamily="34" charset="0"/>
+              </a:rPr>
+              <a:t>the</a:t>
+            </a:r>
+            <a:r>
+              <a:rPr lang="de-DE" sz="2000" dirty="0">
+                <a:latin typeface="Arial" panose="020B0604020202020204" pitchFamily="34" charset="0"/>
+                <a:cs typeface="Arial" panose="020B0604020202020204" pitchFamily="34" charset="0"/>
+              </a:rPr>
+              <a:t> </a:t>
+            </a:r>
+            <a:r>
+              <a:rPr lang="de-DE" sz="2000" dirty="0" err="1">
+                <a:latin typeface="Arial" panose="020B0604020202020204" pitchFamily="34" charset="0"/>
+                <a:cs typeface="Arial" panose="020B0604020202020204" pitchFamily="34" charset="0"/>
+              </a:rPr>
+              <a:t>best</a:t>
+            </a:r>
+            <a:r>
+              <a:rPr lang="de-DE" sz="2000" dirty="0">
+                <a:latin typeface="Arial" panose="020B0604020202020204" pitchFamily="34" charset="0"/>
+                <a:cs typeface="Arial" panose="020B0604020202020204" pitchFamily="34" charset="0"/>
+              </a:rPr>
+              <a:t> </a:t>
+            </a:r>
+            <a:r>
+              <a:rPr lang="de-DE" sz="2000" dirty="0" err="1">
+                <a:latin typeface="Arial" panose="020B0604020202020204" pitchFamily="34" charset="0"/>
+                <a:cs typeface="Arial" panose="020B0604020202020204" pitchFamily="34" charset="0"/>
+              </a:rPr>
+              <a:t>historical</a:t>
+            </a:r>
+            <a:r>
+              <a:rPr lang="de-DE" sz="2000" dirty="0">
+                <a:latin typeface="Arial" panose="020B0604020202020204" pitchFamily="34" charset="0"/>
+                <a:cs typeface="Arial" panose="020B0604020202020204" pitchFamily="34" charset="0"/>
+              </a:rPr>
+              <a:t> </a:t>
+            </a:r>
+            <a:r>
+              <a:rPr lang="de-DE" sz="2000" dirty="0" err="1">
+                <a:latin typeface="Arial" panose="020B0604020202020204" pitchFamily="34" charset="0"/>
+                <a:cs typeface="Arial" panose="020B0604020202020204" pitchFamily="34" charset="0"/>
+              </a:rPr>
+              <a:t>houses</a:t>
+            </a:r>
+            <a:r>
+              <a:rPr lang="de-DE" sz="2000" dirty="0">
+                <a:latin typeface="Arial" panose="020B0604020202020204" pitchFamily="34" charset="0"/>
+                <a:cs typeface="Arial" panose="020B0604020202020204" pitchFamily="34" charset="0"/>
+              </a:rPr>
+              <a:t> </a:t>
+            </a:r>
+            <a:r>
+              <a:rPr lang="de-DE" sz="2000" dirty="0" err="1">
+                <a:latin typeface="Arial" panose="020B0604020202020204" pitchFamily="34" charset="0"/>
+                <a:cs typeface="Arial" panose="020B0604020202020204" pitchFamily="34" charset="0"/>
+              </a:rPr>
+              <a:t>seems</a:t>
+            </a:r>
+            <a:r>
+              <a:rPr lang="de-DE" sz="2000" dirty="0">
+                <a:latin typeface="Arial" panose="020B0604020202020204" pitchFamily="34" charset="0"/>
+                <a:cs typeface="Arial" panose="020B0604020202020204" pitchFamily="34" charset="0"/>
+              </a:rPr>
+              <a:t> </a:t>
+            </a:r>
+            <a:r>
+              <a:rPr lang="de-DE" sz="2000" dirty="0" err="1">
+                <a:latin typeface="Arial" panose="020B0604020202020204" pitchFamily="34" charset="0"/>
+                <a:cs typeface="Arial" panose="020B0604020202020204" pitchFamily="34" charset="0"/>
+              </a:rPr>
+              <a:t>to</a:t>
+            </a:r>
+            <a:r>
+              <a:rPr lang="de-DE" sz="2000" dirty="0">
+                <a:latin typeface="Arial" panose="020B0604020202020204" pitchFamily="34" charset="0"/>
+                <a:cs typeface="Arial" panose="020B0604020202020204" pitchFamily="34" charset="0"/>
+              </a:rPr>
+              <a:t> </a:t>
+            </a:r>
+            <a:r>
+              <a:rPr lang="de-DE" sz="2000" dirty="0" err="1">
+                <a:latin typeface="Arial" panose="020B0604020202020204" pitchFamily="34" charset="0"/>
+                <a:cs typeface="Arial" panose="020B0604020202020204" pitchFamily="34" charset="0"/>
+              </a:rPr>
+              <a:t>be</a:t>
+            </a:r>
+            <a:r>
+              <a:rPr lang="de-DE" sz="2000" dirty="0">
+                <a:latin typeface="Arial" panose="020B0604020202020204" pitchFamily="34" charset="0"/>
+                <a:cs typeface="Arial" panose="020B0604020202020204" pitchFamily="34" charset="0"/>
+              </a:rPr>
+              <a:t>: 47.5</a:t>
+            </a:r>
+            <a:r>
+              <a:rPr lang="en-DE" sz="2000" i="0" u="none" strike="noStrike" dirty="0">
+                <a:effectLst/>
+                <a:latin typeface="Arial" panose="020B0604020202020204" pitchFamily="34" charset="0"/>
+              </a:rPr>
+              <a:t>°</a:t>
+            </a:r>
+            <a:r>
+              <a:rPr lang="de-DE" sz="2000" dirty="0">
+                <a:latin typeface="Arial" panose="020B0604020202020204" pitchFamily="34" charset="0"/>
+                <a:cs typeface="Arial" panose="020B0604020202020204" pitchFamily="34" charset="0"/>
+              </a:rPr>
+              <a:t> – 47.7</a:t>
+            </a:r>
+            <a:r>
+              <a:rPr lang="en-DE" sz="2000" i="0" u="none" strike="noStrike" dirty="0">
+                <a:effectLst/>
+                <a:latin typeface="Arial" panose="020B0604020202020204" pitchFamily="34" charset="0"/>
+              </a:rPr>
+              <a:t>° latidude / -122.2° </a:t>
+            </a:r>
+            <a:r>
+              <a:rPr lang="de-DE" sz="2000" dirty="0">
+                <a:latin typeface="Arial" panose="020B0604020202020204" pitchFamily="34" charset="0"/>
+                <a:cs typeface="Arial" panose="020B0604020202020204" pitchFamily="34" charset="0"/>
+              </a:rPr>
+              <a:t>– -122.4</a:t>
+            </a:r>
+            <a:r>
+              <a:rPr lang="en-DE" sz="2000" i="0" u="none" strike="noStrike" dirty="0">
+                <a:effectLst/>
+                <a:latin typeface="Arial" panose="020B0604020202020204" pitchFamily="34" charset="0"/>
+              </a:rPr>
+              <a:t>° longitude.</a:t>
             </a:r>
             <a:endParaRPr lang="en-DE" sz="2000" dirty="0">
-              <a:solidFill>
-                <a:schemeClr val="bg1"/>
-              </a:solidFill>
               <a:latin typeface="Arial" panose="020B0604020202020204" pitchFamily="34" charset="0"/>
               <a:cs typeface="Arial" panose="020B0604020202020204" pitchFamily="34" charset="0"/>
             </a:endParaRPr>
@@ -6119,13 +8677,136 @@
     </p:spTree>
     <p:extLst>
       <p:ext uri="{BB962C8B-B14F-4D97-AF65-F5344CB8AC3E}">
-        <p14:creationId xmlns:p14="http://schemas.microsoft.com/office/powerpoint/2010/main" val="2466991527"/>
+        <p14:creationId xmlns:p14="http://schemas.microsoft.com/office/powerpoint/2010/main" val="3431408446"/>
       </p:ext>
     </p:extLst>
   </p:cSld>
   <p:clrMapOvr>
     <a:masterClrMapping/>
   </p:clrMapOvr>
+  <p:timing>
+    <p:tnLst>
+      <p:par>
+        <p:cTn id="1" dur="indefinite" restart="never" nodeType="tmRoot">
+          <p:childTnLst>
+            <p:seq concurrent="1" nextAc="seek">
+              <p:cTn id="2" dur="indefinite" nodeType="mainSeq">
+                <p:childTnLst>
+                  <p:par>
+                    <p:cTn id="3" fill="hold">
+                      <p:stCondLst>
+                        <p:cond delay="indefinite"/>
+                      </p:stCondLst>
+                      <p:childTnLst>
+                        <p:par>
+                          <p:cTn id="4" fill="hold">
+                            <p:stCondLst>
+                              <p:cond delay="0"/>
+                            </p:stCondLst>
+                            <p:childTnLst>
+                              <p:par>
+                                <p:cTn id="5" presetID="1" presetClass="entr" presetSubtype="0" fill="hold" nodeType="clickEffect">
+                                  <p:stCondLst>
+                                    <p:cond delay="0"/>
+                                  </p:stCondLst>
+                                  <p:childTnLst>
+                                    <p:set>
+                                      <p:cBhvr>
+                                        <p:cTn id="6" dur="1" fill="hold">
+                                          <p:stCondLst>
+                                            <p:cond delay="0"/>
+                                          </p:stCondLst>
+                                        </p:cTn>
+                                        <p:tgtEl>
+                                          <p:spTgt spid="4"/>
+                                        </p:tgtEl>
+                                        <p:attrNameLst>
+                                          <p:attrName>style.visibility</p:attrName>
+                                        </p:attrNameLst>
+                                      </p:cBhvr>
+                                      <p:to>
+                                        <p:strVal val="visible"/>
+                                      </p:to>
+                                    </p:set>
+                                  </p:childTnLst>
+                                </p:cTn>
+                              </p:par>
+                            </p:childTnLst>
+                          </p:cTn>
+                        </p:par>
+                      </p:childTnLst>
+                    </p:cTn>
+                  </p:par>
+                  <p:par>
+                    <p:cTn id="7" fill="hold">
+                      <p:stCondLst>
+                        <p:cond delay="indefinite"/>
+                      </p:stCondLst>
+                      <p:childTnLst>
+                        <p:par>
+                          <p:cTn id="8" fill="hold">
+                            <p:stCondLst>
+                              <p:cond delay="0"/>
+                            </p:stCondLst>
+                            <p:childTnLst>
+                              <p:par>
+                                <p:cTn id="9" presetID="1" presetClass="entr" presetSubtype="0" fill="hold" grpId="0" nodeType="clickEffect">
+                                  <p:stCondLst>
+                                    <p:cond delay="0"/>
+                                  </p:stCondLst>
+                                  <p:childTnLst>
+                                    <p:set>
+                                      <p:cBhvr>
+                                        <p:cTn id="10" dur="1" fill="hold">
+                                          <p:stCondLst>
+                                            <p:cond delay="0"/>
+                                          </p:stCondLst>
+                                        </p:cTn>
+                                        <p:tgtEl>
+                                          <p:spTgt spid="23"/>
+                                        </p:tgtEl>
+                                        <p:attrNameLst>
+                                          <p:attrName>style.visibility</p:attrName>
+                                        </p:attrNameLst>
+                                      </p:cBhvr>
+                                      <p:to>
+                                        <p:strVal val="visible"/>
+                                      </p:to>
+                                    </p:set>
+                                  </p:childTnLst>
+                                </p:cTn>
+                              </p:par>
+                            </p:childTnLst>
+                          </p:cTn>
+                        </p:par>
+                      </p:childTnLst>
+                    </p:cTn>
+                  </p:par>
+                </p:childTnLst>
+              </p:cTn>
+              <p:prevCondLst>
+                <p:cond evt="onPrev" delay="0">
+                  <p:tgtEl>
+                    <p:sldTgt/>
+                  </p:tgtEl>
+                </p:cond>
+              </p:prevCondLst>
+              <p:nextCondLst>
+                <p:cond evt="onNext" delay="0">
+                  <p:tgtEl>
+                    <p:sldTgt/>
+                  </p:tgtEl>
+                </p:cond>
+              </p:nextCondLst>
+            </p:seq>
+          </p:childTnLst>
+        </p:cTn>
+      </p:par>
+    </p:tnLst>
+    <p:bldLst>
+      <p:bldP spid="23" grpId="0" animBg="1"/>
+    </p:bldLst>
+  </p:timing>
 </p:sld>
 </file>
 
@@ -6164,48 +8845,400 @@
         </p:nvSpPr>
         <p:spPr/>
         <p:txBody>
-          <a:bodyPr/>
+          <a:bodyPr>
+            <a:normAutofit/>
+          </a:bodyPr>
           <a:lstStyle/>
           <a:p>
-            <a:endParaRPr lang="en-DE" dirty="0"/>
+            <a:r>
+              <a:rPr lang="en-DE" sz="3000" dirty="0">
+                <a:latin typeface="Arial" panose="020B0604020202020204" pitchFamily="34" charset="0"/>
+                <a:cs typeface="Arial" panose="020B0604020202020204" pitchFamily="34" charset="0"/>
+              </a:rPr>
+              <a:t>What could be the best time to buy historical houses?</a:t>
+            </a:r>
           </a:p>
         </p:txBody>
       </p:sp>
+      <p:grpSp>
+        <p:nvGrpSpPr>
+          <p:cNvPr id="3" name="Group 2">
+            <a:extLst>
+              <a:ext uri="{FF2B5EF4-FFF2-40B4-BE49-F238E27FC236}">
+                <a16:creationId xmlns:a16="http://schemas.microsoft.com/office/drawing/2014/main" id="{779808A4-1887-DDAE-3BE5-1486EBA0A9FC}"/>
+              </a:ext>
+            </a:extLst>
+          </p:cNvPr>
+          <p:cNvGrpSpPr/>
+          <p:nvPr/>
+        </p:nvGrpSpPr>
+        <p:grpSpPr>
+          <a:xfrm>
+            <a:off x="254755" y="1807423"/>
+            <a:ext cx="4320000" cy="3745521"/>
+            <a:chOff x="254755" y="1807423"/>
+            <a:chExt cx="4320000" cy="3745521"/>
+          </a:xfrm>
+        </p:grpSpPr>
+        <p:pic>
+          <p:nvPicPr>
+            <p:cNvPr id="7" name="Picture 6" descr="A graph of a house&#10;&#10;Description automatically generated">
+              <a:extLst>
+                <a:ext uri="{FF2B5EF4-FFF2-40B4-BE49-F238E27FC236}">
+                  <a16:creationId xmlns:a16="http://schemas.microsoft.com/office/drawing/2014/main" id="{375A2136-153C-6238-39A8-E62DCA35F97E}"/>
+                </a:ext>
+              </a:extLst>
+            </p:cNvPr>
+            <p:cNvPicPr>
+              <a:picLocks noChangeAspect="1"/>
+            </p:cNvPicPr>
+            <p:nvPr/>
+          </p:nvPicPr>
+          <p:blipFill>
+            <a:blip r:embed="rId2"/>
+            <a:stretch>
+              <a:fillRect/>
+            </a:stretch>
+          </p:blipFill>
+          <p:spPr>
+            <a:xfrm>
+              <a:off x="254755" y="2312944"/>
+              <a:ext cx="4320000" cy="3240000"/>
+            </a:xfrm>
+            <a:prstGeom prst="rect">
+              <a:avLst/>
+            </a:prstGeom>
+          </p:spPr>
+        </p:pic>
+        <p:sp>
+          <p:nvSpPr>
+            <p:cNvPr id="8" name="TextBox 7">
+              <a:extLst>
+                <a:ext uri="{FF2B5EF4-FFF2-40B4-BE49-F238E27FC236}">
+                  <a16:creationId xmlns:a16="http://schemas.microsoft.com/office/drawing/2014/main" id="{84CFA5A6-5EF4-E95C-350E-F26A1EED5DF8}"/>
+                </a:ext>
+              </a:extLst>
+            </p:cNvPr>
+            <p:cNvSpPr txBox="1"/>
+            <p:nvPr/>
+          </p:nvSpPr>
+          <p:spPr>
+            <a:xfrm>
+              <a:off x="682846" y="1807423"/>
+              <a:ext cx="3600000" cy="400110"/>
+            </a:xfrm>
+            <a:prstGeom prst="rect">
+              <a:avLst/>
+            </a:prstGeom>
+            <a:solidFill>
+              <a:schemeClr val="bg1">
+                <a:lumMod val="85000"/>
+              </a:schemeClr>
+            </a:solidFill>
+          </p:spPr>
+          <p:txBody>
+            <a:bodyPr wrap="square" rtlCol="0">
+              <a:spAutoFit/>
+            </a:bodyPr>
+            <a:lstStyle/>
+            <a:p>
+              <a:pPr algn="ctr"/>
+              <a:r>
+                <a:rPr lang="en-DE" sz="2000" dirty="0">
+                  <a:solidFill>
+                    <a:schemeClr val="bg1"/>
+                  </a:solidFill>
+                  <a:latin typeface="Arial" panose="020B0604020202020204" pitchFamily="34" charset="0"/>
+                  <a:cs typeface="Arial" panose="020B0604020202020204" pitchFamily="34" charset="0"/>
+                </a:rPr>
+                <a:t>Historical houses</a:t>
+              </a:r>
+            </a:p>
+          </p:txBody>
+        </p:sp>
+      </p:grpSp>
+      <p:grpSp>
+        <p:nvGrpSpPr>
+          <p:cNvPr id="4" name="Group 3">
+            <a:extLst>
+              <a:ext uri="{FF2B5EF4-FFF2-40B4-BE49-F238E27FC236}">
+                <a16:creationId xmlns:a16="http://schemas.microsoft.com/office/drawing/2014/main" id="{482BEE6D-53C4-60A4-C100-5D267DF2314F}"/>
+              </a:ext>
+            </a:extLst>
+          </p:cNvPr>
+          <p:cNvGrpSpPr/>
+          <p:nvPr/>
+        </p:nvGrpSpPr>
+        <p:grpSpPr>
+          <a:xfrm>
+            <a:off x="4578980" y="1807423"/>
+            <a:ext cx="4320000" cy="3745521"/>
+            <a:chOff x="4578980" y="1807423"/>
+            <a:chExt cx="4320000" cy="3745521"/>
+          </a:xfrm>
+        </p:grpSpPr>
+        <p:pic>
+          <p:nvPicPr>
+            <p:cNvPr id="5" name="Picture 4" descr="A graph of a house&#10;&#10;Description automatically generated">
+              <a:extLst>
+                <a:ext uri="{FF2B5EF4-FFF2-40B4-BE49-F238E27FC236}">
+                  <a16:creationId xmlns:a16="http://schemas.microsoft.com/office/drawing/2014/main" id="{11BE0473-08AC-FBA8-C0A2-750D73A707E6}"/>
+                </a:ext>
+              </a:extLst>
+            </p:cNvPr>
+            <p:cNvPicPr>
+              <a:picLocks noChangeAspect="1"/>
+            </p:cNvPicPr>
+            <p:nvPr/>
+          </p:nvPicPr>
+          <p:blipFill>
+            <a:blip r:embed="rId3"/>
+            <a:stretch>
+              <a:fillRect/>
+            </a:stretch>
+          </p:blipFill>
+          <p:spPr>
+            <a:xfrm>
+              <a:off x="4578980" y="2312944"/>
+              <a:ext cx="4320000" cy="3240000"/>
+            </a:xfrm>
+            <a:prstGeom prst="rect">
+              <a:avLst/>
+            </a:prstGeom>
+          </p:spPr>
+        </p:pic>
+        <p:sp>
+          <p:nvSpPr>
+            <p:cNvPr id="10" name="TextBox 9">
+              <a:extLst>
+                <a:ext uri="{FF2B5EF4-FFF2-40B4-BE49-F238E27FC236}">
+                  <a16:creationId xmlns:a16="http://schemas.microsoft.com/office/drawing/2014/main" id="{197A1580-6FE6-FE53-3E64-D082E4556B21}"/>
+                </a:ext>
+              </a:extLst>
+            </p:cNvPr>
+            <p:cNvSpPr txBox="1"/>
+            <p:nvPr/>
+          </p:nvSpPr>
+          <p:spPr>
+            <a:xfrm>
+              <a:off x="4862982" y="1807423"/>
+              <a:ext cx="3600000" cy="400110"/>
+            </a:xfrm>
+            <a:prstGeom prst="rect">
+              <a:avLst/>
+            </a:prstGeom>
+            <a:solidFill>
+              <a:srgbClr val="00B186"/>
+            </a:solidFill>
+          </p:spPr>
+          <p:txBody>
+            <a:bodyPr wrap="square" rtlCol="0">
+              <a:spAutoFit/>
+            </a:bodyPr>
+            <a:lstStyle/>
+            <a:p>
+              <a:pPr algn="ctr"/>
+              <a:r>
+                <a:rPr lang="en-DE" sz="2000" dirty="0">
+                  <a:solidFill>
+                    <a:schemeClr val="bg1"/>
+                  </a:solidFill>
+                  <a:latin typeface="Arial" panose="020B0604020202020204" pitchFamily="34" charset="0"/>
+                  <a:cs typeface="Arial" panose="020B0604020202020204" pitchFamily="34" charset="0"/>
+                </a:rPr>
+                <a:t>Historical houses (best)</a:t>
+              </a:r>
+            </a:p>
+          </p:txBody>
+        </p:sp>
+      </p:grpSp>
       <p:sp>
         <p:nvSpPr>
-          <p:cNvPr id="3" name="Content Placeholder 2">
-            <a:extLst>
-              <a:ext uri="{FF2B5EF4-FFF2-40B4-BE49-F238E27FC236}">
-                <a16:creationId xmlns:a16="http://schemas.microsoft.com/office/drawing/2014/main" id="{F2A4C3B3-EA78-315B-E64C-8874C7F5B2FB}"/>
-              </a:ext>
-            </a:extLst>
-          </p:cNvPr>
-          <p:cNvSpPr>
-            <a:spLocks noGrp="1"/>
-          </p:cNvSpPr>
-          <p:nvPr>
-            <p:ph idx="1"/>
-          </p:nvPr>
+          <p:cNvPr id="11" name="TextBox 10">
+            <a:extLst>
+              <a:ext uri="{FF2B5EF4-FFF2-40B4-BE49-F238E27FC236}">
+                <a16:creationId xmlns:a16="http://schemas.microsoft.com/office/drawing/2014/main" id="{8B844A9F-3D24-BD1F-83EA-574D6654EA17}"/>
+              </a:ext>
+            </a:extLst>
+          </p:cNvPr>
+          <p:cNvSpPr txBox="1"/>
+          <p:nvPr/>
         </p:nvSpPr>
-        <p:spPr/>
+        <p:spPr>
+          <a:xfrm>
+            <a:off x="972000" y="5667207"/>
+            <a:ext cx="7199234" cy="707886"/>
+          </a:xfrm>
+          <a:prstGeom prst="rect">
+            <a:avLst/>
+          </a:prstGeom>
+          <a:solidFill>
+            <a:schemeClr val="bg1">
+              <a:lumMod val="85000"/>
+            </a:schemeClr>
+          </a:solidFill>
+        </p:spPr>
         <p:txBody>
-          <a:bodyPr/>
+          <a:bodyPr wrap="square" rtlCol="0">
+            <a:spAutoFit/>
+          </a:bodyPr>
           <a:lstStyle/>
           <a:p>
-            <a:endParaRPr lang="en-DE" dirty="0"/>
+            <a:pPr algn="just"/>
+            <a:r>
+              <a:rPr lang="en-DE" sz="2000" dirty="0">
+                <a:latin typeface="Arial" panose="020B0604020202020204" pitchFamily="34" charset="0"/>
+                <a:cs typeface="Arial" panose="020B0604020202020204" pitchFamily="34" charset="0"/>
+              </a:rPr>
+              <a:t>The best months to buy historical houses seem to be in December (Winter) </a:t>
+            </a:r>
+            <a:r>
+              <a:rPr lang="en-GB" sz="2000" dirty="0">
+                <a:latin typeface="Arial" panose="020B0604020202020204" pitchFamily="34" charset="0"/>
+                <a:cs typeface="Arial" panose="020B0604020202020204" pitchFamily="34" charset="0"/>
+              </a:rPr>
+              <a:t>and June (Summer).</a:t>
+            </a:r>
+            <a:endParaRPr lang="en-DE" sz="2000" dirty="0">
+              <a:latin typeface="Arial" panose="020B0604020202020204" pitchFamily="34" charset="0"/>
+              <a:cs typeface="Arial" panose="020B0604020202020204" pitchFamily="34" charset="0"/>
+            </a:endParaRPr>
           </a:p>
         </p:txBody>
       </p:sp>
     </p:spTree>
     <p:extLst>
       <p:ext uri="{BB962C8B-B14F-4D97-AF65-F5344CB8AC3E}">
-        <p14:creationId xmlns:p14="http://schemas.microsoft.com/office/powerpoint/2010/main" val="4018060659"/>
+        <p14:creationId xmlns:p14="http://schemas.microsoft.com/office/powerpoint/2010/main" val="2466991527"/>
       </p:ext>
     </p:extLst>
   </p:cSld>
   <p:clrMapOvr>
     <a:masterClrMapping/>
   </p:clrMapOvr>
+  <p:timing>
+    <p:tnLst>
+      <p:par>
+        <p:cTn id="1" dur="indefinite" restart="never" nodeType="tmRoot">
+          <p:childTnLst>
+            <p:seq concurrent="1" nextAc="seek">
+              <p:cTn id="2" dur="indefinite" nodeType="mainSeq">
+                <p:childTnLst>
+                  <p:par>
+                    <p:cTn id="3" fill="hold">
+                      <p:stCondLst>
+                        <p:cond delay="indefinite"/>
+                      </p:stCondLst>
+                      <p:childTnLst>
+                        <p:par>
+                          <p:cTn id="4" fill="hold">
+                            <p:stCondLst>
+                              <p:cond delay="0"/>
+                            </p:stCondLst>
+                            <p:childTnLst>
+                              <p:par>
+                                <p:cTn id="5" presetID="1" presetClass="entr" presetSubtype="0" fill="hold" nodeType="clickEffect">
+                                  <p:stCondLst>
+                                    <p:cond delay="0"/>
+                                  </p:stCondLst>
+                                  <p:childTnLst>
+                                    <p:set>
+                                      <p:cBhvr>
+                                        <p:cTn id="6" dur="1" fill="hold">
+                                          <p:stCondLst>
+                                            <p:cond delay="0"/>
+                                          </p:stCondLst>
+                                        </p:cTn>
+                                        <p:tgtEl>
+                                          <p:spTgt spid="4"/>
+                                        </p:tgtEl>
+                                        <p:attrNameLst>
+                                          <p:attrName>style.visibility</p:attrName>
+                                        </p:attrNameLst>
+                                      </p:cBhvr>
+                                      <p:to>
+                                        <p:strVal val="visible"/>
+                                      </p:to>
+                                    </p:set>
+                                  </p:childTnLst>
+                                </p:cTn>
+                              </p:par>
+                            </p:childTnLst>
+                          </p:cTn>
+                        </p:par>
+                      </p:childTnLst>
+                    </p:cTn>
+                  </p:par>
+                  <p:par>
+                    <p:cTn id="7" fill="hold">
+                      <p:stCondLst>
+                        <p:cond delay="indefinite"/>
+                      </p:stCondLst>
+                      <p:childTnLst>
+                        <p:par>
+                          <p:cTn id="8" fill="hold">
+                            <p:stCondLst>
+                              <p:cond delay="0"/>
+                            </p:stCondLst>
+                            <p:childTnLst>
+                              <p:par>
+                                <p:cTn id="9" presetID="1" presetClass="entr" presetSubtype="0" fill="hold" grpId="0" nodeType="clickEffect">
+                                  <p:stCondLst>
+                                    <p:cond delay="0"/>
+                                  </p:stCondLst>
+                                  <p:childTnLst>
+                                    <p:set>
+                                      <p:cBhvr>
+                                        <p:cTn id="10" dur="1" fill="hold">
+                                          <p:stCondLst>
+                                            <p:cond delay="0"/>
+                                          </p:stCondLst>
+                                        </p:cTn>
+                                        <p:tgtEl>
+                                          <p:spTgt spid="11"/>
+                                        </p:tgtEl>
+                                        <p:attrNameLst>
+                                          <p:attrName>style.visibility</p:attrName>
+                                        </p:attrNameLst>
+                                      </p:cBhvr>
+                                      <p:to>
+                                        <p:strVal val="visible"/>
+                                      </p:to>
+                                    </p:set>
+                                  </p:childTnLst>
+                                </p:cTn>
+                              </p:par>
+                            </p:childTnLst>
+                          </p:cTn>
+                        </p:par>
+                      </p:childTnLst>
+                    </p:cTn>
+                  </p:par>
+                </p:childTnLst>
+              </p:cTn>
+              <p:prevCondLst>
+                <p:cond evt="onPrev" delay="0">
+                  <p:tgtEl>
+                    <p:sldTgt/>
+                  </p:tgtEl>
+                </p:cond>
+              </p:prevCondLst>
+              <p:nextCondLst>
+                <p:cond evt="onNext" delay="0">
+                  <p:tgtEl>
+                    <p:sldTgt/>
+                  </p:tgtEl>
+                </p:cond>
+              </p:nextCondLst>
+            </p:seq>
+          </p:childTnLst>
+        </p:cTn>
+      </p:par>
+    </p:tnLst>
+    <p:bldLst>
+      <p:bldP spid="11" grpId="0" animBg="1"/>
+    </p:bldLst>
+  </p:timing>
 </p:sld>
 </file>
 

--- a/EDA_presentation.pptx
+++ b/EDA_presentation.pptx
@@ -271,7 +271,7 @@
           <a:p>
             <a:fld id="{9AB3A824-1A51-4B26-AD58-A6D8E14F6C04}" type="datetimeFigureOut">
               <a:rPr lang="en-US" smtClean="0"/>
-              <a:t>3/14/24</a:t>
+              <a:t>3/15/24</a:t>
             </a:fld>
             <a:endParaRPr lang="en-US" dirty="0"/>
           </a:p>
@@ -476,7 +476,7 @@
           <a:p>
             <a:fld id="{D857E33E-8B18-4087-B112-809917729534}" type="datetimeFigureOut">
               <a:rPr lang="en-US" smtClean="0"/>
-              <a:t>3/14/24</a:t>
+              <a:t>3/15/24</a:t>
             </a:fld>
             <a:endParaRPr lang="en-US" dirty="0"/>
           </a:p>
@@ -691,7 +691,7 @@
           <a:p>
             <a:fld id="{D3FFE419-2371-464F-8239-3959401C3561}" type="datetimeFigureOut">
               <a:rPr lang="en-US" smtClean="0"/>
-              <a:t>3/14/24</a:t>
+              <a:t>3/15/24</a:t>
             </a:fld>
             <a:endParaRPr lang="en-US" dirty="0"/>
           </a:p>
@@ -896,7 +896,7 @@
           <a:p>
             <a:fld id="{97D162C4-EDD9-4389-A98B-B87ECEA2A816}" type="datetimeFigureOut">
               <a:rPr lang="en-US" smtClean="0"/>
-              <a:t>3/14/24</a:t>
+              <a:t>3/15/24</a:t>
             </a:fld>
             <a:endParaRPr lang="en-US" dirty="0"/>
           </a:p>
@@ -1177,7 +1177,7 @@
           <a:p>
             <a:fld id="{3E5059C3-6A89-4494-99FF-5A4D6FFD50EB}" type="datetimeFigureOut">
               <a:rPr lang="en-US" smtClean="0"/>
-              <a:t>3/14/24</a:t>
+              <a:t>3/15/24</a:t>
             </a:fld>
             <a:endParaRPr lang="en-US" dirty="0"/>
           </a:p>
@@ -1450,7 +1450,7 @@
           <a:p>
             <a:fld id="{CA954B2F-12DE-47F5-8894-472B206D2E1E}" type="datetimeFigureOut">
               <a:rPr lang="en-US" smtClean="0"/>
-              <a:t>3/14/24</a:t>
+              <a:t>3/15/24</a:t>
             </a:fld>
             <a:endParaRPr lang="en-US" dirty="0"/>
           </a:p>
@@ -1870,7 +1870,7 @@
           <a:p>
             <a:fld id="{3F30E46F-7819-4ACF-B48B-48222C2ACC88}" type="datetimeFigureOut">
               <a:rPr lang="en-US" smtClean="0"/>
-              <a:t>3/14/24</a:t>
+              <a:t>3/15/24</a:t>
             </a:fld>
             <a:endParaRPr lang="en-US" dirty="0"/>
           </a:p>
@@ -2017,7 +2017,7 @@
           <a:p>
             <a:fld id="{1FAF3416-4057-4DAA-829D-4CA07428D088}" type="datetimeFigureOut">
               <a:rPr lang="en-US" smtClean="0"/>
-              <a:t>3/14/24</a:t>
+              <a:t>3/15/24</a:t>
             </a:fld>
             <a:endParaRPr lang="en-US" dirty="0"/>
           </a:p>
@@ -2135,7 +2135,7 @@
           <a:p>
             <a:fld id="{921D9284-D300-4297-87F7-E791DCC15DB1}" type="datetimeFigureOut">
               <a:rPr lang="en-US" smtClean="0"/>
-              <a:t>3/14/24</a:t>
+              <a:t>3/15/24</a:t>
             </a:fld>
             <a:endParaRPr lang="en-US" dirty="0"/>
           </a:p>
@@ -2453,7 +2453,7 @@
           <a:p>
             <a:fld id="{37D525BB-DA17-4BA0-B3C8-3AC3ABC827E6}" type="datetimeFigureOut">
               <a:rPr lang="en-US" smtClean="0"/>
-              <a:t>3/14/24</a:t>
+              <a:t>3/15/24</a:t>
             </a:fld>
             <a:endParaRPr lang="en-US" dirty="0"/>
           </a:p>
@@ -2747,7 +2747,7 @@
           <a:p>
             <a:fld id="{B16C4C9A-3960-41CF-A4E9-2A8FB932454B}" type="datetimeFigureOut">
               <a:rPr lang="en-US" smtClean="0"/>
-              <a:t>3/14/24</a:t>
+              <a:t>3/15/24</a:t>
             </a:fld>
             <a:endParaRPr lang="en-US" dirty="0"/>
           </a:p>
@@ -2995,7 +2995,7 @@
           <a:p>
             <a:fld id="{3CBC1C18-307B-4F68-A007-B5B542270E8D}" type="datetimeFigureOut">
               <a:rPr lang="en-US" smtClean="0"/>
-              <a:t>3/14/24</a:t>
+              <a:t>3/15/24</a:t>
             </a:fld>
             <a:endParaRPr lang="en-US" dirty="0"/>
           </a:p>
@@ -4560,7 +4560,7 @@
                 <a:latin typeface="Arial" panose="020B0604020202020204" pitchFamily="34" charset="0"/>
                 <a:cs typeface="Arial" panose="020B0604020202020204" pitchFamily="34" charset="0"/>
               </a:rPr>
-              <a:t>The factor that seems to influence the price of historical houses the most is: Grade</a:t>
+              <a:t>The factor that seems to be correlated with the price of historical houses is: Grade</a:t>
             </a:r>
           </a:p>
           <a:p>
@@ -4706,10 +4706,10 @@
       </p:sp>
       <p:pic>
         <p:nvPicPr>
-          <p:cNvPr id="4" name="Picture 3" descr="A graph of a house&#10;&#10;Description automatically generated">
-            <a:extLst>
-              <a:ext uri="{FF2B5EF4-FFF2-40B4-BE49-F238E27FC236}">
-                <a16:creationId xmlns:a16="http://schemas.microsoft.com/office/drawing/2014/main" id="{000A026F-9A7D-43BF-87D4-79B40BA5ACB5}"/>
+          <p:cNvPr id="5" name="Picture 4" descr="A graph of a graph showing a line of a line&#10;&#10;Description automatically generated with medium confidence">
+            <a:extLst>
+              <a:ext uri="{FF2B5EF4-FFF2-40B4-BE49-F238E27FC236}">
+                <a16:creationId xmlns:a16="http://schemas.microsoft.com/office/drawing/2014/main" id="{934B932C-C7A6-9D18-6A57-1FA7671D598A}"/>
               </a:ext>
             </a:extLst>
           </p:cNvPr>
@@ -4720,36 +4720,6 @@
         </p:nvPicPr>
         <p:blipFill>
           <a:blip r:embed="rId2"/>
-          <a:stretch>
-            <a:fillRect/>
-          </a:stretch>
-        </p:blipFill>
-        <p:spPr>
-          <a:xfrm>
-            <a:off x="6495825" y="4647421"/>
-            <a:ext cx="2400000" cy="1800000"/>
-          </a:xfrm>
-          <a:prstGeom prst="rect">
-            <a:avLst/>
-          </a:prstGeom>
-        </p:spPr>
-      </p:pic>
-      <p:pic>
-        <p:nvPicPr>
-          <p:cNvPr id="5" name="Picture 4" descr="A graph of a graph showing a line of a line&#10;&#10;Description automatically generated with medium confidence">
-            <a:extLst>
-              <a:ext uri="{FF2B5EF4-FFF2-40B4-BE49-F238E27FC236}">
-                <a16:creationId xmlns:a16="http://schemas.microsoft.com/office/drawing/2014/main" id="{934B932C-C7A6-9D18-6A57-1FA7671D598A}"/>
-              </a:ext>
-            </a:extLst>
-          </p:cNvPr>
-          <p:cNvPicPr>
-            <a:picLocks noChangeAspect="1"/>
-          </p:cNvPicPr>
-          <p:nvPr/>
-        </p:nvPicPr>
-        <p:blipFill>
-          <a:blip r:embed="rId3"/>
           <a:stretch>
             <a:fillRect/>
           </a:stretch>
@@ -4779,6 +4749,36 @@
           <p:nvPr/>
         </p:nvPicPr>
         <p:blipFill>
+          <a:blip r:embed="rId3"/>
+          <a:stretch>
+            <a:fillRect/>
+          </a:stretch>
+        </p:blipFill>
+        <p:spPr>
+          <a:xfrm>
+            <a:off x="6493665" y="1037370"/>
+            <a:ext cx="2400000" cy="1800000"/>
+          </a:xfrm>
+          <a:prstGeom prst="rect">
+            <a:avLst/>
+          </a:prstGeom>
+        </p:spPr>
+      </p:pic>
+      <p:pic>
+        <p:nvPicPr>
+          <p:cNvPr id="8" name="Picture 7" descr="A graph of a house&#10;&#10;Description automatically generated">
+            <a:extLst>
+              <a:ext uri="{FF2B5EF4-FFF2-40B4-BE49-F238E27FC236}">
+                <a16:creationId xmlns:a16="http://schemas.microsoft.com/office/drawing/2014/main" id="{2A89EDE1-8C1A-22B8-F692-AB20639F659A}"/>
+              </a:ext>
+            </a:extLst>
+          </p:cNvPr>
+          <p:cNvPicPr>
+            <a:picLocks noChangeAspect="1"/>
+          </p:cNvPicPr>
+          <p:nvPr/>
+        </p:nvPicPr>
+        <p:blipFill>
           <a:blip r:embed="rId4"/>
           <a:stretch>
             <a:fillRect/>
@@ -4786,7 +4786,7 @@
         </p:blipFill>
         <p:spPr>
           <a:xfrm>
-            <a:off x="6493665" y="1037370"/>
+            <a:off x="6498537" y="4711068"/>
             <a:ext cx="2400000" cy="1800000"/>
           </a:xfrm>
           <a:prstGeom prst="rect">
@@ -6211,7 +6211,7 @@
                 <a:latin typeface="Arial" panose="020B0604020202020204" pitchFamily="34" charset="0"/>
                 <a:cs typeface="Arial" panose="020B0604020202020204" pitchFamily="34" charset="0"/>
               </a:rPr>
-              <a:t>Are there factors that influence price? If so, which factors could influence price and therefore profit?</a:t>
+              <a:t>Are there factors that are correlated with price? If so, which factors could be correlated with price and therefore profit?</a:t>
             </a:r>
           </a:p>
           <a:p>
@@ -6344,7 +6344,7 @@
         <p:spPr>
           <a:xfrm>
             <a:off x="609599" y="609600"/>
-            <a:ext cx="6347713" cy="735724"/>
+            <a:ext cx="7561635" cy="735724"/>
           </a:xfrm>
         </p:spPr>
         <p:txBody>
@@ -6358,7 +6358,7 @@
                 <a:latin typeface="Arial" panose="020B0604020202020204" pitchFamily="34" charset="0"/>
                 <a:cs typeface="Arial" panose="020B0604020202020204" pitchFamily="34" charset="0"/>
               </a:rPr>
-              <a:t>Which factors influence the price?</a:t>
+              <a:t>Which factors are correlated with the price?</a:t>
             </a:r>
           </a:p>
         </p:txBody>
@@ -6460,12 +6460,334 @@
           </p:txBody>
         </p:sp>
       </p:grpSp>
+      <p:sp>
+        <p:nvSpPr>
+          <p:cNvPr id="3" name="TextBox 2">
+            <a:extLst>
+              <a:ext uri="{FF2B5EF4-FFF2-40B4-BE49-F238E27FC236}">
+                <a16:creationId xmlns:a16="http://schemas.microsoft.com/office/drawing/2014/main" id="{BBD48567-0B95-F3CA-B335-036BDCBE98CA}"/>
+              </a:ext>
+            </a:extLst>
+          </p:cNvPr>
+          <p:cNvSpPr txBox="1"/>
+          <p:nvPr/>
+        </p:nvSpPr>
+        <p:spPr>
+          <a:xfrm>
+            <a:off x="972000" y="5667207"/>
+            <a:ext cx="7199234" cy="707886"/>
+          </a:xfrm>
+          <a:prstGeom prst="rect">
+            <a:avLst/>
+          </a:prstGeom>
+          <a:solidFill>
+            <a:schemeClr val="bg1">
+              <a:lumMod val="85000"/>
+            </a:schemeClr>
+          </a:solidFill>
+        </p:spPr>
+        <p:txBody>
+          <a:bodyPr wrap="square" rtlCol="0">
+            <a:spAutoFit/>
+          </a:bodyPr>
+          <a:lstStyle/>
+          <a:p>
+            <a:pPr algn="just"/>
+            <a:r>
+              <a:rPr lang="de-DE" sz="2000" dirty="0">
+                <a:latin typeface="Arial" panose="020B0604020202020204" pitchFamily="34" charset="0"/>
+                <a:cs typeface="Arial" panose="020B0604020202020204" pitchFamily="34" charset="0"/>
+              </a:rPr>
+              <a:t>The grade </a:t>
+            </a:r>
+            <a:r>
+              <a:rPr lang="de-DE" sz="2000" dirty="0" err="1">
+                <a:latin typeface="Arial" panose="020B0604020202020204" pitchFamily="34" charset="0"/>
+                <a:cs typeface="Arial" panose="020B0604020202020204" pitchFamily="34" charset="0"/>
+              </a:rPr>
+              <a:t>of</a:t>
+            </a:r>
+            <a:r>
+              <a:rPr lang="de-DE" sz="2000" dirty="0">
+                <a:latin typeface="Arial" panose="020B0604020202020204" pitchFamily="34" charset="0"/>
+                <a:cs typeface="Arial" panose="020B0604020202020204" pitchFamily="34" charset="0"/>
+              </a:rPr>
+              <a:t> a </a:t>
+            </a:r>
+            <a:r>
+              <a:rPr lang="de-DE" sz="2000" dirty="0" err="1">
+                <a:latin typeface="Arial" panose="020B0604020202020204" pitchFamily="34" charset="0"/>
+                <a:cs typeface="Arial" panose="020B0604020202020204" pitchFamily="34" charset="0"/>
+              </a:rPr>
+              <a:t>house</a:t>
+            </a:r>
+            <a:r>
+              <a:rPr lang="de-DE" sz="2000" dirty="0">
+                <a:latin typeface="Arial" panose="020B0604020202020204" pitchFamily="34" charset="0"/>
+                <a:cs typeface="Arial" panose="020B0604020202020204" pitchFamily="34" charset="0"/>
+              </a:rPr>
+              <a:t> </a:t>
+            </a:r>
+            <a:r>
+              <a:rPr lang="de-DE" sz="2000" dirty="0" err="1">
+                <a:latin typeface="Arial" panose="020B0604020202020204" pitchFamily="34" charset="0"/>
+                <a:cs typeface="Arial" panose="020B0604020202020204" pitchFamily="34" charset="0"/>
+              </a:rPr>
+              <a:t>seems</a:t>
+            </a:r>
+            <a:r>
+              <a:rPr lang="de-DE" sz="2000" dirty="0">
+                <a:latin typeface="Arial" panose="020B0604020202020204" pitchFamily="34" charset="0"/>
+                <a:cs typeface="Arial" panose="020B0604020202020204" pitchFamily="34" charset="0"/>
+              </a:rPr>
+              <a:t> </a:t>
+            </a:r>
+            <a:r>
+              <a:rPr lang="de-DE" sz="2000" dirty="0" err="1">
+                <a:latin typeface="Arial" panose="020B0604020202020204" pitchFamily="34" charset="0"/>
+                <a:cs typeface="Arial" panose="020B0604020202020204" pitchFamily="34" charset="0"/>
+              </a:rPr>
+              <a:t>to</a:t>
+            </a:r>
+            <a:r>
+              <a:rPr lang="de-DE" sz="2000" dirty="0">
+                <a:latin typeface="Arial" panose="020B0604020202020204" pitchFamily="34" charset="0"/>
+                <a:cs typeface="Arial" panose="020B0604020202020204" pitchFamily="34" charset="0"/>
+              </a:rPr>
+              <a:t> </a:t>
+            </a:r>
+            <a:r>
+              <a:rPr lang="de-DE" sz="2000" dirty="0" err="1">
+                <a:latin typeface="Arial" panose="020B0604020202020204" pitchFamily="34" charset="0"/>
+                <a:cs typeface="Arial" panose="020B0604020202020204" pitchFamily="34" charset="0"/>
+              </a:rPr>
+              <a:t>be</a:t>
+            </a:r>
+            <a:r>
+              <a:rPr lang="de-DE" sz="2000" dirty="0">
+                <a:latin typeface="Arial" panose="020B0604020202020204" pitchFamily="34" charset="0"/>
+                <a:cs typeface="Arial" panose="020B0604020202020204" pitchFamily="34" charset="0"/>
+              </a:rPr>
+              <a:t> </a:t>
+            </a:r>
+            <a:r>
+              <a:rPr lang="de-DE" sz="2000" dirty="0" err="1">
+                <a:latin typeface="Arial" panose="020B0604020202020204" pitchFamily="34" charset="0"/>
+                <a:cs typeface="Arial" panose="020B0604020202020204" pitchFamily="34" charset="0"/>
+              </a:rPr>
+              <a:t>correlated</a:t>
+            </a:r>
+            <a:r>
+              <a:rPr lang="de-DE" sz="2000" dirty="0">
+                <a:latin typeface="Arial" panose="020B0604020202020204" pitchFamily="34" charset="0"/>
+                <a:cs typeface="Arial" panose="020B0604020202020204" pitchFamily="34" charset="0"/>
+              </a:rPr>
+              <a:t> </a:t>
+            </a:r>
+            <a:r>
+              <a:rPr lang="de-DE" sz="2000" dirty="0" err="1">
+                <a:latin typeface="Arial" panose="020B0604020202020204" pitchFamily="34" charset="0"/>
+                <a:cs typeface="Arial" panose="020B0604020202020204" pitchFamily="34" charset="0"/>
+              </a:rPr>
+              <a:t>with</a:t>
+            </a:r>
+            <a:r>
+              <a:rPr lang="de-DE" sz="2000" dirty="0">
+                <a:latin typeface="Arial" panose="020B0604020202020204" pitchFamily="34" charset="0"/>
+                <a:cs typeface="Arial" panose="020B0604020202020204" pitchFamily="34" charset="0"/>
+              </a:rPr>
+              <a:t> </a:t>
+            </a:r>
+            <a:r>
+              <a:rPr lang="de-DE" sz="2000" dirty="0" err="1">
+                <a:latin typeface="Arial" panose="020B0604020202020204" pitchFamily="34" charset="0"/>
+                <a:cs typeface="Arial" panose="020B0604020202020204" pitchFamily="34" charset="0"/>
+              </a:rPr>
+              <a:t>the</a:t>
+            </a:r>
+            <a:r>
+              <a:rPr lang="de-DE" sz="2000" dirty="0">
+                <a:latin typeface="Arial" panose="020B0604020202020204" pitchFamily="34" charset="0"/>
+                <a:cs typeface="Arial" panose="020B0604020202020204" pitchFamily="34" charset="0"/>
+              </a:rPr>
+              <a:t> </a:t>
+            </a:r>
+            <a:r>
+              <a:rPr lang="de-DE" sz="2000" dirty="0" err="1">
+                <a:latin typeface="Arial" panose="020B0604020202020204" pitchFamily="34" charset="0"/>
+                <a:cs typeface="Arial" panose="020B0604020202020204" pitchFamily="34" charset="0"/>
+              </a:rPr>
+              <a:t>price</a:t>
+            </a:r>
+            <a:r>
+              <a:rPr lang="de-DE" sz="2000" dirty="0">
+                <a:latin typeface="Arial" panose="020B0604020202020204" pitchFamily="34" charset="0"/>
+                <a:cs typeface="Arial" panose="020B0604020202020204" pitchFamily="34" charset="0"/>
+              </a:rPr>
+              <a:t> </a:t>
+            </a:r>
+            <a:r>
+              <a:rPr lang="de-DE" sz="2000" dirty="0" err="1">
+                <a:latin typeface="Arial" panose="020B0604020202020204" pitchFamily="34" charset="0"/>
+                <a:cs typeface="Arial" panose="020B0604020202020204" pitchFamily="34" charset="0"/>
+              </a:rPr>
+              <a:t>of</a:t>
+            </a:r>
+            <a:r>
+              <a:rPr lang="de-DE" sz="2000" dirty="0">
+                <a:latin typeface="Arial" panose="020B0604020202020204" pitchFamily="34" charset="0"/>
+                <a:cs typeface="Arial" panose="020B0604020202020204" pitchFamily="34" charset="0"/>
+              </a:rPr>
+              <a:t> a </a:t>
+            </a:r>
+            <a:r>
+              <a:rPr lang="de-DE" sz="2000" dirty="0" err="1">
+                <a:latin typeface="Arial" panose="020B0604020202020204" pitchFamily="34" charset="0"/>
+                <a:cs typeface="Arial" panose="020B0604020202020204" pitchFamily="34" charset="0"/>
+              </a:rPr>
+              <a:t>historic</a:t>
+            </a:r>
+            <a:r>
+              <a:rPr lang="de-DE" sz="2000" dirty="0">
+                <a:latin typeface="Arial" panose="020B0604020202020204" pitchFamily="34" charset="0"/>
+                <a:cs typeface="Arial" panose="020B0604020202020204" pitchFamily="34" charset="0"/>
+              </a:rPr>
+              <a:t> </a:t>
+            </a:r>
+            <a:r>
+              <a:rPr lang="de-DE" sz="2000" dirty="0" err="1">
+                <a:latin typeface="Arial" panose="020B0604020202020204" pitchFamily="34" charset="0"/>
+                <a:cs typeface="Arial" panose="020B0604020202020204" pitchFamily="34" charset="0"/>
+              </a:rPr>
+              <a:t>house</a:t>
+            </a:r>
+            <a:r>
+              <a:rPr lang="de-DE" sz="2000" dirty="0">
+                <a:latin typeface="Arial" panose="020B0604020202020204" pitchFamily="34" charset="0"/>
+                <a:cs typeface="Arial" panose="020B0604020202020204" pitchFamily="34" charset="0"/>
+              </a:rPr>
+              <a:t>, but not </a:t>
+            </a:r>
+            <a:r>
+              <a:rPr lang="de-DE" sz="2000" dirty="0" err="1">
+                <a:latin typeface="Arial" panose="020B0604020202020204" pitchFamily="34" charset="0"/>
+                <a:cs typeface="Arial" panose="020B0604020202020204" pitchFamily="34" charset="0"/>
+              </a:rPr>
+              <a:t>the</a:t>
+            </a:r>
+            <a:r>
+              <a:rPr lang="de-DE" sz="2000" dirty="0">
+                <a:latin typeface="Arial" panose="020B0604020202020204" pitchFamily="34" charset="0"/>
+                <a:cs typeface="Arial" panose="020B0604020202020204" pitchFamily="34" charset="0"/>
+              </a:rPr>
+              <a:t> </a:t>
+            </a:r>
+            <a:r>
+              <a:rPr lang="de-DE" sz="2000" dirty="0" err="1">
+                <a:latin typeface="Arial" panose="020B0604020202020204" pitchFamily="34" charset="0"/>
+                <a:cs typeface="Arial" panose="020B0604020202020204" pitchFamily="34" charset="0"/>
+              </a:rPr>
+              <a:t>condition</a:t>
+            </a:r>
+            <a:r>
+              <a:rPr lang="de-DE" sz="2000" dirty="0">
+                <a:latin typeface="Arial" panose="020B0604020202020204" pitchFamily="34" charset="0"/>
+                <a:cs typeface="Arial" panose="020B0604020202020204" pitchFamily="34" charset="0"/>
+              </a:rPr>
+              <a:t> </a:t>
+            </a:r>
+            <a:r>
+              <a:rPr lang="de-DE" sz="2000" dirty="0" err="1">
+                <a:latin typeface="Arial" panose="020B0604020202020204" pitchFamily="34" charset="0"/>
+                <a:cs typeface="Arial" panose="020B0604020202020204" pitchFamily="34" charset="0"/>
+              </a:rPr>
+              <a:t>of</a:t>
+            </a:r>
+            <a:r>
+              <a:rPr lang="de-DE" sz="2000" dirty="0">
+                <a:latin typeface="Arial" panose="020B0604020202020204" pitchFamily="34" charset="0"/>
+                <a:cs typeface="Arial" panose="020B0604020202020204" pitchFamily="34" charset="0"/>
+              </a:rPr>
+              <a:t> a </a:t>
+            </a:r>
+            <a:r>
+              <a:rPr lang="de-DE" sz="2000" dirty="0" err="1">
+                <a:latin typeface="Arial" panose="020B0604020202020204" pitchFamily="34" charset="0"/>
+                <a:cs typeface="Arial" panose="020B0604020202020204" pitchFamily="34" charset="0"/>
+              </a:rPr>
+              <a:t>house</a:t>
+            </a:r>
+            <a:r>
+              <a:rPr lang="de-DE" sz="2000" dirty="0">
+                <a:latin typeface="Arial" panose="020B0604020202020204" pitchFamily="34" charset="0"/>
+                <a:cs typeface="Arial" panose="020B0604020202020204" pitchFamily="34" charset="0"/>
+              </a:rPr>
+              <a:t>.</a:t>
+            </a:r>
+            <a:endParaRPr lang="en-DE" sz="2000" dirty="0">
+              <a:latin typeface="Arial" panose="020B0604020202020204" pitchFamily="34" charset="0"/>
+              <a:cs typeface="Arial" panose="020B0604020202020204" pitchFamily="34" charset="0"/>
+            </a:endParaRPr>
+          </a:p>
+        </p:txBody>
+      </p:sp>
+      <p:sp>
+        <p:nvSpPr>
+          <p:cNvPr id="6" name="TextBox 5">
+            <a:extLst>
+              <a:ext uri="{FF2B5EF4-FFF2-40B4-BE49-F238E27FC236}">
+                <a16:creationId xmlns:a16="http://schemas.microsoft.com/office/drawing/2014/main" id="{9076AF5F-6ABF-A983-FB61-4217FD425BB2}"/>
+              </a:ext>
+            </a:extLst>
+          </p:cNvPr>
+          <p:cNvSpPr txBox="1"/>
+          <p:nvPr/>
+        </p:nvSpPr>
+        <p:spPr>
+          <a:xfrm>
+            <a:off x="3022165" y="2402240"/>
+            <a:ext cx="853119" cy="323165"/>
+          </a:xfrm>
+          <a:prstGeom prst="rect">
+            <a:avLst/>
+          </a:prstGeom>
+          <a:noFill/>
+        </p:spPr>
+        <p:txBody>
+          <a:bodyPr wrap="none" rtlCol="0">
+            <a:spAutoFit/>
+          </a:bodyPr>
+          <a:lstStyle/>
+          <a:p>
+            <a:r>
+              <a:rPr lang="en-GB" sz="1500" dirty="0"/>
+              <a:t>r</a:t>
+            </a:r>
+            <a:r>
+              <a:rPr lang="en-DE" sz="1500" dirty="0"/>
+              <a:t> = </a:t>
+            </a:r>
+            <a:r>
+              <a:rPr lang="en-DE" sz="1500" b="0" i="0" dirty="0">
+                <a:effectLst/>
+                <a:latin typeface="Arial" panose="020B0604020202020204" pitchFamily="34" charset="0"/>
+                <a:cs typeface="Arial" panose="020B0604020202020204" pitchFamily="34" charset="0"/>
+              </a:rPr>
+              <a:t>0.15</a:t>
+            </a:r>
+            <a:r>
+              <a:rPr lang="en-DE" sz="1500" dirty="0"/>
+              <a:t> </a:t>
+            </a:r>
+          </a:p>
+        </p:txBody>
+      </p:sp>
       <p:grpSp>
         <p:nvGrpSpPr>
-          <p:cNvPr id="13" name="Group 12">
-            <a:extLst>
-              <a:ext uri="{FF2B5EF4-FFF2-40B4-BE49-F238E27FC236}">
-                <a16:creationId xmlns:a16="http://schemas.microsoft.com/office/drawing/2014/main" id="{6ED87326-ADA5-FE4C-BF95-598BDECF0B23}"/>
+          <p:cNvPr id="9" name="Group 8">
+            <a:extLst>
+              <a:ext uri="{FF2B5EF4-FFF2-40B4-BE49-F238E27FC236}">
+                <a16:creationId xmlns:a16="http://schemas.microsoft.com/office/drawing/2014/main" id="{4FC52F36-77D3-AE5C-4BC7-FD1580E812C7}"/>
               </a:ext>
             </a:extLst>
           </p:cNvPr>
@@ -6556,54 +6878,58 @@
             </a:p>
           </p:txBody>
         </p:sp>
+        <p:sp>
+          <p:nvSpPr>
+            <p:cNvPr id="7" name="TextBox 6">
+              <a:extLst>
+                <a:ext uri="{FF2B5EF4-FFF2-40B4-BE49-F238E27FC236}">
+                  <a16:creationId xmlns:a16="http://schemas.microsoft.com/office/drawing/2014/main" id="{67F6BAB9-A979-DBB1-377E-20AE4262CF3A}"/>
+                </a:ext>
+              </a:extLst>
+            </p:cNvPr>
+            <p:cNvSpPr txBox="1"/>
+            <p:nvPr/>
+          </p:nvSpPr>
+          <p:spPr>
+            <a:xfrm>
+              <a:off x="7328108" y="2399659"/>
+              <a:ext cx="853119" cy="323165"/>
+            </a:xfrm>
+            <a:prstGeom prst="rect">
+              <a:avLst/>
+            </a:prstGeom>
+            <a:noFill/>
+          </p:spPr>
+          <p:txBody>
+            <a:bodyPr wrap="none" rtlCol="0">
+              <a:spAutoFit/>
+            </a:bodyPr>
+            <a:lstStyle/>
+            <a:p>
+              <a:r>
+                <a:rPr lang="en-GB" sz="1500" dirty="0"/>
+                <a:t>r</a:t>
+              </a:r>
+              <a:r>
+                <a:rPr lang="en-DE" sz="1500" dirty="0"/>
+                <a:t> = </a:t>
+              </a:r>
+              <a:r>
+                <a:rPr lang="en-DE" sz="1500" b="0" i="0" dirty="0">
+                  <a:effectLst/>
+                  <a:latin typeface="Arial" panose="020B0604020202020204" pitchFamily="34" charset="0"/>
+                  <a:cs typeface="Arial" panose="020B0604020202020204" pitchFamily="34" charset="0"/>
+                </a:rPr>
+                <a:t>0.74</a:t>
+              </a:r>
+              <a:r>
+                <a:rPr lang="en-DE" sz="1500" dirty="0"/>
+                <a:t> </a:t>
+              </a:r>
+            </a:p>
+          </p:txBody>
+        </p:sp>
       </p:grpSp>
-      <p:sp>
-        <p:nvSpPr>
-          <p:cNvPr id="3" name="TextBox 2">
-            <a:extLst>
-              <a:ext uri="{FF2B5EF4-FFF2-40B4-BE49-F238E27FC236}">
-                <a16:creationId xmlns:a16="http://schemas.microsoft.com/office/drawing/2014/main" id="{BBD48567-0B95-F3CA-B335-036BDCBE98CA}"/>
-              </a:ext>
-            </a:extLst>
-          </p:cNvPr>
-          <p:cNvSpPr txBox="1"/>
-          <p:nvPr/>
-        </p:nvSpPr>
-        <p:spPr>
-          <a:xfrm>
-            <a:off x="972000" y="5667207"/>
-            <a:ext cx="7199234" cy="400110"/>
-          </a:xfrm>
-          <a:prstGeom prst="rect">
-            <a:avLst/>
-          </a:prstGeom>
-          <a:solidFill>
-            <a:schemeClr val="bg1">
-              <a:lumMod val="85000"/>
-            </a:schemeClr>
-          </a:solidFill>
-        </p:spPr>
-        <p:txBody>
-          <a:bodyPr wrap="square" rtlCol="0">
-            <a:spAutoFit/>
-          </a:bodyPr>
-          <a:lstStyle/>
-          <a:p>
-            <a:pPr algn="just"/>
-            <a:r>
-              <a:rPr lang="de-DE" sz="2000" dirty="0">
-                <a:latin typeface="Arial" panose="020B0604020202020204" pitchFamily="34" charset="0"/>
-                <a:cs typeface="Arial" panose="020B0604020202020204" pitchFamily="34" charset="0"/>
-              </a:rPr>
-              <a:t>Blank.</a:t>
-            </a:r>
-            <a:endParaRPr lang="en-DE" sz="2000" dirty="0">
-              <a:latin typeface="Arial" panose="020B0604020202020204" pitchFamily="34" charset="0"/>
-              <a:cs typeface="Arial" panose="020B0604020202020204" pitchFamily="34" charset="0"/>
-            </a:endParaRPr>
-          </a:p>
-        </p:txBody>
-      </p:sp>
     </p:spTree>
     <p:extLst>
       <p:ext uri="{BB962C8B-B14F-4D97-AF65-F5344CB8AC3E}">
@@ -6648,7 +6974,7 @@
                                           </p:stCondLst>
                                         </p:cTn>
                                         <p:tgtEl>
-                                          <p:spTgt spid="13"/>
+                                          <p:spTgt spid="9"/>
                                         </p:tgtEl>
                                         <p:attrNameLst>
                                           <p:attrName>style.visibility</p:attrName>
@@ -6776,7 +7102,7 @@
         <p:spPr>
           <a:xfrm>
             <a:off x="609599" y="609600"/>
-            <a:ext cx="6347713" cy="735724"/>
+            <a:ext cx="7561635" cy="735724"/>
           </a:xfrm>
         </p:spPr>
         <p:txBody>
@@ -6790,7 +7116,7 @@
                 <a:latin typeface="Arial" panose="020B0604020202020204" pitchFamily="34" charset="0"/>
                 <a:cs typeface="Arial" panose="020B0604020202020204" pitchFamily="34" charset="0"/>
               </a:rPr>
-              <a:t>Which factors influence the price?</a:t>
+              <a:t>Which factors are correlated with the price?</a:t>
             </a:r>
           </a:p>
         </p:txBody>
@@ -6892,12 +7218,355 @@
           </p:txBody>
         </p:sp>
       </p:grpSp>
+      <p:sp>
+        <p:nvSpPr>
+          <p:cNvPr id="13" name="TextBox 12">
+            <a:extLst>
+              <a:ext uri="{FF2B5EF4-FFF2-40B4-BE49-F238E27FC236}">
+                <a16:creationId xmlns:a16="http://schemas.microsoft.com/office/drawing/2014/main" id="{72290C27-594F-8A0D-4BB3-82D17A86CBF1}"/>
+              </a:ext>
+            </a:extLst>
+          </p:cNvPr>
+          <p:cNvSpPr txBox="1"/>
+          <p:nvPr/>
+        </p:nvSpPr>
+        <p:spPr>
+          <a:xfrm>
+            <a:off x="972000" y="5667207"/>
+            <a:ext cx="7199234" cy="707886"/>
+          </a:xfrm>
+          <a:prstGeom prst="rect">
+            <a:avLst/>
+          </a:prstGeom>
+          <a:solidFill>
+            <a:schemeClr val="bg1">
+              <a:lumMod val="85000"/>
+            </a:schemeClr>
+          </a:solidFill>
+        </p:spPr>
+        <p:txBody>
+          <a:bodyPr wrap="square" rtlCol="0">
+            <a:spAutoFit/>
+          </a:bodyPr>
+          <a:lstStyle/>
+          <a:p>
+            <a:pPr algn="just"/>
+            <a:r>
+              <a:rPr lang="de-DE" sz="2000" dirty="0" err="1">
+                <a:latin typeface="Arial" panose="020B0604020202020204" pitchFamily="34" charset="0"/>
+                <a:cs typeface="Arial" panose="020B0604020202020204" pitchFamily="34" charset="0"/>
+              </a:rPr>
+              <a:t>Neither</a:t>
+            </a:r>
+            <a:r>
+              <a:rPr lang="de-DE" sz="2000" dirty="0">
+                <a:latin typeface="Arial" panose="020B0604020202020204" pitchFamily="34" charset="0"/>
+                <a:cs typeface="Arial" panose="020B0604020202020204" pitchFamily="34" charset="0"/>
+              </a:rPr>
+              <a:t> </a:t>
+            </a:r>
+            <a:r>
+              <a:rPr lang="de-DE" sz="2000" dirty="0" err="1">
+                <a:latin typeface="Arial" panose="020B0604020202020204" pitchFamily="34" charset="0"/>
+                <a:cs typeface="Arial" panose="020B0604020202020204" pitchFamily="34" charset="0"/>
+              </a:rPr>
+              <a:t>the</a:t>
+            </a:r>
+            <a:r>
+              <a:rPr lang="de-DE" sz="2000" dirty="0">
+                <a:latin typeface="Arial" panose="020B0604020202020204" pitchFamily="34" charset="0"/>
+                <a:cs typeface="Arial" panose="020B0604020202020204" pitchFamily="34" charset="0"/>
+              </a:rPr>
+              <a:t> </a:t>
+            </a:r>
+            <a:r>
+              <a:rPr lang="de-DE" sz="2000" dirty="0" err="1">
+                <a:latin typeface="Arial" panose="020B0604020202020204" pitchFamily="34" charset="0"/>
+                <a:cs typeface="Arial" panose="020B0604020202020204" pitchFamily="34" charset="0"/>
+              </a:rPr>
+              <a:t>era</a:t>
+            </a:r>
+            <a:r>
+              <a:rPr lang="de-DE" sz="2000" dirty="0">
+                <a:latin typeface="Arial" panose="020B0604020202020204" pitchFamily="34" charset="0"/>
+                <a:cs typeface="Arial" panose="020B0604020202020204" pitchFamily="34" charset="0"/>
+              </a:rPr>
+              <a:t> a </a:t>
+            </a:r>
+            <a:r>
+              <a:rPr lang="de-DE" sz="2000" dirty="0" err="1">
+                <a:latin typeface="Arial" panose="020B0604020202020204" pitchFamily="34" charset="0"/>
+                <a:cs typeface="Arial" panose="020B0604020202020204" pitchFamily="34" charset="0"/>
+              </a:rPr>
+              <a:t>house</a:t>
+            </a:r>
+            <a:r>
+              <a:rPr lang="de-DE" sz="2000" dirty="0">
+                <a:latin typeface="Arial" panose="020B0604020202020204" pitchFamily="34" charset="0"/>
+                <a:cs typeface="Arial" panose="020B0604020202020204" pitchFamily="34" charset="0"/>
+              </a:rPr>
+              <a:t> was </a:t>
+            </a:r>
+            <a:r>
+              <a:rPr lang="de-DE" sz="2000" dirty="0" err="1">
+                <a:latin typeface="Arial" panose="020B0604020202020204" pitchFamily="34" charset="0"/>
+                <a:cs typeface="Arial" panose="020B0604020202020204" pitchFamily="34" charset="0"/>
+              </a:rPr>
+              <a:t>build</a:t>
+            </a:r>
+            <a:r>
+              <a:rPr lang="de-DE" sz="2000" dirty="0">
+                <a:latin typeface="Arial" panose="020B0604020202020204" pitchFamily="34" charset="0"/>
+                <a:cs typeface="Arial" panose="020B0604020202020204" pitchFamily="34" charset="0"/>
+              </a:rPr>
+              <a:t> </a:t>
+            </a:r>
+            <a:r>
+              <a:rPr lang="de-DE" sz="2000" dirty="0" err="1">
+                <a:latin typeface="Arial" panose="020B0604020202020204" pitchFamily="34" charset="0"/>
+                <a:cs typeface="Arial" panose="020B0604020202020204" pitchFamily="34" charset="0"/>
+              </a:rPr>
+              <a:t>nor</a:t>
+            </a:r>
+            <a:r>
+              <a:rPr lang="de-DE" sz="2000" dirty="0">
+                <a:latin typeface="Arial" panose="020B0604020202020204" pitchFamily="34" charset="0"/>
+                <a:cs typeface="Arial" panose="020B0604020202020204" pitchFamily="34" charset="0"/>
+              </a:rPr>
+              <a:t> </a:t>
+            </a:r>
+            <a:r>
+              <a:rPr lang="de-DE" sz="2000" dirty="0" err="1">
+                <a:latin typeface="Arial" panose="020B0604020202020204" pitchFamily="34" charset="0"/>
+                <a:cs typeface="Arial" panose="020B0604020202020204" pitchFamily="34" charset="0"/>
+              </a:rPr>
+              <a:t>the</a:t>
+            </a:r>
+            <a:r>
+              <a:rPr lang="de-DE" sz="2000" dirty="0">
+                <a:latin typeface="Arial" panose="020B0604020202020204" pitchFamily="34" charset="0"/>
+                <a:cs typeface="Arial" panose="020B0604020202020204" pitchFamily="34" charset="0"/>
+              </a:rPr>
+              <a:t> </a:t>
+            </a:r>
+            <a:r>
+              <a:rPr lang="de-DE" sz="2000" dirty="0" err="1">
+                <a:latin typeface="Arial" panose="020B0604020202020204" pitchFamily="34" charset="0"/>
+                <a:cs typeface="Arial" panose="020B0604020202020204" pitchFamily="34" charset="0"/>
+              </a:rPr>
+              <a:t>renovation</a:t>
+            </a:r>
+            <a:r>
+              <a:rPr lang="de-DE" sz="2000" dirty="0">
+                <a:latin typeface="Arial" panose="020B0604020202020204" pitchFamily="34" charset="0"/>
+                <a:cs typeface="Arial" panose="020B0604020202020204" pitchFamily="34" charset="0"/>
+              </a:rPr>
+              <a:t> </a:t>
+            </a:r>
+            <a:r>
+              <a:rPr lang="de-DE" sz="2000" dirty="0" err="1">
+                <a:latin typeface="Arial" panose="020B0604020202020204" pitchFamily="34" charset="0"/>
+                <a:cs typeface="Arial" panose="020B0604020202020204" pitchFamily="34" charset="0"/>
+              </a:rPr>
+              <a:t>seems</a:t>
+            </a:r>
+            <a:r>
+              <a:rPr lang="de-DE" sz="2000" dirty="0">
+                <a:latin typeface="Arial" panose="020B0604020202020204" pitchFamily="34" charset="0"/>
+                <a:cs typeface="Arial" panose="020B0604020202020204" pitchFamily="34" charset="0"/>
+              </a:rPr>
+              <a:t> </a:t>
+            </a:r>
+            <a:r>
+              <a:rPr lang="de-DE" sz="2000" dirty="0" err="1">
+                <a:latin typeface="Arial" panose="020B0604020202020204" pitchFamily="34" charset="0"/>
+                <a:cs typeface="Arial" panose="020B0604020202020204" pitchFamily="34" charset="0"/>
+              </a:rPr>
+              <a:t>to</a:t>
+            </a:r>
+            <a:r>
+              <a:rPr lang="de-DE" sz="2000" dirty="0">
+                <a:latin typeface="Arial" panose="020B0604020202020204" pitchFamily="34" charset="0"/>
+                <a:cs typeface="Arial" panose="020B0604020202020204" pitchFamily="34" charset="0"/>
+              </a:rPr>
+              <a:t> </a:t>
+            </a:r>
+            <a:r>
+              <a:rPr lang="de-DE" sz="2000" dirty="0" err="1">
+                <a:latin typeface="Arial" panose="020B0604020202020204" pitchFamily="34" charset="0"/>
+                <a:cs typeface="Arial" panose="020B0604020202020204" pitchFamily="34" charset="0"/>
+              </a:rPr>
+              <a:t>be</a:t>
+            </a:r>
+            <a:r>
+              <a:rPr lang="de-DE" sz="2000" dirty="0">
+                <a:latin typeface="Arial" panose="020B0604020202020204" pitchFamily="34" charset="0"/>
+                <a:cs typeface="Arial" panose="020B0604020202020204" pitchFamily="34" charset="0"/>
+              </a:rPr>
+              <a:t> </a:t>
+            </a:r>
+            <a:r>
+              <a:rPr lang="de-DE" sz="2000" dirty="0" err="1">
+                <a:latin typeface="Arial" panose="020B0604020202020204" pitchFamily="34" charset="0"/>
+                <a:cs typeface="Arial" panose="020B0604020202020204" pitchFamily="34" charset="0"/>
+              </a:rPr>
+              <a:t>correlated</a:t>
+            </a:r>
+            <a:r>
+              <a:rPr lang="de-DE" sz="2000" dirty="0">
+                <a:latin typeface="Arial" panose="020B0604020202020204" pitchFamily="34" charset="0"/>
+                <a:cs typeface="Arial" panose="020B0604020202020204" pitchFamily="34" charset="0"/>
+              </a:rPr>
+              <a:t> </a:t>
+            </a:r>
+            <a:r>
+              <a:rPr lang="de-DE" sz="2000" dirty="0" err="1">
+                <a:latin typeface="Arial" panose="020B0604020202020204" pitchFamily="34" charset="0"/>
+                <a:cs typeface="Arial" panose="020B0604020202020204" pitchFamily="34" charset="0"/>
+              </a:rPr>
+              <a:t>with</a:t>
+            </a:r>
+            <a:r>
+              <a:rPr lang="de-DE" sz="2000" dirty="0">
+                <a:latin typeface="Arial" panose="020B0604020202020204" pitchFamily="34" charset="0"/>
+                <a:cs typeface="Arial" panose="020B0604020202020204" pitchFamily="34" charset="0"/>
+              </a:rPr>
+              <a:t> </a:t>
+            </a:r>
+            <a:r>
+              <a:rPr lang="de-DE" sz="2000" dirty="0" err="1">
+                <a:latin typeface="Arial" panose="020B0604020202020204" pitchFamily="34" charset="0"/>
+                <a:cs typeface="Arial" panose="020B0604020202020204" pitchFamily="34" charset="0"/>
+              </a:rPr>
+              <a:t>the</a:t>
+            </a:r>
+            <a:r>
+              <a:rPr lang="de-DE" sz="2000" dirty="0">
+                <a:latin typeface="Arial" panose="020B0604020202020204" pitchFamily="34" charset="0"/>
+                <a:cs typeface="Arial" panose="020B0604020202020204" pitchFamily="34" charset="0"/>
+              </a:rPr>
+              <a:t> </a:t>
+            </a:r>
+            <a:r>
+              <a:rPr lang="de-DE" sz="2000" dirty="0" err="1">
+                <a:latin typeface="Arial" panose="020B0604020202020204" pitchFamily="34" charset="0"/>
+                <a:cs typeface="Arial" panose="020B0604020202020204" pitchFamily="34" charset="0"/>
+              </a:rPr>
+              <a:t>price</a:t>
+            </a:r>
+            <a:r>
+              <a:rPr lang="de-DE" sz="2000" dirty="0">
+                <a:latin typeface="Arial" panose="020B0604020202020204" pitchFamily="34" charset="0"/>
+                <a:cs typeface="Arial" panose="020B0604020202020204" pitchFamily="34" charset="0"/>
+              </a:rPr>
+              <a:t> </a:t>
+            </a:r>
+            <a:r>
+              <a:rPr lang="de-DE" sz="2000" dirty="0" err="1">
+                <a:latin typeface="Arial" panose="020B0604020202020204" pitchFamily="34" charset="0"/>
+                <a:cs typeface="Arial" panose="020B0604020202020204" pitchFamily="34" charset="0"/>
+              </a:rPr>
+              <a:t>of</a:t>
+            </a:r>
+            <a:r>
+              <a:rPr lang="de-DE" sz="2000" dirty="0">
+                <a:latin typeface="Arial" panose="020B0604020202020204" pitchFamily="34" charset="0"/>
+                <a:cs typeface="Arial" panose="020B0604020202020204" pitchFamily="34" charset="0"/>
+              </a:rPr>
+              <a:t> a </a:t>
+            </a:r>
+            <a:r>
+              <a:rPr lang="de-DE" sz="2000" dirty="0" err="1">
+                <a:latin typeface="Arial" panose="020B0604020202020204" pitchFamily="34" charset="0"/>
+                <a:cs typeface="Arial" panose="020B0604020202020204" pitchFamily="34" charset="0"/>
+              </a:rPr>
+              <a:t>historic</a:t>
+            </a:r>
+            <a:r>
+              <a:rPr lang="de-DE" sz="2000" dirty="0">
+                <a:latin typeface="Arial" panose="020B0604020202020204" pitchFamily="34" charset="0"/>
+                <a:cs typeface="Arial" panose="020B0604020202020204" pitchFamily="34" charset="0"/>
+              </a:rPr>
+              <a:t> </a:t>
+            </a:r>
+            <a:r>
+              <a:rPr lang="de-DE" sz="2000" dirty="0" err="1">
+                <a:latin typeface="Arial" panose="020B0604020202020204" pitchFamily="34" charset="0"/>
+                <a:cs typeface="Arial" panose="020B0604020202020204" pitchFamily="34" charset="0"/>
+              </a:rPr>
+              <a:t>house</a:t>
+            </a:r>
+            <a:r>
+              <a:rPr lang="de-DE" sz="2000" dirty="0">
+                <a:latin typeface="Arial" panose="020B0604020202020204" pitchFamily="34" charset="0"/>
+                <a:cs typeface="Arial" panose="020B0604020202020204" pitchFamily="34" charset="0"/>
+              </a:rPr>
+              <a:t>. </a:t>
+            </a:r>
+            <a:endParaRPr lang="en-DE" sz="2000" dirty="0">
+              <a:latin typeface="Arial" panose="020B0604020202020204" pitchFamily="34" charset="0"/>
+              <a:cs typeface="Arial" panose="020B0604020202020204" pitchFamily="34" charset="0"/>
+            </a:endParaRPr>
+          </a:p>
+        </p:txBody>
+      </p:sp>
+      <p:sp>
+        <p:nvSpPr>
+          <p:cNvPr id="4" name="TextBox 3">
+            <a:extLst>
+              <a:ext uri="{FF2B5EF4-FFF2-40B4-BE49-F238E27FC236}">
+                <a16:creationId xmlns:a16="http://schemas.microsoft.com/office/drawing/2014/main" id="{BB3CE697-3549-00F5-A758-38A177372773}"/>
+              </a:ext>
+            </a:extLst>
+          </p:cNvPr>
+          <p:cNvSpPr txBox="1"/>
+          <p:nvPr/>
+        </p:nvSpPr>
+        <p:spPr>
+          <a:xfrm>
+            <a:off x="3022165" y="2402240"/>
+            <a:ext cx="912429" cy="323165"/>
+          </a:xfrm>
+          <a:prstGeom prst="rect">
+            <a:avLst/>
+          </a:prstGeom>
+          <a:noFill/>
+        </p:spPr>
+        <p:txBody>
+          <a:bodyPr wrap="none" rtlCol="0">
+            <a:spAutoFit/>
+          </a:bodyPr>
+          <a:lstStyle/>
+          <a:p>
+            <a:r>
+              <a:rPr lang="en-GB" sz="1500" dirty="0"/>
+              <a:t>r</a:t>
+            </a:r>
+            <a:r>
+              <a:rPr lang="en-DE" sz="1500" dirty="0"/>
+              <a:t> = -</a:t>
+            </a:r>
+            <a:r>
+              <a:rPr lang="en-DE" sz="1500" b="0" i="0" dirty="0">
+                <a:effectLst/>
+                <a:latin typeface="Arial" panose="020B0604020202020204" pitchFamily="34" charset="0"/>
+                <a:cs typeface="Arial" panose="020B0604020202020204" pitchFamily="34" charset="0"/>
+              </a:rPr>
+              <a:t>0.17</a:t>
+            </a:r>
+            <a:r>
+              <a:rPr lang="en-DE" sz="1500" dirty="0"/>
+              <a:t> </a:t>
+            </a:r>
+          </a:p>
+        </p:txBody>
+      </p:sp>
       <p:grpSp>
         <p:nvGrpSpPr>
-          <p:cNvPr id="15" name="Group 14">
-            <a:extLst>
-              <a:ext uri="{FF2B5EF4-FFF2-40B4-BE49-F238E27FC236}">
-                <a16:creationId xmlns:a16="http://schemas.microsoft.com/office/drawing/2014/main" id="{A0CF89E8-BD3B-E835-2CFE-E5AF027132F0}"/>
+          <p:cNvPr id="8" name="Group 7">
+            <a:extLst>
+              <a:ext uri="{FF2B5EF4-FFF2-40B4-BE49-F238E27FC236}">
+                <a16:creationId xmlns:a16="http://schemas.microsoft.com/office/drawing/2014/main" id="{E9147EA1-7F92-B48C-EE68-F285344BCBAB}"/>
               </a:ext>
             </a:extLst>
           </p:cNvPr>
@@ -6988,54 +7657,58 @@
             </a:p>
           </p:txBody>
         </p:sp>
+        <p:sp>
+          <p:nvSpPr>
+            <p:cNvPr id="5" name="TextBox 4">
+              <a:extLst>
+                <a:ext uri="{FF2B5EF4-FFF2-40B4-BE49-F238E27FC236}">
+                  <a16:creationId xmlns:a16="http://schemas.microsoft.com/office/drawing/2014/main" id="{092394C0-8404-02E2-D619-452D808C9315}"/>
+                </a:ext>
+              </a:extLst>
+            </p:cNvPr>
+            <p:cNvSpPr txBox="1"/>
+            <p:nvPr/>
+          </p:nvSpPr>
+          <p:spPr>
+            <a:xfrm>
+              <a:off x="7328108" y="2399659"/>
+              <a:ext cx="853119" cy="323165"/>
+            </a:xfrm>
+            <a:prstGeom prst="rect">
+              <a:avLst/>
+            </a:prstGeom>
+            <a:noFill/>
+          </p:spPr>
+          <p:txBody>
+            <a:bodyPr wrap="none" rtlCol="0">
+              <a:spAutoFit/>
+            </a:bodyPr>
+            <a:lstStyle/>
+            <a:p>
+              <a:r>
+                <a:rPr lang="en-GB" sz="1500" dirty="0"/>
+                <a:t>r</a:t>
+              </a:r>
+              <a:r>
+                <a:rPr lang="en-DE" sz="1500" dirty="0"/>
+                <a:t> = </a:t>
+              </a:r>
+              <a:r>
+                <a:rPr lang="en-DE" sz="1500" b="0" i="0" dirty="0">
+                  <a:effectLst/>
+                  <a:latin typeface="Arial" panose="020B0604020202020204" pitchFamily="34" charset="0"/>
+                  <a:cs typeface="Arial" panose="020B0604020202020204" pitchFamily="34" charset="0"/>
+                </a:rPr>
+                <a:t>0.01</a:t>
+              </a:r>
+              <a:r>
+                <a:rPr lang="en-DE" sz="1500" dirty="0"/>
+                <a:t> </a:t>
+              </a:r>
+            </a:p>
+          </p:txBody>
+        </p:sp>
       </p:grpSp>
-      <p:sp>
-        <p:nvSpPr>
-          <p:cNvPr id="13" name="TextBox 12">
-            <a:extLst>
-              <a:ext uri="{FF2B5EF4-FFF2-40B4-BE49-F238E27FC236}">
-                <a16:creationId xmlns:a16="http://schemas.microsoft.com/office/drawing/2014/main" id="{72290C27-594F-8A0D-4BB3-82D17A86CBF1}"/>
-              </a:ext>
-            </a:extLst>
-          </p:cNvPr>
-          <p:cNvSpPr txBox="1"/>
-          <p:nvPr/>
-        </p:nvSpPr>
-        <p:spPr>
-          <a:xfrm>
-            <a:off x="972000" y="5667207"/>
-            <a:ext cx="7199234" cy="400110"/>
-          </a:xfrm>
-          <a:prstGeom prst="rect">
-            <a:avLst/>
-          </a:prstGeom>
-          <a:solidFill>
-            <a:schemeClr val="bg1">
-              <a:lumMod val="85000"/>
-            </a:schemeClr>
-          </a:solidFill>
-        </p:spPr>
-        <p:txBody>
-          <a:bodyPr wrap="square" rtlCol="0">
-            <a:spAutoFit/>
-          </a:bodyPr>
-          <a:lstStyle/>
-          <a:p>
-            <a:pPr algn="just"/>
-            <a:r>
-              <a:rPr lang="de-DE" sz="2000" dirty="0">
-                <a:latin typeface="Arial" panose="020B0604020202020204" pitchFamily="34" charset="0"/>
-                <a:cs typeface="Arial" panose="020B0604020202020204" pitchFamily="34" charset="0"/>
-              </a:rPr>
-              <a:t>Blank.</a:t>
-            </a:r>
-            <a:endParaRPr lang="en-DE" sz="2000" dirty="0">
-              <a:latin typeface="Arial" panose="020B0604020202020204" pitchFamily="34" charset="0"/>
-              <a:cs typeface="Arial" panose="020B0604020202020204" pitchFamily="34" charset="0"/>
-            </a:endParaRPr>
-          </a:p>
-        </p:txBody>
-      </p:sp>
     </p:spTree>
     <p:extLst>
       <p:ext uri="{BB962C8B-B14F-4D97-AF65-F5344CB8AC3E}">
@@ -7080,7 +7753,7 @@
                                           </p:stCondLst>
                                         </p:cTn>
                                         <p:tgtEl>
-                                          <p:spTgt spid="15"/>
+                                          <p:spTgt spid="8"/>
                                         </p:tgtEl>
                                         <p:attrNameLst>
                                           <p:attrName>style.visibility</p:attrName>
@@ -7208,7 +7881,7 @@
         <p:spPr>
           <a:xfrm>
             <a:off x="609599" y="609600"/>
-            <a:ext cx="6347713" cy="735724"/>
+            <a:ext cx="7561635" cy="735724"/>
           </a:xfrm>
         </p:spPr>
         <p:txBody>
@@ -7222,7 +7895,7 @@
                 <a:latin typeface="Arial" panose="020B0604020202020204" pitchFamily="34" charset="0"/>
                 <a:cs typeface="Arial" panose="020B0604020202020204" pitchFamily="34" charset="0"/>
               </a:rPr>
-              <a:t>Which factors influence the price?</a:t>
+              <a:t>Which factors are correlated with the price?</a:t>
             </a:r>
           </a:p>
         </p:txBody>
@@ -7567,7 +8240,7 @@
         <p:spPr>
           <a:xfrm>
             <a:off x="972000" y="5667207"/>
-            <a:ext cx="7199234" cy="400110"/>
+            <a:ext cx="7199234" cy="707886"/>
           </a:xfrm>
           <a:prstGeom prst="rect">
             <a:avLst/>
@@ -7586,11 +8259,284 @@
           <a:p>
             <a:pPr algn="just"/>
             <a:r>
+              <a:rPr lang="de-DE" sz="2000" dirty="0" err="1">
+                <a:latin typeface="Arial" panose="020B0604020202020204" pitchFamily="34" charset="0"/>
+                <a:cs typeface="Arial" panose="020B0604020202020204" pitchFamily="34" charset="0"/>
+              </a:rPr>
+              <a:t>From</a:t>
+            </a:r>
+            <a:r>
               <a:rPr lang="de-DE" sz="2000" dirty="0">
                 <a:latin typeface="Arial" panose="020B0604020202020204" pitchFamily="34" charset="0"/>
                 <a:cs typeface="Arial" panose="020B0604020202020204" pitchFamily="34" charset="0"/>
               </a:rPr>
-              <a:t>Blank.</a:t>
+              <a:t> </a:t>
+            </a:r>
+            <a:r>
+              <a:rPr lang="de-DE" sz="2000" dirty="0" err="1">
+                <a:latin typeface="Arial" panose="020B0604020202020204" pitchFamily="34" charset="0"/>
+                <a:cs typeface="Arial" panose="020B0604020202020204" pitchFamily="34" charset="0"/>
+              </a:rPr>
+              <a:t>the</a:t>
+            </a:r>
+            <a:r>
+              <a:rPr lang="de-DE" sz="2000" dirty="0">
+                <a:latin typeface="Arial" panose="020B0604020202020204" pitchFamily="34" charset="0"/>
+                <a:cs typeface="Arial" panose="020B0604020202020204" pitchFamily="34" charset="0"/>
+              </a:rPr>
+              <a:t> </a:t>
+            </a:r>
+            <a:r>
+              <a:rPr lang="de-DE" sz="2000" dirty="0" err="1">
+                <a:latin typeface="Arial" panose="020B0604020202020204" pitchFamily="34" charset="0"/>
+                <a:cs typeface="Arial" panose="020B0604020202020204" pitchFamily="34" charset="0"/>
+              </a:rPr>
+              <a:t>four</a:t>
+            </a:r>
+            <a:r>
+              <a:rPr lang="de-DE" sz="2000" dirty="0">
+                <a:latin typeface="Arial" panose="020B0604020202020204" pitchFamily="34" charset="0"/>
+                <a:cs typeface="Arial" panose="020B0604020202020204" pitchFamily="34" charset="0"/>
+              </a:rPr>
+              <a:t> </a:t>
+            </a:r>
+            <a:r>
+              <a:rPr lang="de-DE" sz="2000" dirty="0" err="1">
+                <a:latin typeface="Arial" panose="020B0604020202020204" pitchFamily="34" charset="0"/>
+                <a:cs typeface="Arial" panose="020B0604020202020204" pitchFamily="34" charset="0"/>
+              </a:rPr>
+              <a:t>factors</a:t>
+            </a:r>
+            <a:r>
+              <a:rPr lang="de-DE" sz="2000" dirty="0">
+                <a:latin typeface="Arial" panose="020B0604020202020204" pitchFamily="34" charset="0"/>
+                <a:cs typeface="Arial" panose="020B0604020202020204" pitchFamily="34" charset="0"/>
+              </a:rPr>
+              <a:t> </a:t>
+            </a:r>
+            <a:r>
+              <a:rPr lang="de-DE" sz="2000" dirty="0" err="1">
+                <a:latin typeface="Arial" panose="020B0604020202020204" pitchFamily="34" charset="0"/>
+                <a:cs typeface="Arial" panose="020B0604020202020204" pitchFamily="34" charset="0"/>
+              </a:rPr>
+              <a:t>we</a:t>
+            </a:r>
+            <a:r>
+              <a:rPr lang="de-DE" sz="2000" dirty="0">
+                <a:latin typeface="Arial" panose="020B0604020202020204" pitchFamily="34" charset="0"/>
+                <a:cs typeface="Arial" panose="020B0604020202020204" pitchFamily="34" charset="0"/>
+              </a:rPr>
+              <a:t> </a:t>
+            </a:r>
+            <a:r>
+              <a:rPr lang="de-DE" sz="2000" dirty="0" err="1">
+                <a:latin typeface="Arial" panose="020B0604020202020204" pitchFamily="34" charset="0"/>
+                <a:cs typeface="Arial" panose="020B0604020202020204" pitchFamily="34" charset="0"/>
+              </a:rPr>
+              <a:t>analysed</a:t>
+            </a:r>
+            <a:r>
+              <a:rPr lang="de-DE" sz="2000" dirty="0">
+                <a:latin typeface="Arial" panose="020B0604020202020204" pitchFamily="34" charset="0"/>
+                <a:cs typeface="Arial" panose="020B0604020202020204" pitchFamily="34" charset="0"/>
+              </a:rPr>
+              <a:t> </a:t>
+            </a:r>
+            <a:r>
+              <a:rPr lang="de-DE" sz="2000" b="1" dirty="0" err="1">
+                <a:latin typeface="Arial" panose="020B0604020202020204" pitchFamily="34" charset="0"/>
+                <a:cs typeface="Arial" panose="020B0604020202020204" pitchFamily="34" charset="0"/>
+              </a:rPr>
+              <a:t>only</a:t>
+            </a:r>
+            <a:r>
+              <a:rPr lang="de-DE" sz="2000" b="1" dirty="0">
+                <a:latin typeface="Arial" panose="020B0604020202020204" pitchFamily="34" charset="0"/>
+                <a:cs typeface="Arial" panose="020B0604020202020204" pitchFamily="34" charset="0"/>
+              </a:rPr>
+              <a:t> </a:t>
+            </a:r>
+            <a:r>
+              <a:rPr lang="de-DE" sz="2000" b="1" dirty="0" err="1">
+                <a:latin typeface="Arial" panose="020B0604020202020204" pitchFamily="34" charset="0"/>
+                <a:cs typeface="Arial" panose="020B0604020202020204" pitchFamily="34" charset="0"/>
+              </a:rPr>
+              <a:t>the</a:t>
+            </a:r>
+            <a:r>
+              <a:rPr lang="de-DE" sz="2000" b="1" dirty="0">
+                <a:latin typeface="Arial" panose="020B0604020202020204" pitchFamily="34" charset="0"/>
+                <a:cs typeface="Arial" panose="020B0604020202020204" pitchFamily="34" charset="0"/>
+              </a:rPr>
+              <a:t> grade </a:t>
+            </a:r>
+            <a:r>
+              <a:rPr lang="de-DE" sz="2000" b="1" dirty="0" err="1">
+                <a:latin typeface="Arial" panose="020B0604020202020204" pitchFamily="34" charset="0"/>
+                <a:cs typeface="Arial" panose="020B0604020202020204" pitchFamily="34" charset="0"/>
+              </a:rPr>
+              <a:t>of</a:t>
+            </a:r>
+            <a:r>
+              <a:rPr lang="de-DE" sz="2000" b="1" dirty="0">
+                <a:latin typeface="Arial" panose="020B0604020202020204" pitchFamily="34" charset="0"/>
+                <a:cs typeface="Arial" panose="020B0604020202020204" pitchFamily="34" charset="0"/>
+              </a:rPr>
+              <a:t> a </a:t>
+            </a:r>
+            <a:r>
+              <a:rPr lang="de-DE" sz="2000" b="1" dirty="0" err="1">
+                <a:latin typeface="Arial" panose="020B0604020202020204" pitchFamily="34" charset="0"/>
+                <a:cs typeface="Arial" panose="020B0604020202020204" pitchFamily="34" charset="0"/>
+              </a:rPr>
+              <a:t>house</a:t>
+            </a:r>
+            <a:r>
+              <a:rPr lang="de-DE" sz="2000" b="1" dirty="0">
+                <a:latin typeface="Arial" panose="020B0604020202020204" pitchFamily="34" charset="0"/>
+                <a:cs typeface="Arial" panose="020B0604020202020204" pitchFamily="34" charset="0"/>
+              </a:rPr>
+              <a:t> </a:t>
+            </a:r>
+            <a:r>
+              <a:rPr lang="de-DE" sz="2000" dirty="0" err="1">
+                <a:latin typeface="Arial" panose="020B0604020202020204" pitchFamily="34" charset="0"/>
+                <a:cs typeface="Arial" panose="020B0604020202020204" pitchFamily="34" charset="0"/>
+              </a:rPr>
+              <a:t>seems</a:t>
+            </a:r>
+            <a:r>
+              <a:rPr lang="de-DE" sz="2000" dirty="0">
+                <a:latin typeface="Arial" panose="020B0604020202020204" pitchFamily="34" charset="0"/>
+                <a:cs typeface="Arial" panose="020B0604020202020204" pitchFamily="34" charset="0"/>
+              </a:rPr>
+              <a:t> </a:t>
+            </a:r>
+            <a:r>
+              <a:rPr lang="de-DE" sz="2000" dirty="0" err="1">
+                <a:latin typeface="Arial" panose="020B0604020202020204" pitchFamily="34" charset="0"/>
+                <a:cs typeface="Arial" panose="020B0604020202020204" pitchFamily="34" charset="0"/>
+              </a:rPr>
+              <a:t>to</a:t>
+            </a:r>
+            <a:r>
+              <a:rPr lang="de-DE" sz="2000" dirty="0">
+                <a:latin typeface="Arial" panose="020B0604020202020204" pitchFamily="34" charset="0"/>
+                <a:cs typeface="Arial" panose="020B0604020202020204" pitchFamily="34" charset="0"/>
+              </a:rPr>
+              <a:t> </a:t>
+            </a:r>
+            <a:r>
+              <a:rPr lang="de-DE" sz="2000" dirty="0" err="1">
+                <a:latin typeface="Arial" panose="020B0604020202020204" pitchFamily="34" charset="0"/>
+                <a:cs typeface="Arial" panose="020B0604020202020204" pitchFamily="34" charset="0"/>
+              </a:rPr>
+              <a:t>be</a:t>
+            </a:r>
+            <a:r>
+              <a:rPr lang="de-DE" sz="2000" dirty="0">
+                <a:latin typeface="Arial" panose="020B0604020202020204" pitchFamily="34" charset="0"/>
+                <a:cs typeface="Arial" panose="020B0604020202020204" pitchFamily="34" charset="0"/>
+              </a:rPr>
+              <a:t> </a:t>
+            </a:r>
+            <a:r>
+              <a:rPr lang="de-DE" sz="2000" b="1" dirty="0" err="1">
+                <a:latin typeface="Arial" panose="020B0604020202020204" pitchFamily="34" charset="0"/>
+                <a:cs typeface="Arial" panose="020B0604020202020204" pitchFamily="34" charset="0"/>
+              </a:rPr>
+              <a:t>correlated</a:t>
+            </a:r>
+            <a:r>
+              <a:rPr lang="de-DE" sz="2000" dirty="0">
+                <a:latin typeface="Arial" panose="020B0604020202020204" pitchFamily="34" charset="0"/>
+                <a:cs typeface="Arial" panose="020B0604020202020204" pitchFamily="34" charset="0"/>
+              </a:rPr>
+              <a:t> </a:t>
+            </a:r>
+            <a:r>
+              <a:rPr lang="de-DE" sz="2000" b="1" dirty="0" err="1">
+                <a:latin typeface="Arial" panose="020B0604020202020204" pitchFamily="34" charset="0"/>
+                <a:cs typeface="Arial" panose="020B0604020202020204" pitchFamily="34" charset="0"/>
+              </a:rPr>
+              <a:t>with</a:t>
+            </a:r>
+            <a:r>
+              <a:rPr lang="de-DE" sz="2000" dirty="0">
+                <a:latin typeface="Arial" panose="020B0604020202020204" pitchFamily="34" charset="0"/>
+                <a:cs typeface="Arial" panose="020B0604020202020204" pitchFamily="34" charset="0"/>
+              </a:rPr>
+              <a:t> </a:t>
+            </a:r>
+            <a:r>
+              <a:rPr lang="de-DE" sz="2000" b="1" dirty="0" err="1">
+                <a:latin typeface="Arial" panose="020B0604020202020204" pitchFamily="34" charset="0"/>
+                <a:cs typeface="Arial" panose="020B0604020202020204" pitchFamily="34" charset="0"/>
+              </a:rPr>
+              <a:t>the</a:t>
+            </a:r>
+            <a:r>
+              <a:rPr lang="de-DE" sz="2000" dirty="0">
+                <a:latin typeface="Arial" panose="020B0604020202020204" pitchFamily="34" charset="0"/>
+                <a:cs typeface="Arial" panose="020B0604020202020204" pitchFamily="34" charset="0"/>
+              </a:rPr>
+              <a:t> </a:t>
+            </a:r>
+            <a:r>
+              <a:rPr lang="de-DE" sz="2000" b="1" dirty="0" err="1">
+                <a:latin typeface="Arial" panose="020B0604020202020204" pitchFamily="34" charset="0"/>
+                <a:cs typeface="Arial" panose="020B0604020202020204" pitchFamily="34" charset="0"/>
+              </a:rPr>
+              <a:t>price</a:t>
+            </a:r>
+            <a:r>
+              <a:rPr lang="de-DE" sz="2000" dirty="0">
+                <a:latin typeface="Arial" panose="020B0604020202020204" pitchFamily="34" charset="0"/>
+                <a:cs typeface="Arial" panose="020B0604020202020204" pitchFamily="34" charset="0"/>
+              </a:rPr>
+              <a:t> </a:t>
+            </a:r>
+            <a:r>
+              <a:rPr lang="de-DE" sz="2000" dirty="0" err="1">
+                <a:latin typeface="Arial" panose="020B0604020202020204" pitchFamily="34" charset="0"/>
+                <a:cs typeface="Arial" panose="020B0604020202020204" pitchFamily="34" charset="0"/>
+              </a:rPr>
+              <a:t>of</a:t>
+            </a:r>
+            <a:r>
+              <a:rPr lang="de-DE" sz="2000" dirty="0">
+                <a:latin typeface="Arial" panose="020B0604020202020204" pitchFamily="34" charset="0"/>
+                <a:cs typeface="Arial" panose="020B0604020202020204" pitchFamily="34" charset="0"/>
+              </a:rPr>
+              <a:t> a </a:t>
+            </a:r>
+            <a:r>
+              <a:rPr lang="de-DE" sz="2000" dirty="0" err="1">
+                <a:latin typeface="Arial" panose="020B0604020202020204" pitchFamily="34" charset="0"/>
+                <a:cs typeface="Arial" panose="020B0604020202020204" pitchFamily="34" charset="0"/>
+              </a:rPr>
+              <a:t>historic</a:t>
+            </a:r>
+            <a:r>
+              <a:rPr lang="de-DE" sz="2000" dirty="0">
+                <a:latin typeface="Arial" panose="020B0604020202020204" pitchFamily="34" charset="0"/>
+                <a:cs typeface="Arial" panose="020B0604020202020204" pitchFamily="34" charset="0"/>
+              </a:rPr>
+              <a:t> </a:t>
+            </a:r>
+            <a:r>
+              <a:rPr lang="de-DE" sz="2000" dirty="0" err="1">
+                <a:latin typeface="Arial" panose="020B0604020202020204" pitchFamily="34" charset="0"/>
+                <a:cs typeface="Arial" panose="020B0604020202020204" pitchFamily="34" charset="0"/>
+              </a:rPr>
+              <a:t>house</a:t>
+            </a:r>
+            <a:r>
+              <a:rPr lang="de-DE" sz="2000" dirty="0">
+                <a:latin typeface="Arial" panose="020B0604020202020204" pitchFamily="34" charset="0"/>
+                <a:cs typeface="Arial" panose="020B0604020202020204" pitchFamily="34" charset="0"/>
+              </a:rPr>
+              <a:t>.</a:t>
             </a:r>
           </a:p>
         </p:txBody>

--- a/EDA_presentation.pptx
+++ b/EDA_presentation.pptx
@@ -4109,7 +4109,7 @@
         </p:spPr>
         <p:txBody>
           <a:bodyPr anchor="ctr">
-            <a:normAutofit/>
+            <a:normAutofit fontScale="92500"/>
           </a:bodyPr>
           <a:lstStyle/>
           <a:p>
@@ -4121,7 +4121,7 @@
                 <a:latin typeface="Arial" panose="020B0604020202020204" pitchFamily="34" charset="0"/>
                 <a:cs typeface="Arial" panose="020B0604020202020204" pitchFamily="34" charset="0"/>
               </a:rPr>
-              <a:t>Exploratory data analysis</a:t>
+              <a:t>Exploratory data analysis (by Julia Nowak)</a:t>
             </a:r>
             <a:br>
               <a:rPr lang="en-DE" sz="2000" dirty="0">
